--- a/ANAs.pptx
+++ b/ANAs.pptx
@@ -4,9 +4,13 @@
   <p:sldMasterIdLst>
     <p:sldMasterId id="2147483648" r:id="rId1"/>
   </p:sldMasterIdLst>
+  <p:notesMasterIdLst>
+    <p:notesMasterId r:id="rId5"/>
+  </p:notesMasterIdLst>
   <p:sldIdLst>
     <p:sldId id="256" r:id="rId2"/>
     <p:sldId id="257" r:id="rId3"/>
+    <p:sldId id="259" r:id="rId4"/>
   </p:sldIdLst>
   <p:sldSz cx="12192000" cy="6858000"/>
   <p:notesSz cx="6858000" cy="9144000"/>
@@ -105,7 +109,529 @@
       </a:defRPr>
     </a:lvl9pPr>
   </p:defaultTextStyle>
+  <p:extLst>
+    <p:ext uri="{EFAFB233-063F-42B5-8137-9DF3F51BA10A}">
+      <p15:sldGuideLst xmlns:p15="http://schemas.microsoft.com/office/powerpoint/2012/main"/>
+    </p:ext>
+  </p:extLst>
 </p:presentation>
+</file>
+
+<file path=ppt/notesMasters/notesMaster1.xml><?xml version="1.0" encoding="utf-8"?>
+<p:notesMaster xmlns:a="http://schemas.openxmlformats.org/drawingml/2006/main" xmlns:r="http://schemas.openxmlformats.org/officeDocument/2006/relationships" xmlns:p="http://schemas.openxmlformats.org/presentationml/2006/main">
+  <p:cSld>
+    <p:bg>
+      <p:bgRef idx="1001">
+        <a:schemeClr val="bg1"/>
+      </p:bgRef>
+    </p:bg>
+    <p:spTree>
+      <p:nvGrpSpPr>
+        <p:cNvPr id="1" name=""/>
+        <p:cNvGrpSpPr/>
+        <p:nvPr/>
+      </p:nvGrpSpPr>
+      <p:grpSpPr>
+        <a:xfrm>
+          <a:off x="0" y="0"/>
+          <a:ext cx="0" cy="0"/>
+          <a:chOff x="0" y="0"/>
+          <a:chExt cx="0" cy="0"/>
+        </a:xfrm>
+      </p:grpSpPr>
+      <p:sp>
+        <p:nvSpPr>
+          <p:cNvPr id="2" name="Header Placeholder 1"/>
+          <p:cNvSpPr>
+            <a:spLocks noGrp="1"/>
+          </p:cNvSpPr>
+          <p:nvPr>
+            <p:ph type="hdr" sz="quarter"/>
+          </p:nvPr>
+        </p:nvSpPr>
+        <p:spPr>
+          <a:xfrm>
+            <a:off x="0" y="0"/>
+            <a:ext cx="2971800" cy="458788"/>
+          </a:xfrm>
+          <a:prstGeom prst="rect">
+            <a:avLst/>
+          </a:prstGeom>
+        </p:spPr>
+        <p:txBody>
+          <a:bodyPr vert="horz" lIns="91440" tIns="45720" rIns="91440" bIns="45720" rtlCol="0"/>
+          <a:lstStyle>
+            <a:lvl1pPr algn="l">
+              <a:defRPr sz="1200"/>
+            </a:lvl1pPr>
+          </a:lstStyle>
+          <a:p>
+            <a:endParaRPr lang="en-US"/>
+          </a:p>
+        </p:txBody>
+      </p:sp>
+      <p:sp>
+        <p:nvSpPr>
+          <p:cNvPr id="3" name="Date Placeholder 2"/>
+          <p:cNvSpPr>
+            <a:spLocks noGrp="1"/>
+          </p:cNvSpPr>
+          <p:nvPr>
+            <p:ph type="dt" idx="1"/>
+          </p:nvPr>
+        </p:nvSpPr>
+        <p:spPr>
+          <a:xfrm>
+            <a:off x="3884613" y="0"/>
+            <a:ext cx="2971800" cy="458788"/>
+          </a:xfrm>
+          <a:prstGeom prst="rect">
+            <a:avLst/>
+          </a:prstGeom>
+        </p:spPr>
+        <p:txBody>
+          <a:bodyPr vert="horz" lIns="91440" tIns="45720" rIns="91440" bIns="45720" rtlCol="0"/>
+          <a:lstStyle>
+            <a:lvl1pPr algn="r">
+              <a:defRPr sz="1200"/>
+            </a:lvl1pPr>
+          </a:lstStyle>
+          <a:p>
+            <a:fld id="{E33244F7-6EDC-4098-A2FC-DE5C43C385B3}" type="datetimeFigureOut">
+              <a:rPr lang="en-US" smtClean="0"/>
+              <a:t>1/14/2022</a:t>
+            </a:fld>
+            <a:endParaRPr lang="en-US"/>
+          </a:p>
+        </p:txBody>
+      </p:sp>
+      <p:sp>
+        <p:nvSpPr>
+          <p:cNvPr id="4" name="Slide Image Placeholder 3"/>
+          <p:cNvSpPr>
+            <a:spLocks noGrp="1" noRot="1" noChangeAspect="1"/>
+          </p:cNvSpPr>
+          <p:nvPr>
+            <p:ph type="sldImg" idx="2"/>
+          </p:nvPr>
+        </p:nvSpPr>
+        <p:spPr>
+          <a:xfrm>
+            <a:off x="685800" y="1143000"/>
+            <a:ext cx="5486400" cy="3086100"/>
+          </a:xfrm>
+          <a:prstGeom prst="rect">
+            <a:avLst/>
+          </a:prstGeom>
+          <a:noFill/>
+          <a:ln w="12700">
+            <a:solidFill>
+              <a:prstClr val="black"/>
+            </a:solidFill>
+          </a:ln>
+        </p:spPr>
+        <p:txBody>
+          <a:bodyPr vert="horz" lIns="91440" tIns="45720" rIns="91440" bIns="45720" rtlCol="0" anchor="ctr"/>
+          <a:lstStyle/>
+          <a:p>
+            <a:endParaRPr lang="en-US"/>
+          </a:p>
+        </p:txBody>
+      </p:sp>
+      <p:sp>
+        <p:nvSpPr>
+          <p:cNvPr id="5" name="Notes Placeholder 4"/>
+          <p:cNvSpPr>
+            <a:spLocks noGrp="1"/>
+          </p:cNvSpPr>
+          <p:nvPr>
+            <p:ph type="body" sz="quarter" idx="3"/>
+          </p:nvPr>
+        </p:nvSpPr>
+        <p:spPr>
+          <a:xfrm>
+            <a:off x="685800" y="4400550"/>
+            <a:ext cx="5486400" cy="3600450"/>
+          </a:xfrm>
+          <a:prstGeom prst="rect">
+            <a:avLst/>
+          </a:prstGeom>
+        </p:spPr>
+        <p:txBody>
+          <a:bodyPr vert="horz" lIns="91440" tIns="45720" rIns="91440" bIns="45720" rtlCol="0"/>
+          <a:lstStyle/>
+          <a:p>
+            <a:pPr lvl="0"/>
+            <a:r>
+              <a:rPr lang="en-US"/>
+              <a:t>Edit Master text styles</a:t>
+            </a:r>
+          </a:p>
+          <a:p>
+            <a:pPr lvl="1"/>
+            <a:r>
+              <a:rPr lang="en-US"/>
+              <a:t>Second level</a:t>
+            </a:r>
+          </a:p>
+          <a:p>
+            <a:pPr lvl="2"/>
+            <a:r>
+              <a:rPr lang="en-US"/>
+              <a:t>Third level</a:t>
+            </a:r>
+          </a:p>
+          <a:p>
+            <a:pPr lvl="3"/>
+            <a:r>
+              <a:rPr lang="en-US"/>
+              <a:t>Fourth level</a:t>
+            </a:r>
+          </a:p>
+          <a:p>
+            <a:pPr lvl="4"/>
+            <a:r>
+              <a:rPr lang="en-US"/>
+              <a:t>Fifth level</a:t>
+            </a:r>
+          </a:p>
+        </p:txBody>
+      </p:sp>
+      <p:sp>
+        <p:nvSpPr>
+          <p:cNvPr id="6" name="Footer Placeholder 5"/>
+          <p:cNvSpPr>
+            <a:spLocks noGrp="1"/>
+          </p:cNvSpPr>
+          <p:nvPr>
+            <p:ph type="ftr" sz="quarter" idx="4"/>
+          </p:nvPr>
+        </p:nvSpPr>
+        <p:spPr>
+          <a:xfrm>
+            <a:off x="0" y="8685213"/>
+            <a:ext cx="2971800" cy="458787"/>
+          </a:xfrm>
+          <a:prstGeom prst="rect">
+            <a:avLst/>
+          </a:prstGeom>
+        </p:spPr>
+        <p:txBody>
+          <a:bodyPr vert="horz" lIns="91440" tIns="45720" rIns="91440" bIns="45720" rtlCol="0" anchor="b"/>
+          <a:lstStyle>
+            <a:lvl1pPr algn="l">
+              <a:defRPr sz="1200"/>
+            </a:lvl1pPr>
+          </a:lstStyle>
+          <a:p>
+            <a:endParaRPr lang="en-US"/>
+          </a:p>
+        </p:txBody>
+      </p:sp>
+      <p:sp>
+        <p:nvSpPr>
+          <p:cNvPr id="7" name="Slide Number Placeholder 6"/>
+          <p:cNvSpPr>
+            <a:spLocks noGrp="1"/>
+          </p:cNvSpPr>
+          <p:nvPr>
+            <p:ph type="sldNum" sz="quarter" idx="5"/>
+          </p:nvPr>
+        </p:nvSpPr>
+        <p:spPr>
+          <a:xfrm>
+            <a:off x="3884613" y="8685213"/>
+            <a:ext cx="2971800" cy="458787"/>
+          </a:xfrm>
+          <a:prstGeom prst="rect">
+            <a:avLst/>
+          </a:prstGeom>
+        </p:spPr>
+        <p:txBody>
+          <a:bodyPr vert="horz" lIns="91440" tIns="45720" rIns="91440" bIns="45720" rtlCol="0" anchor="b"/>
+          <a:lstStyle>
+            <a:lvl1pPr algn="r">
+              <a:defRPr sz="1200"/>
+            </a:lvl1pPr>
+          </a:lstStyle>
+          <a:p>
+            <a:fld id="{020A3CEE-1987-44FE-8D44-553682C042B2}" type="slidenum">
+              <a:rPr lang="en-US" smtClean="0"/>
+              <a:t>‹#›</a:t>
+            </a:fld>
+            <a:endParaRPr lang="en-US"/>
+          </a:p>
+        </p:txBody>
+      </p:sp>
+    </p:spTree>
+    <p:extLst>
+      <p:ext uri="{BB962C8B-B14F-4D97-AF65-F5344CB8AC3E}">
+        <p14:creationId xmlns:p14="http://schemas.microsoft.com/office/powerpoint/2010/main" val="4168552482"/>
+      </p:ext>
+    </p:extLst>
+  </p:cSld>
+  <p:clrMap bg1="lt1" tx1="dk1" bg2="lt2" tx2="dk2" accent1="accent1" accent2="accent2" accent3="accent3" accent4="accent4" accent5="accent5" accent6="accent6" hlink="hlink" folHlink="folHlink"/>
+  <p:notesStyle>
+    <a:lvl1pPr marL="0" algn="l" defTabSz="914400" rtl="0" eaLnBrk="1" latinLnBrk="0" hangingPunct="1">
+      <a:defRPr sz="1200" kern="1200">
+        <a:solidFill>
+          <a:schemeClr val="tx1"/>
+        </a:solidFill>
+        <a:latin typeface="+mn-lt"/>
+        <a:ea typeface="+mn-ea"/>
+        <a:cs typeface="+mn-cs"/>
+      </a:defRPr>
+    </a:lvl1pPr>
+    <a:lvl2pPr marL="457200" algn="l" defTabSz="914400" rtl="0" eaLnBrk="1" latinLnBrk="0" hangingPunct="1">
+      <a:defRPr sz="1200" kern="1200">
+        <a:solidFill>
+          <a:schemeClr val="tx1"/>
+        </a:solidFill>
+        <a:latin typeface="+mn-lt"/>
+        <a:ea typeface="+mn-ea"/>
+        <a:cs typeface="+mn-cs"/>
+      </a:defRPr>
+    </a:lvl2pPr>
+    <a:lvl3pPr marL="914400" algn="l" defTabSz="914400" rtl="0" eaLnBrk="1" latinLnBrk="0" hangingPunct="1">
+      <a:defRPr sz="1200" kern="1200">
+        <a:solidFill>
+          <a:schemeClr val="tx1"/>
+        </a:solidFill>
+        <a:latin typeface="+mn-lt"/>
+        <a:ea typeface="+mn-ea"/>
+        <a:cs typeface="+mn-cs"/>
+      </a:defRPr>
+    </a:lvl3pPr>
+    <a:lvl4pPr marL="1371600" algn="l" defTabSz="914400" rtl="0" eaLnBrk="1" latinLnBrk="0" hangingPunct="1">
+      <a:defRPr sz="1200" kern="1200">
+        <a:solidFill>
+          <a:schemeClr val="tx1"/>
+        </a:solidFill>
+        <a:latin typeface="+mn-lt"/>
+        <a:ea typeface="+mn-ea"/>
+        <a:cs typeface="+mn-cs"/>
+      </a:defRPr>
+    </a:lvl4pPr>
+    <a:lvl5pPr marL="1828800" algn="l" defTabSz="914400" rtl="0" eaLnBrk="1" latinLnBrk="0" hangingPunct="1">
+      <a:defRPr sz="1200" kern="1200">
+        <a:solidFill>
+          <a:schemeClr val="tx1"/>
+        </a:solidFill>
+        <a:latin typeface="+mn-lt"/>
+        <a:ea typeface="+mn-ea"/>
+        <a:cs typeface="+mn-cs"/>
+      </a:defRPr>
+    </a:lvl5pPr>
+    <a:lvl6pPr marL="2286000" algn="l" defTabSz="914400" rtl="0" eaLnBrk="1" latinLnBrk="0" hangingPunct="1">
+      <a:defRPr sz="1200" kern="1200">
+        <a:solidFill>
+          <a:schemeClr val="tx1"/>
+        </a:solidFill>
+        <a:latin typeface="+mn-lt"/>
+        <a:ea typeface="+mn-ea"/>
+        <a:cs typeface="+mn-cs"/>
+      </a:defRPr>
+    </a:lvl6pPr>
+    <a:lvl7pPr marL="2743200" algn="l" defTabSz="914400" rtl="0" eaLnBrk="1" latinLnBrk="0" hangingPunct="1">
+      <a:defRPr sz="1200" kern="1200">
+        <a:solidFill>
+          <a:schemeClr val="tx1"/>
+        </a:solidFill>
+        <a:latin typeface="+mn-lt"/>
+        <a:ea typeface="+mn-ea"/>
+        <a:cs typeface="+mn-cs"/>
+      </a:defRPr>
+    </a:lvl7pPr>
+    <a:lvl8pPr marL="3200400" algn="l" defTabSz="914400" rtl="0" eaLnBrk="1" latinLnBrk="0" hangingPunct="1">
+      <a:defRPr sz="1200" kern="1200">
+        <a:solidFill>
+          <a:schemeClr val="tx1"/>
+        </a:solidFill>
+        <a:latin typeface="+mn-lt"/>
+        <a:ea typeface="+mn-ea"/>
+        <a:cs typeface="+mn-cs"/>
+      </a:defRPr>
+    </a:lvl8pPr>
+    <a:lvl9pPr marL="3657600" algn="l" defTabSz="914400" rtl="0" eaLnBrk="1" latinLnBrk="0" hangingPunct="1">
+      <a:defRPr sz="1200" kern="1200">
+        <a:solidFill>
+          <a:schemeClr val="tx1"/>
+        </a:solidFill>
+        <a:latin typeface="+mn-lt"/>
+        <a:ea typeface="+mn-ea"/>
+        <a:cs typeface="+mn-cs"/>
+      </a:defRPr>
+    </a:lvl9pPr>
+  </p:notesStyle>
+</p:notesMaster>
+</file>
+
+<file path=ppt/notesSlides/notesSlide1.xml><?xml version="1.0" encoding="utf-8"?>
+<p:notes xmlns:a="http://schemas.openxmlformats.org/drawingml/2006/main" xmlns:r="http://schemas.openxmlformats.org/officeDocument/2006/relationships" xmlns:p="http://schemas.openxmlformats.org/presentationml/2006/main">
+  <p:cSld>
+    <p:spTree>
+      <p:nvGrpSpPr>
+        <p:cNvPr id="1" name=""/>
+        <p:cNvGrpSpPr/>
+        <p:nvPr/>
+      </p:nvGrpSpPr>
+      <p:grpSpPr>
+        <a:xfrm>
+          <a:off x="0" y="0"/>
+          <a:ext cx="0" cy="0"/>
+          <a:chOff x="0" y="0"/>
+          <a:chExt cx="0" cy="0"/>
+        </a:xfrm>
+      </p:grpSpPr>
+      <p:sp>
+        <p:nvSpPr>
+          <p:cNvPr id="2" name="Slide Image Placeholder 1"/>
+          <p:cNvSpPr>
+            <a:spLocks noGrp="1" noRot="1" noChangeAspect="1"/>
+          </p:cNvSpPr>
+          <p:nvPr>
+            <p:ph type="sldImg"/>
+          </p:nvPr>
+        </p:nvSpPr>
+        <p:spPr/>
+      </p:sp>
+      <p:sp>
+        <p:nvSpPr>
+          <p:cNvPr id="3" name="Notes Placeholder 2"/>
+          <p:cNvSpPr>
+            <a:spLocks noGrp="1"/>
+          </p:cNvSpPr>
+          <p:nvPr>
+            <p:ph type="body" idx="1"/>
+          </p:nvPr>
+        </p:nvSpPr>
+        <p:spPr/>
+        <p:txBody>
+          <a:bodyPr/>
+          <a:lstStyle/>
+          <a:p>
+            <a:endParaRPr lang="en-US" dirty="0"/>
+          </a:p>
+        </p:txBody>
+      </p:sp>
+      <p:sp>
+        <p:nvSpPr>
+          <p:cNvPr id="4" name="Slide Number Placeholder 3"/>
+          <p:cNvSpPr>
+            <a:spLocks noGrp="1"/>
+          </p:cNvSpPr>
+          <p:nvPr>
+            <p:ph type="sldNum" sz="quarter" idx="5"/>
+          </p:nvPr>
+        </p:nvSpPr>
+        <p:spPr/>
+        <p:txBody>
+          <a:bodyPr/>
+          <a:lstStyle/>
+          <a:p>
+            <a:fld id="{020A3CEE-1987-44FE-8D44-553682C042B2}" type="slidenum">
+              <a:rPr lang="en-US" smtClean="0"/>
+              <a:t>2</a:t>
+            </a:fld>
+            <a:endParaRPr lang="en-US"/>
+          </a:p>
+        </p:txBody>
+      </p:sp>
+    </p:spTree>
+    <p:extLst>
+      <p:ext uri="{BB962C8B-B14F-4D97-AF65-F5344CB8AC3E}">
+        <p14:creationId xmlns:p14="http://schemas.microsoft.com/office/powerpoint/2010/main" val="62252431"/>
+      </p:ext>
+    </p:extLst>
+  </p:cSld>
+  <p:clrMapOvr>
+    <a:masterClrMapping/>
+  </p:clrMapOvr>
+</p:notes>
+</file>
+
+<file path=ppt/notesSlides/notesSlide2.xml><?xml version="1.0" encoding="utf-8"?>
+<p:notes xmlns:a="http://schemas.openxmlformats.org/drawingml/2006/main" xmlns:r="http://schemas.openxmlformats.org/officeDocument/2006/relationships" xmlns:p="http://schemas.openxmlformats.org/presentationml/2006/main">
+  <p:cSld>
+    <p:spTree>
+      <p:nvGrpSpPr>
+        <p:cNvPr id="1" name=""/>
+        <p:cNvGrpSpPr/>
+        <p:nvPr/>
+      </p:nvGrpSpPr>
+      <p:grpSpPr>
+        <a:xfrm>
+          <a:off x="0" y="0"/>
+          <a:ext cx="0" cy="0"/>
+          <a:chOff x="0" y="0"/>
+          <a:chExt cx="0" cy="0"/>
+        </a:xfrm>
+      </p:grpSpPr>
+      <p:sp>
+        <p:nvSpPr>
+          <p:cNvPr id="2" name="Slide Image Placeholder 1"/>
+          <p:cNvSpPr>
+            <a:spLocks noGrp="1" noRot="1" noChangeAspect="1"/>
+          </p:cNvSpPr>
+          <p:nvPr>
+            <p:ph type="sldImg"/>
+          </p:nvPr>
+        </p:nvSpPr>
+        <p:spPr/>
+      </p:sp>
+      <p:sp>
+        <p:nvSpPr>
+          <p:cNvPr id="3" name="Notes Placeholder 2"/>
+          <p:cNvSpPr>
+            <a:spLocks noGrp="1"/>
+          </p:cNvSpPr>
+          <p:nvPr>
+            <p:ph type="body" idx="1"/>
+          </p:nvPr>
+        </p:nvSpPr>
+        <p:spPr/>
+        <p:txBody>
+          <a:bodyPr/>
+          <a:lstStyle/>
+          <a:p>
+            <a:endParaRPr lang="en-US" dirty="0"/>
+          </a:p>
+        </p:txBody>
+      </p:sp>
+      <p:sp>
+        <p:nvSpPr>
+          <p:cNvPr id="4" name="Slide Number Placeholder 3"/>
+          <p:cNvSpPr>
+            <a:spLocks noGrp="1"/>
+          </p:cNvSpPr>
+          <p:nvPr>
+            <p:ph type="sldNum" sz="quarter" idx="5"/>
+          </p:nvPr>
+        </p:nvSpPr>
+        <p:spPr/>
+        <p:txBody>
+          <a:bodyPr/>
+          <a:lstStyle/>
+          <a:p>
+            <a:fld id="{020A3CEE-1987-44FE-8D44-553682C042B2}" type="slidenum">
+              <a:rPr lang="en-US" smtClean="0"/>
+              <a:t>3</a:t>
+            </a:fld>
+            <a:endParaRPr lang="en-US"/>
+          </a:p>
+        </p:txBody>
+      </p:sp>
+    </p:spTree>
+    <p:extLst>
+      <p:ext uri="{BB962C8B-B14F-4D97-AF65-F5344CB8AC3E}">
+        <p14:creationId xmlns:p14="http://schemas.microsoft.com/office/powerpoint/2010/main" val="1701162580"/>
+      </p:ext>
+    </p:extLst>
+  </p:cSld>
+  <p:clrMapOvr>
+    <a:masterClrMapping/>
+  </p:clrMapOvr>
+</p:notes>
 </file>
 
 <file path=ppt/slideLayouts/slideLayout1.xml><?xml version="1.0" encoding="utf-8"?>
@@ -309,7 +835,7 @@
           <a:p>
             <a:fld id="{3C13BFD4-563C-433B-83AB-53FFEFEE2F63}" type="slidenum">
               <a:rPr lang="fr-FR" smtClean="0"/>
-              <a:t>‹N°›</a:t>
+              <a:t>‹#›</a:t>
             </a:fld>
             <a:endParaRPr lang="fr-FR"/>
           </a:p>
@@ -507,7 +1033,7 @@
           <a:p>
             <a:fld id="{3C13BFD4-563C-433B-83AB-53FFEFEE2F63}" type="slidenum">
               <a:rPr lang="fr-FR" smtClean="0"/>
-              <a:t>‹N°›</a:t>
+              <a:t>‹#›</a:t>
             </a:fld>
             <a:endParaRPr lang="fr-FR"/>
           </a:p>
@@ -715,7 +1241,7 @@
           <a:p>
             <a:fld id="{3C13BFD4-563C-433B-83AB-53FFEFEE2F63}" type="slidenum">
               <a:rPr lang="fr-FR" smtClean="0"/>
-              <a:t>‹N°›</a:t>
+              <a:t>‹#›</a:t>
             </a:fld>
             <a:endParaRPr lang="fr-FR"/>
           </a:p>
@@ -913,7 +1439,7 @@
           <a:p>
             <a:fld id="{3C13BFD4-563C-433B-83AB-53FFEFEE2F63}" type="slidenum">
               <a:rPr lang="fr-FR" smtClean="0"/>
-              <a:t>‹N°›</a:t>
+              <a:t>‹#›</a:t>
             </a:fld>
             <a:endParaRPr lang="fr-FR"/>
           </a:p>
@@ -1188,7 +1714,7 @@
           <a:p>
             <a:fld id="{3C13BFD4-563C-433B-83AB-53FFEFEE2F63}" type="slidenum">
               <a:rPr lang="fr-FR" smtClean="0"/>
-              <a:t>‹N°›</a:t>
+              <a:t>‹#›</a:t>
             </a:fld>
             <a:endParaRPr lang="fr-FR"/>
           </a:p>
@@ -1453,7 +1979,7 @@
           <a:p>
             <a:fld id="{3C13BFD4-563C-433B-83AB-53FFEFEE2F63}" type="slidenum">
               <a:rPr lang="fr-FR" smtClean="0"/>
-              <a:t>‹N°›</a:t>
+              <a:t>‹#›</a:t>
             </a:fld>
             <a:endParaRPr lang="fr-FR"/>
           </a:p>
@@ -1865,7 +2391,7 @@
           <a:p>
             <a:fld id="{3C13BFD4-563C-433B-83AB-53FFEFEE2F63}" type="slidenum">
               <a:rPr lang="fr-FR" smtClean="0"/>
-              <a:t>‹N°›</a:t>
+              <a:t>‹#›</a:t>
             </a:fld>
             <a:endParaRPr lang="fr-FR"/>
           </a:p>
@@ -2006,7 +2532,7 @@
           <a:p>
             <a:fld id="{3C13BFD4-563C-433B-83AB-53FFEFEE2F63}" type="slidenum">
               <a:rPr lang="fr-FR" smtClean="0"/>
-              <a:t>‹N°›</a:t>
+              <a:t>‹#›</a:t>
             </a:fld>
             <a:endParaRPr lang="fr-FR"/>
           </a:p>
@@ -2119,7 +2645,7 @@
           <a:p>
             <a:fld id="{3C13BFD4-563C-433B-83AB-53FFEFEE2F63}" type="slidenum">
               <a:rPr lang="fr-FR" smtClean="0"/>
-              <a:t>‹N°›</a:t>
+              <a:t>‹#›</a:t>
             </a:fld>
             <a:endParaRPr lang="fr-FR"/>
           </a:p>
@@ -2430,7 +2956,7 @@
           <a:p>
             <a:fld id="{3C13BFD4-563C-433B-83AB-53FFEFEE2F63}" type="slidenum">
               <a:rPr lang="fr-FR" smtClean="0"/>
-              <a:t>‹N°›</a:t>
+              <a:t>‹#›</a:t>
             </a:fld>
             <a:endParaRPr lang="fr-FR"/>
           </a:p>
@@ -2718,7 +3244,7 @@
           <a:p>
             <a:fld id="{3C13BFD4-563C-433B-83AB-53FFEFEE2F63}" type="slidenum">
               <a:rPr lang="fr-FR" smtClean="0"/>
-              <a:t>‹N°›</a:t>
+              <a:t>‹#›</a:t>
             </a:fld>
             <a:endParaRPr lang="fr-FR"/>
           </a:p>
@@ -2995,7 +3521,7 @@
           <a:p>
             <a:fld id="{3C13BFD4-563C-433B-83AB-53FFEFEE2F63}" type="slidenum">
               <a:rPr lang="fr-FR" smtClean="0"/>
-              <a:t>‹N°›</a:t>
+              <a:t>‹#›</a:t>
             </a:fld>
             <a:endParaRPr lang="fr-FR"/>
           </a:p>
@@ -3388,7 +3914,84 @@
           <a:bodyPr/>
           <a:lstStyle/>
           <a:p>
-            <a:endParaRPr lang="fr-FR"/>
+            <a:r>
+              <a:rPr lang="fr-FR" dirty="0" err="1">
+                <a:highlight>
+                  <a:srgbClr val="FFFF00"/>
+                </a:highlight>
+              </a:rPr>
+              <a:t>Analysis</a:t>
+            </a:r>
+            <a:endParaRPr lang="fr-FR" dirty="0">
+              <a:highlight>
+                <a:srgbClr val="FFFF00"/>
+              </a:highlight>
+            </a:endParaRPr>
+          </a:p>
+          <a:p>
+            <a:r>
+              <a:rPr lang="fr-FR" dirty="0">
+                <a:highlight>
+                  <a:srgbClr val="00FF00"/>
+                </a:highlight>
+              </a:rPr>
+              <a:t>Important point</a:t>
+            </a:r>
+          </a:p>
+          <a:p>
+            <a:r>
+              <a:rPr lang="fr-FR" dirty="0">
+                <a:highlight>
+                  <a:srgbClr val="FF00FF"/>
+                </a:highlight>
+              </a:rPr>
+              <a:t>Not sure </a:t>
+            </a:r>
+            <a:r>
+              <a:rPr lang="fr-FR" dirty="0" err="1">
+                <a:highlight>
+                  <a:srgbClr val="FF00FF"/>
+                </a:highlight>
+              </a:rPr>
+              <a:t>what</a:t>
+            </a:r>
+            <a:r>
+              <a:rPr lang="fr-FR" dirty="0">
+                <a:highlight>
+                  <a:srgbClr val="FF00FF"/>
+                </a:highlight>
+              </a:rPr>
+              <a:t> </a:t>
+            </a:r>
+            <a:r>
+              <a:rPr lang="fr-FR" dirty="0" err="1">
+                <a:highlight>
+                  <a:srgbClr val="FF00FF"/>
+                </a:highlight>
+              </a:rPr>
+              <a:t>it</a:t>
+            </a:r>
+            <a:r>
+              <a:rPr lang="fr-FR" dirty="0">
+                <a:highlight>
+                  <a:srgbClr val="FF00FF"/>
+                </a:highlight>
+              </a:rPr>
+              <a:t> </a:t>
+            </a:r>
+            <a:r>
+              <a:rPr lang="fr-FR" dirty="0" err="1">
+                <a:highlight>
+                  <a:srgbClr val="FF00FF"/>
+                </a:highlight>
+              </a:rPr>
+              <a:t>means</a:t>
+            </a:r>
+            <a:endParaRPr lang="fr-FR" dirty="0">
+              <a:highlight>
+                <a:srgbClr val="FF00FF"/>
+              </a:highlight>
+            </a:endParaRPr>
           </a:p>
         </p:txBody>
       </p:sp>
@@ -3438,205 +4041,95 @@
             <p:ph type="title"/>
           </p:nvPr>
         </p:nvSpPr>
-        <p:spPr/>
-        <p:txBody>
-          <a:bodyPr/>
-          <a:lstStyle/>
-          <a:p>
-            <a:r>
-              <a:rPr lang="fr-FR" dirty="0"/>
-              <a:t>Wimmer &amp; </a:t>
-            </a:r>
-            <a:r>
-              <a:rPr lang="fr-FR" dirty="0" err="1"/>
-              <a:t>Shohamy</a:t>
-            </a:r>
-            <a:r>
-              <a:rPr lang="fr-FR" dirty="0"/>
-              <a:t> 2012</a:t>
-            </a:r>
-          </a:p>
-        </p:txBody>
-      </p:sp>
-      <p:sp>
-        <p:nvSpPr>
-          <p:cNvPr id="3" name="Espace réservé du contenu 2">
-            <a:extLst>
-              <a:ext uri="{FF2B5EF4-FFF2-40B4-BE49-F238E27FC236}">
-                <a16:creationId xmlns:a16="http://schemas.microsoft.com/office/drawing/2014/main" id="{11AECA23-ACD8-4911-8D85-CDC8B8BB490D}"/>
-              </a:ext>
-            </a:extLst>
-          </p:cNvPr>
-          <p:cNvSpPr>
-            <a:spLocks noGrp="1"/>
-          </p:cNvSpPr>
-          <p:nvPr>
-            <p:ph idx="1"/>
-          </p:nvPr>
-        </p:nvSpPr>
         <p:spPr>
           <a:xfrm>
-            <a:off x="838200" y="1493116"/>
-            <a:ext cx="10515600" cy="4351338"/>
+            <a:off x="457200" y="146115"/>
+            <a:ext cx="3287486" cy="375104"/>
           </a:xfrm>
         </p:spPr>
         <p:txBody>
           <a:bodyPr>
-            <a:normAutofit fontScale="70000" lnSpcReduction="20000"/>
+            <a:normAutofit/>
           </a:bodyPr>
           <a:lstStyle/>
           <a:p>
             <a:r>
-              <a:rPr lang="fr-FR" dirty="0" err="1"/>
+              <a:rPr lang="fr-FR" sz="2000" dirty="0"/>
+              <a:t>Wimmer &amp; </a:t>
+            </a:r>
+            <a:r>
+              <a:rPr lang="fr-FR" sz="2000" dirty="0" err="1"/>
+              <a:t>Shohamy</a:t>
+            </a:r>
+            <a:r>
+              <a:rPr lang="fr-FR" sz="2000" dirty="0"/>
+              <a:t> 2012</a:t>
+            </a:r>
+          </a:p>
+        </p:txBody>
+      </p:sp>
+      <p:sp>
+        <p:nvSpPr>
+          <p:cNvPr id="3" name="Espace réservé du contenu 2">
+            <a:extLst>
+              <a:ext uri="{FF2B5EF4-FFF2-40B4-BE49-F238E27FC236}">
+                <a16:creationId xmlns:a16="http://schemas.microsoft.com/office/drawing/2014/main" id="{11AECA23-ACD8-4911-8D85-CDC8B8BB490D}"/>
+              </a:ext>
+            </a:extLst>
+          </p:cNvPr>
+          <p:cNvSpPr>
+            <a:spLocks noGrp="1"/>
+          </p:cNvSpPr>
+          <p:nvPr>
+            <p:ph idx="1"/>
+          </p:nvPr>
+        </p:nvSpPr>
+        <p:spPr>
+          <a:xfrm>
+            <a:off x="838200" y="762000"/>
+            <a:ext cx="10756769" cy="5949885"/>
+          </a:xfrm>
+        </p:spPr>
+        <p:txBody>
+          <a:bodyPr numCol="2">
+            <a:normAutofit fontScale="62500" lnSpcReduction="20000"/>
+          </a:bodyPr>
+          <a:lstStyle/>
+          <a:p>
+            <a:r>
+              <a:rPr lang="en-US" dirty="0"/>
               <a:t>Behavior</a:t>
             </a:r>
-            <a:endParaRPr lang="fr-FR" dirty="0"/>
           </a:p>
           <a:p>
             <a:pPr lvl="1"/>
             <a:r>
-              <a:rPr lang="fr-FR" dirty="0" err="1"/>
-              <a:t>Decision</a:t>
-            </a:r>
-            <a:r>
-              <a:rPr lang="fr-FR" dirty="0"/>
-              <a:t> </a:t>
-            </a:r>
-            <a:r>
-              <a:rPr lang="fr-FR" dirty="0" err="1"/>
-              <a:t>bias</a:t>
-            </a:r>
-            <a:r>
-              <a:rPr lang="fr-FR" dirty="0"/>
-              <a:t> = percent of S1+ </a:t>
-            </a:r>
-            <a:r>
-              <a:rPr lang="fr-FR" dirty="0" err="1"/>
-              <a:t>choice</a:t>
-            </a:r>
-            <a:r>
-              <a:rPr lang="fr-FR" dirty="0"/>
-              <a:t> vs S1-</a:t>
+              <a:rPr lang="en-US" b="1" dirty="0"/>
+              <a:t>Decision bias = percent of S1+ choice vs S1-</a:t>
             </a:r>
           </a:p>
           <a:p>
             <a:pPr lvl="1"/>
             <a:r>
-              <a:rPr lang="fr-FR" dirty="0"/>
-              <a:t>Relative </a:t>
-            </a:r>
-            <a:r>
-              <a:rPr lang="fr-FR" dirty="0" err="1"/>
-              <a:t>decision</a:t>
-            </a:r>
-            <a:r>
-              <a:rPr lang="fr-FR" dirty="0"/>
-              <a:t> </a:t>
-            </a:r>
-            <a:r>
-              <a:rPr lang="fr-FR" dirty="0" err="1"/>
-              <a:t>bias</a:t>
-            </a:r>
-            <a:r>
-              <a:rPr lang="fr-FR" dirty="0"/>
-              <a:t> = </a:t>
-            </a:r>
-            <a:r>
-              <a:rPr lang="fr-FR" dirty="0" err="1"/>
-              <a:t>decision</a:t>
-            </a:r>
-            <a:r>
-              <a:rPr lang="fr-FR" dirty="0"/>
-              <a:t> </a:t>
-            </a:r>
-            <a:r>
-              <a:rPr lang="fr-FR" dirty="0" err="1"/>
-              <a:t>bias</a:t>
-            </a:r>
-            <a:r>
-              <a:rPr lang="fr-FR" dirty="0"/>
-              <a:t> of </a:t>
-            </a:r>
-            <a:r>
-              <a:rPr lang="fr-FR" dirty="0" err="1"/>
-              <a:t>specific</a:t>
-            </a:r>
-            <a:r>
-              <a:rPr lang="fr-FR" dirty="0"/>
-              <a:t> S1+ </a:t>
-            </a:r>
-            <a:r>
-              <a:rPr lang="fr-FR" dirty="0" err="1"/>
-              <a:t>divided</a:t>
-            </a:r>
-            <a:r>
-              <a:rPr lang="fr-FR" dirty="0"/>
-              <a:t> by </a:t>
-            </a:r>
-            <a:r>
-              <a:rPr lang="fr-FR" dirty="0" err="1"/>
-              <a:t>choice</a:t>
-            </a:r>
-            <a:r>
-              <a:rPr lang="fr-FR" dirty="0"/>
-              <a:t> </a:t>
-            </a:r>
-            <a:r>
-              <a:rPr lang="fr-FR" dirty="0" err="1"/>
-              <a:t>bias</a:t>
-            </a:r>
-            <a:r>
-              <a:rPr lang="fr-FR" dirty="0"/>
-              <a:t> of </a:t>
-            </a:r>
-            <a:r>
-              <a:rPr lang="fr-FR" dirty="0" err="1"/>
-              <a:t>corresponding</a:t>
-            </a:r>
-            <a:r>
-              <a:rPr lang="fr-FR" dirty="0"/>
-              <a:t> S2+ (if association S2-reward not </a:t>
-            </a:r>
-            <a:r>
-              <a:rPr lang="fr-FR" dirty="0" err="1"/>
-              <a:t>learned</a:t>
-            </a:r>
-            <a:r>
-              <a:rPr lang="fr-FR" dirty="0"/>
-              <a:t>, no </a:t>
-            </a:r>
-            <a:r>
-              <a:rPr lang="fr-FR" dirty="0" err="1"/>
-              <a:t>transfer</a:t>
-            </a:r>
-            <a:r>
-              <a:rPr lang="fr-FR" dirty="0"/>
-              <a:t> of value possible)</a:t>
-            </a:r>
-          </a:p>
-          <a:p>
-            <a:r>
-              <a:rPr lang="fr-FR" dirty="0"/>
+              <a:rPr lang="en-US" dirty="0"/>
+              <a:t>Relative decision bias = decision bias of specific S1+ divided by choice bias of corresponding S2+ (if association S2-reward not learned, no transfer of value possible)</a:t>
+            </a:r>
+          </a:p>
+          <a:p>
+            <a:r>
+              <a:rPr lang="en-US" dirty="0"/>
               <a:t>Imaging</a:t>
             </a:r>
           </a:p>
           <a:p>
             <a:pPr lvl="1"/>
             <a:r>
-              <a:rPr lang="fr-FR" dirty="0" err="1"/>
-              <a:t>Preprocessing</a:t>
-            </a:r>
-            <a:r>
-              <a:rPr lang="fr-FR" dirty="0"/>
-              <a:t> </a:t>
-            </a:r>
-            <a:r>
-              <a:rPr lang="fr-FR" sz="800" dirty="0"/>
-              <a:t>: </a:t>
+              <a:rPr lang="en-US" dirty="0"/>
+              <a:t>Preprocessing </a:t>
             </a:r>
             <a:r>
               <a:rPr lang="en-US" sz="800" dirty="0"/>
-              <a:t>Preprocessing and data analysis was performed using AFNI (38) and Statistical Parametric Mapping software (SPM8; </a:t>
+              <a:t>: Preprocessing and data analysis was performed using AFNI (38) and Statistical Parametric Mapping software (SPM8; </a:t>
             </a:r>
             <a:r>
               <a:rPr lang="en-US" sz="800" dirty="0" err="1"/>
@@ -3666,129 +4159,48 @@
               <a:rPr lang="en-US" sz="800" dirty="0" err="1"/>
               <a:t>Matlab</a:t>
             </a:r>
-            <a:endParaRPr lang="fr-FR" dirty="0"/>
+            <a:endParaRPr lang="en-US" dirty="0"/>
           </a:p>
           <a:p>
             <a:pPr lvl="1"/>
             <a:r>
-              <a:rPr lang="fr-FR" dirty="0"/>
+              <a:rPr lang="en-US" dirty="0"/>
               <a:t>GLM</a:t>
             </a:r>
           </a:p>
           <a:p>
             <a:pPr lvl="2"/>
             <a:r>
-              <a:rPr lang="fr-FR" dirty="0" err="1"/>
-              <a:t>Regressors</a:t>
-            </a:r>
-            <a:r>
-              <a:rPr lang="fr-FR" dirty="0"/>
-              <a:t> </a:t>
-            </a:r>
-            <a:r>
-              <a:rPr lang="fr-FR" dirty="0" err="1"/>
-              <a:t>convolved</a:t>
-            </a:r>
-            <a:r>
-              <a:rPr lang="fr-FR" dirty="0"/>
-              <a:t> </a:t>
-            </a:r>
-            <a:r>
-              <a:rPr lang="fr-FR" dirty="0" err="1"/>
-              <a:t>with</a:t>
-            </a:r>
-            <a:r>
-              <a:rPr lang="fr-FR" dirty="0"/>
-              <a:t> canonical HRF of EACH </a:t>
-            </a:r>
-            <a:r>
-              <a:rPr lang="fr-FR" dirty="0" err="1"/>
+              <a:rPr lang="en-US" dirty="0"/>
+              <a:t>Regressors convolved with canonical HRF of EACH </a:t>
+            </a:r>
+            <a:r>
+              <a:rPr lang="en-US" dirty="0" err="1"/>
               <a:t>sucject</a:t>
             </a:r>
             <a:r>
-              <a:rPr lang="fr-FR" dirty="0"/>
+              <a:rPr lang="en-US" dirty="0"/>
               <a:t> data</a:t>
             </a:r>
           </a:p>
           <a:p>
             <a:pPr lvl="2"/>
             <a:r>
-              <a:rPr lang="fr-FR" dirty="0"/>
-              <a:t>6 motions </a:t>
-            </a:r>
-            <a:r>
-              <a:rPr lang="fr-FR" dirty="0" err="1"/>
-              <a:t>parameters</a:t>
-            </a:r>
-            <a:r>
-              <a:rPr lang="fr-FR" dirty="0"/>
-              <a:t> of </a:t>
-            </a:r>
-            <a:r>
-              <a:rPr lang="fr-FR" dirty="0" err="1"/>
-              <a:t>realignment</a:t>
-            </a:r>
-            <a:r>
-              <a:rPr lang="fr-FR" dirty="0"/>
-              <a:t> in the GLM for </a:t>
-            </a:r>
-            <a:r>
-              <a:rPr lang="fr-FR" dirty="0" err="1"/>
-              <a:t>residual</a:t>
-            </a:r>
-            <a:r>
-              <a:rPr lang="fr-FR" dirty="0"/>
-              <a:t> </a:t>
-            </a:r>
-            <a:r>
-              <a:rPr lang="fr-FR" dirty="0" err="1"/>
-              <a:t>effects</a:t>
-            </a:r>
-            <a:r>
-              <a:rPr lang="fr-FR" dirty="0"/>
-              <a:t> of </a:t>
-            </a:r>
-            <a:r>
-              <a:rPr lang="fr-FR" dirty="0" err="1"/>
+              <a:rPr lang="en-US" dirty="0"/>
+              <a:t>6 motions parameters of realignment in the GLM for residual effects of </a:t>
+            </a:r>
+            <a:r>
+              <a:rPr lang="en-US" dirty="0" err="1"/>
               <a:t>mvt</a:t>
             </a:r>
-            <a:endParaRPr lang="fr-FR" dirty="0"/>
+            <a:endParaRPr lang="en-US" dirty="0"/>
           </a:p>
           <a:p>
             <a:pPr lvl="2"/>
             <a:r>
-              <a:rPr lang="fr-FR" dirty="0"/>
-              <a:t>Group </a:t>
-            </a:r>
-            <a:r>
-              <a:rPr lang="fr-FR" dirty="0" err="1"/>
-              <a:t>level</a:t>
-            </a:r>
-            <a:r>
-              <a:rPr lang="fr-FR" dirty="0"/>
-              <a:t>/</a:t>
-            </a:r>
-            <a:r>
-              <a:rPr lang="fr-FR" dirty="0" err="1"/>
-              <a:t>random</a:t>
-            </a:r>
-            <a:r>
-              <a:rPr lang="fr-FR" dirty="0"/>
-              <a:t> </a:t>
-            </a:r>
-            <a:r>
-              <a:rPr lang="fr-FR" dirty="0" err="1"/>
-              <a:t>effect</a:t>
-            </a:r>
-            <a:r>
-              <a:rPr lang="fr-FR" dirty="0"/>
-              <a:t> </a:t>
-            </a:r>
-            <a:r>
-              <a:rPr lang="fr-FR" dirty="0" err="1"/>
-              <a:t>analysis</a:t>
-            </a:r>
-            <a:endParaRPr lang="fr-FR" dirty="0"/>
+              <a:rPr lang="en-US" dirty="0"/>
+              <a:t>Group level/random effect analysis</a:t>
+            </a:r>
           </a:p>
           <a:p>
             <a:pPr lvl="2"/>
@@ -3800,7 +4212,11 @@
           <a:p>
             <a:pPr lvl="1"/>
             <a:r>
-              <a:rPr lang="en-US" dirty="0"/>
+              <a:rPr lang="en-US" b="1" dirty="0">
+                <a:highlight>
+                  <a:srgbClr val="FFFF00"/>
+                </a:highlight>
+              </a:rPr>
               <a:t>Decision bias related activation</a:t>
             </a:r>
           </a:p>
@@ -3815,14 +4231,50 @@
             <a:pPr lvl="3"/>
             <a:r>
               <a:rPr lang="en-US" dirty="0"/>
-              <a:t>Transformed into within subject rank measure</a:t>
+              <a:t>Transformed into within subject </a:t>
+            </a:r>
+            <a:r>
+              <a:rPr lang="en-US" dirty="0">
+                <a:highlight>
+                  <a:srgbClr val="00FF00"/>
+                </a:highlight>
+              </a:rPr>
+              <a:t>rank</a:t>
+            </a:r>
+            <a:r>
+              <a:rPr lang="en-US" dirty="0"/>
+              <a:t> measure</a:t>
             </a:r>
           </a:p>
           <a:p>
             <a:pPr lvl="3"/>
             <a:r>
+              <a:rPr lang="en-US" b="1" dirty="0"/>
+              <a:t>Rank used as parametric regressor </a:t>
+            </a:r>
+            <a:r>
+              <a:rPr lang="en-US" b="1" dirty="0">
+                <a:highlight>
+                  <a:srgbClr val="FF00FF"/>
+                </a:highlight>
+              </a:rPr>
+              <a:t>(6s duration</a:t>
+            </a:r>
+            <a:r>
+              <a:rPr lang="en-US" dirty="0">
+                <a:highlight>
+                  <a:srgbClr val="FF00FF"/>
+                </a:highlight>
+              </a:rPr>
+              <a:t>) </a:t>
+            </a:r>
+            <a:r>
               <a:rPr lang="en-US" dirty="0"/>
-              <a:t>Rank used as regressor (6s duration) during the reward phase, the association phase and the decision phase</a:t>
+              <a:t>during </a:t>
+            </a:r>
+            <a:r>
+              <a:rPr lang="en-US" b="1" dirty="0"/>
+              <a:t>the reward phase, the association phase and the decision phase</a:t>
             </a:r>
           </a:p>
           <a:p>
@@ -3832,22 +4284,933 @@
           <a:p>
             <a:pPr lvl="1"/>
             <a:r>
+              <a:rPr lang="en-US" b="1" dirty="0">
+                <a:highlight>
+                  <a:srgbClr val="FFFF00"/>
+                </a:highlight>
+              </a:rPr>
+              <a:t>Reactivation of association and decision bias</a:t>
+            </a:r>
+          </a:p>
+          <a:p>
+            <a:pPr lvl="2"/>
+            <a:r>
+              <a:rPr lang="en-US" dirty="0">
+                <a:highlight>
+                  <a:srgbClr val="FFFF00"/>
+                </a:highlight>
+              </a:rPr>
+              <a:t>Reactivation analysis</a:t>
+            </a:r>
+          </a:p>
+          <a:p>
+            <a:pPr lvl="3"/>
+            <a:r>
               <a:rPr lang="en-US" dirty="0"/>
-              <a:t>Reactivation of association and </a:t>
-            </a:r>
-            <a:r>
-              <a:rPr lang="en-US"/>
-              <a:t>decision bias</a:t>
-            </a:r>
+              <a:t>Derive masks of S1 </a:t>
+            </a:r>
+            <a:r>
+              <a:rPr lang="en-US" u="sng" dirty="0"/>
+              <a:t>from association phase </a:t>
+            </a:r>
+          </a:p>
+          <a:p>
+            <a:pPr lvl="4"/>
+            <a:r>
+              <a:rPr lang="en-US" dirty="0"/>
+              <a:t>by estimating GLM with separate regressors for face/scene/body 1.75s duration</a:t>
+            </a:r>
+          </a:p>
+          <a:p>
+            <a:pPr lvl="4"/>
+            <a:r>
+              <a:rPr lang="en-US" dirty="0"/>
+              <a:t>Contrasts to constructed to S1 categories </a:t>
+            </a:r>
+            <a:r>
+              <a:rPr lang="en-US" dirty="0" err="1"/>
+              <a:t>eg</a:t>
+            </a:r>
+            <a:r>
+              <a:rPr lang="en-US" dirty="0"/>
+              <a:t> [face – (scene + body)]</a:t>
+            </a:r>
+          </a:p>
+          <a:p>
+            <a:pPr lvl="5"/>
+            <a:r>
+              <a:rPr lang="en-US" dirty="0"/>
+              <a:t>Include only voxels in the top 1% </a:t>
+            </a:r>
+            <a:r>
+              <a:rPr lang="en-US" dirty="0">
+                <a:highlight>
+                  <a:srgbClr val="FF00FF"/>
+                </a:highlight>
+              </a:rPr>
+              <a:t>AND that fell within a group mask</a:t>
+            </a:r>
+          </a:p>
+          <a:p>
+            <a:pPr lvl="5"/>
             <a:endParaRPr lang="en-US" dirty="0"/>
           </a:p>
           <a:p>
             <a:pPr lvl="2"/>
-            <a:endParaRPr lang="fr-FR" dirty="0"/>
+            <a:r>
+              <a:rPr lang="en-US" b="1" dirty="0">
+                <a:highlight>
+                  <a:srgbClr val="FFFF00"/>
+                </a:highlight>
+              </a:rPr>
+              <a:t>Decision bias by reactivation of association during reward phase</a:t>
+            </a:r>
+          </a:p>
+          <a:p>
+            <a:pPr lvl="3"/>
+            <a:r>
+              <a:rPr lang="en-US" b="1" dirty="0"/>
+              <a:t>GLM for 2 S for S2 depending on associated S1</a:t>
+            </a:r>
+          </a:p>
+          <a:p>
+            <a:pPr lvl="3"/>
+            <a:r>
+              <a:rPr lang="en-US" b="1" dirty="0"/>
+              <a:t>Contrast same </a:t>
+            </a:r>
+            <a:r>
+              <a:rPr lang="en-US" dirty="0"/>
+              <a:t>[face – (scene + body)] , and beta values in corresponding mask (from reactivation analysis) averaged, by category, by participant (and normalized by average activity in mask during </a:t>
+            </a:r>
+            <a:r>
+              <a:rPr lang="en-US" dirty="0" err="1"/>
+              <a:t>Asso</a:t>
+            </a:r>
+            <a:r>
+              <a:rPr lang="en-US" dirty="0"/>
+              <a:t> phase)</a:t>
+            </a:r>
+          </a:p>
+          <a:p>
+            <a:pPr lvl="3"/>
+            <a:r>
+              <a:rPr lang="en-US" dirty="0"/>
+              <a:t>Regrouped by high/low bias (often 2/3 pairs where both high or both low so averaged together, otherwise medium bias pair ignored)</a:t>
+            </a:r>
+          </a:p>
+          <a:p>
+            <a:pPr lvl="3"/>
+            <a:r>
+              <a:rPr lang="en-US" dirty="0"/>
+              <a:t>Stat test = difference in activation  in high vs low decision bias?</a:t>
+            </a:r>
+          </a:p>
+          <a:p>
+            <a:pPr lvl="1"/>
+            <a:r>
+              <a:rPr lang="en-US" dirty="0">
+                <a:highlight>
+                  <a:srgbClr val="FFFF00"/>
+                </a:highlight>
+              </a:rPr>
+              <a:t>Reward phase parametric learning </a:t>
+            </a:r>
           </a:p>
           <a:p>
             <a:pPr lvl="2"/>
-            <a:endParaRPr lang="fr-FR" dirty="0"/>
+            <a:r>
+              <a:rPr lang="en-US" dirty="0">
+                <a:highlight>
+                  <a:srgbClr val="FFFF00"/>
+                </a:highlight>
+              </a:rPr>
+              <a:t>1) RL for reward</a:t>
+            </a:r>
+          </a:p>
+          <a:p>
+            <a:pPr lvl="3"/>
+            <a:r>
+              <a:rPr lang="en-US" dirty="0"/>
+              <a:t>Regressors = event onset, S2 onset, reward onset</a:t>
+            </a:r>
+          </a:p>
+          <a:p>
+            <a:pPr lvl="3"/>
+            <a:r>
+              <a:rPr lang="en-US" dirty="0"/>
+              <a:t>Model TDRL to have trial estimates of stimulus value and RPE (with LR .25 &amp; </a:t>
+            </a:r>
+            <a:r>
+              <a:rPr lang="en-US" dirty="0" err="1"/>
+              <a:t>val</a:t>
+            </a:r>
+            <a:r>
+              <a:rPr lang="en-US" dirty="0"/>
+              <a:t> initialized at zero)= used as regressors</a:t>
+            </a:r>
+          </a:p>
+          <a:p>
+            <a:pPr lvl="2"/>
+            <a:r>
+              <a:rPr lang="en-US" dirty="0"/>
+              <a:t>2) Surprise </a:t>
+            </a:r>
+            <a:r>
+              <a:rPr lang="en-US" dirty="0" err="1"/>
+              <a:t>bc</a:t>
+            </a:r>
+            <a:r>
+              <a:rPr lang="en-US" dirty="0"/>
+              <a:t> no S1 during this phase</a:t>
+            </a:r>
+          </a:p>
+          <a:p>
+            <a:pPr lvl="3"/>
+            <a:r>
+              <a:rPr lang="en-US" dirty="0"/>
+              <a:t>Fir an exponentially decreasing surprise during the phase, LR=.25</a:t>
+            </a:r>
+          </a:p>
+          <a:p>
+            <a:pPr lvl="1"/>
+            <a:r>
+              <a:rPr lang="en-US" dirty="0">
+                <a:highlight>
+                  <a:srgbClr val="FFFF00"/>
+                </a:highlight>
+              </a:rPr>
+              <a:t>Functional connectivity</a:t>
+            </a:r>
+          </a:p>
+          <a:p>
+            <a:pPr lvl="2"/>
+            <a:r>
+              <a:rPr lang="de-DE" dirty="0">
+                <a:highlight>
+                  <a:srgbClr val="FFFF00"/>
+                </a:highlight>
+              </a:rPr>
+              <a:t>PPI = Look </a:t>
+            </a:r>
+            <a:r>
+              <a:rPr lang="de-DE" dirty="0" err="1">
+                <a:highlight>
+                  <a:srgbClr val="FFFF00"/>
+                </a:highlight>
+              </a:rPr>
+              <a:t>for</a:t>
+            </a:r>
+            <a:r>
+              <a:rPr lang="de-DE" dirty="0">
+                <a:highlight>
+                  <a:srgbClr val="FFFF00"/>
+                </a:highlight>
+              </a:rPr>
+              <a:t> </a:t>
+            </a:r>
+            <a:r>
+              <a:rPr lang="de-DE" dirty="0" err="1">
+                <a:highlight>
+                  <a:srgbClr val="FFFF00"/>
+                </a:highlight>
+              </a:rPr>
+              <a:t>region</a:t>
+            </a:r>
+            <a:r>
+              <a:rPr lang="de-DE" dirty="0">
+                <a:highlight>
+                  <a:srgbClr val="FFFF00"/>
+                </a:highlight>
+              </a:rPr>
+              <a:t> + </a:t>
+            </a:r>
+            <a:r>
+              <a:rPr lang="de-DE" dirty="0" err="1">
+                <a:highlight>
+                  <a:srgbClr val="FFFF00"/>
+                </a:highlight>
+              </a:rPr>
+              <a:t>connected</a:t>
+            </a:r>
+            <a:r>
+              <a:rPr lang="de-DE" dirty="0">
+                <a:highlight>
+                  <a:srgbClr val="FFFF00"/>
+                </a:highlight>
+              </a:rPr>
+              <a:t> </a:t>
+            </a:r>
+            <a:r>
+              <a:rPr lang="de-DE" dirty="0" err="1">
+                <a:highlight>
+                  <a:srgbClr val="FFFF00"/>
+                </a:highlight>
+              </a:rPr>
+              <a:t>for</a:t>
+            </a:r>
+            <a:r>
+              <a:rPr lang="de-DE" dirty="0">
+                <a:highlight>
+                  <a:srgbClr val="FFFF00"/>
+                </a:highlight>
+              </a:rPr>
+              <a:t> high </a:t>
+            </a:r>
+            <a:r>
+              <a:rPr lang="de-DE" dirty="0" err="1">
+                <a:highlight>
+                  <a:srgbClr val="FFFF00"/>
+                </a:highlight>
+              </a:rPr>
+              <a:t>vs</a:t>
+            </a:r>
+            <a:r>
+              <a:rPr lang="de-DE" dirty="0">
+                <a:highlight>
+                  <a:srgbClr val="FFFF00"/>
+                </a:highlight>
+              </a:rPr>
+              <a:t> </a:t>
+            </a:r>
+            <a:r>
+              <a:rPr lang="de-DE" dirty="0" err="1">
+                <a:highlight>
+                  <a:srgbClr val="FFFF00"/>
+                </a:highlight>
+              </a:rPr>
+              <a:t>low</a:t>
+            </a:r>
+            <a:r>
+              <a:rPr lang="de-DE" dirty="0">
+                <a:highlight>
+                  <a:srgbClr val="FFFF00"/>
+                </a:highlight>
+              </a:rPr>
+              <a:t> </a:t>
+            </a:r>
+            <a:r>
+              <a:rPr lang="de-DE" dirty="0" err="1">
+                <a:highlight>
+                  <a:srgbClr val="FFFF00"/>
+                </a:highlight>
+              </a:rPr>
+              <a:t>bias</a:t>
+            </a:r>
+            <a:r>
+              <a:rPr lang="de-DE" dirty="0">
+                <a:highlight>
+                  <a:srgbClr val="FFFF00"/>
+                </a:highlight>
+              </a:rPr>
+              <a:t> </a:t>
+            </a:r>
+            <a:r>
+              <a:rPr lang="de-DE" dirty="0" err="1">
+                <a:highlight>
+                  <a:srgbClr val="FFFF00"/>
+                </a:highlight>
+              </a:rPr>
+              <a:t>stimuli</a:t>
+            </a:r>
+            <a:endParaRPr lang="de-DE" dirty="0">
+              <a:highlight>
+                <a:srgbClr val="FFFF00"/>
+              </a:highlight>
+            </a:endParaRPr>
+          </a:p>
+          <a:p>
+            <a:pPr lvl="3"/>
+            <a:r>
+              <a:rPr lang="de-DE" dirty="0"/>
+              <a:t>Seed </a:t>
+            </a:r>
+            <a:r>
+              <a:rPr lang="de-DE" dirty="0" err="1"/>
+              <a:t>region</a:t>
+            </a:r>
+            <a:r>
+              <a:rPr lang="de-DE" dirty="0"/>
+              <a:t> in </a:t>
+            </a:r>
+            <a:r>
+              <a:rPr lang="de-DE" dirty="0" err="1"/>
+              <a:t>hippo</a:t>
+            </a:r>
+            <a:r>
+              <a:rPr lang="de-DE" dirty="0"/>
+              <a:t> </a:t>
+            </a:r>
+            <a:r>
+              <a:rPr lang="de-DE" dirty="0" err="1"/>
+              <a:t>from</a:t>
+            </a:r>
+            <a:r>
+              <a:rPr lang="de-DE" dirty="0"/>
+              <a:t> GLM </a:t>
+            </a:r>
+            <a:r>
+              <a:rPr lang="de-DE" dirty="0" err="1"/>
+              <a:t>contrast</a:t>
+            </a:r>
+            <a:r>
+              <a:rPr lang="de-DE" dirty="0"/>
+              <a:t> </a:t>
+            </a:r>
+            <a:r>
+              <a:rPr lang="de-DE" dirty="0" err="1"/>
+              <a:t>of</a:t>
+            </a:r>
+            <a:r>
+              <a:rPr lang="de-DE" dirty="0"/>
+              <a:t> </a:t>
+            </a:r>
+            <a:r>
+              <a:rPr lang="de-DE" dirty="0" err="1"/>
+              <a:t>low</a:t>
+            </a:r>
+            <a:r>
+              <a:rPr lang="de-DE" dirty="0"/>
+              <a:t> </a:t>
+            </a:r>
+            <a:r>
+              <a:rPr lang="de-DE" dirty="0" err="1"/>
+              <a:t>vs</a:t>
+            </a:r>
+            <a:r>
+              <a:rPr lang="de-DE" dirty="0"/>
+              <a:t> high </a:t>
+            </a:r>
+            <a:r>
+              <a:rPr lang="de-DE" dirty="0" err="1"/>
+              <a:t>contrast</a:t>
+            </a:r>
+            <a:r>
+              <a:rPr lang="de-DE" dirty="0"/>
+              <a:t> </a:t>
+            </a:r>
+            <a:r>
+              <a:rPr lang="de-DE" dirty="0" err="1"/>
+              <a:t>during</a:t>
+            </a:r>
+            <a:r>
+              <a:rPr lang="de-DE" dirty="0"/>
+              <a:t> </a:t>
+            </a:r>
+            <a:r>
+              <a:rPr lang="de-DE" dirty="0" err="1"/>
+              <a:t>reward</a:t>
+            </a:r>
+            <a:r>
+              <a:rPr lang="de-DE" dirty="0"/>
+              <a:t> </a:t>
+            </a:r>
+            <a:r>
+              <a:rPr lang="de-DE" dirty="0" err="1"/>
+              <a:t>learning</a:t>
+            </a:r>
+            <a:endParaRPr lang="de-DE" dirty="0"/>
+          </a:p>
+          <a:p>
+            <a:pPr lvl="3"/>
+            <a:r>
+              <a:rPr lang="de-DE" dirty="0"/>
+              <a:t>Time </a:t>
+            </a:r>
+            <a:r>
+              <a:rPr lang="de-DE" dirty="0" err="1"/>
+              <a:t>course</a:t>
+            </a:r>
+            <a:r>
+              <a:rPr lang="de-DE" dirty="0"/>
+              <a:t> </a:t>
+            </a:r>
+            <a:r>
+              <a:rPr lang="de-DE" dirty="0" err="1"/>
+              <a:t>of</a:t>
+            </a:r>
+            <a:r>
+              <a:rPr lang="de-DE" dirty="0"/>
+              <a:t> </a:t>
+            </a:r>
+            <a:r>
+              <a:rPr lang="de-DE" dirty="0" err="1"/>
+              <a:t>hippo</a:t>
+            </a:r>
+            <a:r>
+              <a:rPr lang="de-DE" dirty="0"/>
+              <a:t> </a:t>
+            </a:r>
+            <a:r>
+              <a:rPr lang="de-DE" dirty="0" err="1"/>
+              <a:t>activation</a:t>
+            </a:r>
+            <a:r>
+              <a:rPr lang="de-DE" dirty="0"/>
+              <a:t> </a:t>
+            </a:r>
+            <a:r>
+              <a:rPr lang="de-DE" dirty="0" err="1"/>
+              <a:t>extracted</a:t>
+            </a:r>
+            <a:r>
+              <a:rPr lang="de-DE" dirty="0"/>
+              <a:t>, </a:t>
+            </a:r>
+            <a:r>
+              <a:rPr lang="de-DE" dirty="0" err="1"/>
+              <a:t>deconvolved</a:t>
+            </a:r>
+            <a:r>
+              <a:rPr lang="de-DE" dirty="0"/>
+              <a:t> (</a:t>
+            </a:r>
+            <a:r>
+              <a:rPr lang="de-DE" dirty="0" err="1"/>
+              <a:t>with</a:t>
+            </a:r>
+            <a:r>
+              <a:rPr lang="de-DE" dirty="0"/>
+              <a:t> </a:t>
+            </a:r>
+            <a:r>
+              <a:rPr lang="de-DE" dirty="0" err="1"/>
+              <a:t>what</a:t>
+            </a:r>
+            <a:r>
+              <a:rPr lang="de-DE" dirty="0"/>
+              <a:t>?), </a:t>
+            </a:r>
+            <a:r>
+              <a:rPr lang="de-DE" dirty="0" err="1"/>
+              <a:t>multiplied</a:t>
+            </a:r>
+            <a:r>
+              <a:rPr lang="de-DE" dirty="0"/>
+              <a:t> </a:t>
+            </a:r>
+            <a:r>
+              <a:rPr lang="de-DE" dirty="0" err="1"/>
+              <a:t>by</a:t>
+            </a:r>
+            <a:r>
+              <a:rPr lang="de-DE" dirty="0"/>
+              <a:t> </a:t>
+            </a:r>
+            <a:r>
+              <a:rPr lang="de-DE" dirty="0" err="1"/>
+              <a:t>decision</a:t>
+            </a:r>
+            <a:r>
+              <a:rPr lang="de-DE" dirty="0"/>
+              <a:t> </a:t>
+            </a:r>
+            <a:r>
+              <a:rPr lang="de-DE" dirty="0" err="1"/>
+              <a:t>bias</a:t>
+            </a:r>
+            <a:r>
+              <a:rPr lang="de-DE" dirty="0"/>
+              <a:t> </a:t>
+            </a:r>
+            <a:r>
+              <a:rPr lang="de-DE" dirty="0" err="1"/>
+              <a:t>indicateor</a:t>
+            </a:r>
+            <a:r>
+              <a:rPr lang="de-DE" dirty="0"/>
+              <a:t> (</a:t>
+            </a:r>
+            <a:r>
+              <a:rPr lang="de-DE" dirty="0" err="1">
+                <a:highlight>
+                  <a:srgbClr val="FF00FF"/>
+                </a:highlight>
+              </a:rPr>
+              <a:t>of</a:t>
+            </a:r>
+            <a:r>
+              <a:rPr lang="de-DE" dirty="0">
+                <a:highlight>
+                  <a:srgbClr val="FF00FF"/>
+                </a:highlight>
+              </a:rPr>
+              <a:t> .5s </a:t>
+            </a:r>
+            <a:r>
+              <a:rPr lang="de-DE" dirty="0" err="1">
+                <a:highlight>
+                  <a:srgbClr val="FF00FF"/>
+                </a:highlight>
+              </a:rPr>
+              <a:t>periods</a:t>
+            </a:r>
+            <a:r>
+              <a:rPr lang="de-DE" dirty="0"/>
+              <a:t>) </a:t>
+            </a:r>
+            <a:r>
+              <a:rPr lang="de-DE" dirty="0" err="1"/>
+              <a:t>then</a:t>
+            </a:r>
+            <a:r>
+              <a:rPr lang="de-DE" dirty="0"/>
+              <a:t> </a:t>
+            </a:r>
+            <a:r>
+              <a:rPr lang="de-DE" dirty="0" err="1"/>
+              <a:t>convolved</a:t>
+            </a:r>
+            <a:r>
+              <a:rPr lang="de-DE" dirty="0"/>
+              <a:t> </a:t>
+            </a:r>
+            <a:r>
+              <a:rPr lang="de-DE" dirty="0" err="1"/>
+              <a:t>with</a:t>
+            </a:r>
+            <a:r>
+              <a:rPr lang="de-DE" dirty="0"/>
+              <a:t> HRF)</a:t>
+            </a:r>
+          </a:p>
+          <a:p>
+            <a:pPr lvl="3"/>
+            <a:r>
+              <a:rPr lang="de-DE" dirty="0" err="1"/>
+              <a:t>Then</a:t>
+            </a:r>
+            <a:r>
+              <a:rPr lang="de-DE" dirty="0"/>
+              <a:t> GLM </a:t>
+            </a:r>
+            <a:r>
+              <a:rPr lang="de-DE" dirty="0" err="1"/>
+              <a:t>with</a:t>
+            </a:r>
+            <a:r>
+              <a:rPr lang="de-DE" dirty="0"/>
+              <a:t> </a:t>
+            </a:r>
+            <a:r>
+              <a:rPr lang="de-DE" dirty="0" err="1"/>
+              <a:t>this</a:t>
+            </a:r>
+            <a:r>
+              <a:rPr lang="de-DE" dirty="0"/>
+              <a:t> </a:t>
+            </a:r>
+            <a:r>
+              <a:rPr lang="de-DE" dirty="0" err="1"/>
+              <a:t>measure</a:t>
+            </a:r>
+            <a:r>
+              <a:rPr lang="de-DE" dirty="0"/>
+              <a:t> </a:t>
+            </a:r>
+            <a:r>
+              <a:rPr lang="de-DE" dirty="0" err="1"/>
+              <a:t>of</a:t>
+            </a:r>
+            <a:r>
+              <a:rPr lang="de-DE" dirty="0"/>
+              <a:t> </a:t>
+            </a:r>
+            <a:r>
+              <a:rPr lang="de-DE" dirty="0" err="1"/>
+              <a:t>hippo</a:t>
+            </a:r>
+            <a:r>
+              <a:rPr lang="de-DE" dirty="0"/>
+              <a:t> </a:t>
+            </a:r>
+            <a:r>
+              <a:rPr lang="de-DE" dirty="0" err="1"/>
+              <a:t>timecourse</a:t>
+            </a:r>
+            <a:r>
+              <a:rPr lang="de-DE" dirty="0"/>
+              <a:t> </a:t>
+            </a:r>
+            <a:r>
+              <a:rPr lang="de-DE" dirty="0" err="1"/>
+              <a:t>by</a:t>
+            </a:r>
+            <a:r>
+              <a:rPr lang="de-DE" dirty="0"/>
+              <a:t> </a:t>
+            </a:r>
+            <a:r>
+              <a:rPr lang="de-DE" dirty="0" err="1"/>
+              <a:t>decision</a:t>
+            </a:r>
+            <a:r>
+              <a:rPr lang="de-DE" dirty="0"/>
+              <a:t> </a:t>
+            </a:r>
+            <a:r>
+              <a:rPr lang="de-DE" dirty="0" err="1"/>
+              <a:t>bias</a:t>
+            </a:r>
+            <a:r>
+              <a:rPr lang="de-DE" dirty="0"/>
+              <a:t>, </a:t>
+            </a:r>
+            <a:r>
+              <a:rPr lang="de-DE" dirty="0" err="1"/>
+              <a:t>the</a:t>
+            </a:r>
+            <a:r>
+              <a:rPr lang="de-DE" dirty="0"/>
+              <a:t> </a:t>
+            </a:r>
+            <a:r>
+              <a:rPr lang="de-DE" dirty="0" err="1"/>
+              <a:t>decision</a:t>
+            </a:r>
+            <a:r>
+              <a:rPr lang="de-DE" dirty="0"/>
+              <a:t> </a:t>
+            </a:r>
+            <a:r>
+              <a:rPr lang="de-DE" dirty="0" err="1"/>
+              <a:t>bias</a:t>
+            </a:r>
+            <a:r>
+              <a:rPr lang="de-DE" dirty="0"/>
+              <a:t> </a:t>
+            </a:r>
+            <a:r>
+              <a:rPr lang="de-DE" dirty="0" err="1"/>
+              <a:t>regressor</a:t>
+            </a:r>
+            <a:r>
+              <a:rPr lang="de-DE" dirty="0"/>
+              <a:t>, and </a:t>
+            </a:r>
+            <a:r>
+              <a:rPr lang="de-DE" dirty="0" err="1"/>
+              <a:t>the</a:t>
+            </a:r>
+            <a:r>
+              <a:rPr lang="de-DE" dirty="0"/>
+              <a:t> </a:t>
+            </a:r>
+            <a:r>
+              <a:rPr lang="de-DE" dirty="0" err="1"/>
+              <a:t>unmodulated</a:t>
+            </a:r>
+            <a:r>
+              <a:rPr lang="de-DE" dirty="0"/>
+              <a:t> </a:t>
+            </a:r>
+            <a:r>
+              <a:rPr lang="de-DE" dirty="0" err="1"/>
+              <a:t>hippocampus</a:t>
+            </a:r>
+            <a:r>
+              <a:rPr lang="de-DE" dirty="0"/>
+              <a:t> time </a:t>
+            </a:r>
+            <a:r>
+              <a:rPr lang="de-DE" dirty="0" err="1"/>
+              <a:t>course</a:t>
+            </a:r>
+            <a:r>
+              <a:rPr lang="de-DE" dirty="0"/>
+              <a:t> </a:t>
+            </a:r>
+            <a:r>
+              <a:rPr lang="de-DE" dirty="0" err="1"/>
+              <a:t>regressor</a:t>
+            </a:r>
+            <a:r>
+              <a:rPr lang="de-DE" dirty="0"/>
+              <a:t> – </a:t>
+            </a:r>
+            <a:r>
+              <a:rPr lang="de-DE" dirty="0" err="1"/>
+              <a:t>striatum</a:t>
+            </a:r>
+            <a:r>
+              <a:rPr lang="de-DE" dirty="0"/>
+              <a:t> </a:t>
+            </a:r>
+            <a:r>
+              <a:rPr lang="de-DE" dirty="0" err="1"/>
+              <a:t>activation</a:t>
+            </a:r>
+            <a:r>
+              <a:rPr lang="de-DE" dirty="0"/>
+              <a:t> </a:t>
+            </a:r>
+            <a:r>
+              <a:rPr lang="de-DE" dirty="0" err="1"/>
+              <a:t>that</a:t>
+            </a:r>
+            <a:r>
+              <a:rPr lang="de-DE" dirty="0"/>
+              <a:t> </a:t>
+            </a:r>
+            <a:r>
+              <a:rPr lang="de-DE" dirty="0" err="1"/>
+              <a:t>respond</a:t>
+            </a:r>
+            <a:r>
+              <a:rPr lang="de-DE" dirty="0"/>
+              <a:t> </a:t>
+            </a:r>
+            <a:r>
+              <a:rPr lang="de-DE" dirty="0" err="1"/>
+              <a:t>to</a:t>
+            </a:r>
+            <a:r>
+              <a:rPr lang="de-DE" dirty="0"/>
+              <a:t> RPE </a:t>
+            </a:r>
+            <a:r>
+              <a:rPr lang="de-DE" dirty="0" err="1"/>
+              <a:t>as</a:t>
+            </a:r>
+            <a:r>
+              <a:rPr lang="de-DE" dirty="0"/>
+              <a:t> </a:t>
+            </a:r>
+            <a:r>
+              <a:rPr lang="de-DE" dirty="0" err="1"/>
+              <a:t>regressed</a:t>
+            </a:r>
+            <a:endParaRPr lang="de-DE" dirty="0"/>
+          </a:p>
+          <a:p>
+            <a:pPr lvl="3"/>
+            <a:r>
+              <a:rPr lang="de-DE" dirty="0"/>
+              <a:t>Same on </a:t>
+            </a:r>
+            <a:r>
+              <a:rPr lang="de-DE" dirty="0" err="1"/>
+              <a:t>asso</a:t>
+            </a:r>
+            <a:r>
+              <a:rPr lang="de-DE" dirty="0"/>
+              <a:t> </a:t>
+            </a:r>
+            <a:r>
+              <a:rPr lang="de-DE" dirty="0" err="1"/>
+              <a:t>phase</a:t>
+            </a:r>
+            <a:r>
+              <a:rPr lang="de-DE" dirty="0"/>
+              <a:t> </a:t>
+            </a:r>
+            <a:r>
+              <a:rPr lang="de-DE" dirty="0" err="1"/>
+              <a:t>as</a:t>
+            </a:r>
+            <a:r>
+              <a:rPr lang="de-DE" dirty="0"/>
+              <a:t> </a:t>
+            </a:r>
+            <a:r>
+              <a:rPr lang="de-DE" dirty="0" err="1"/>
+              <a:t>control</a:t>
+            </a:r>
+            <a:endParaRPr lang="de-DE" dirty="0"/>
+          </a:p>
+          <a:p>
+            <a:pPr lvl="2"/>
+            <a:r>
+              <a:rPr lang="de-DE" dirty="0">
+                <a:highlight>
+                  <a:srgbClr val="FFFF00"/>
+                </a:highlight>
+              </a:rPr>
+              <a:t>Mediation </a:t>
+            </a:r>
+            <a:r>
+              <a:rPr lang="de-DE" dirty="0" err="1">
+                <a:highlight>
+                  <a:srgbClr val="FFFF00"/>
+                </a:highlight>
+              </a:rPr>
+              <a:t>analysis</a:t>
+            </a:r>
+            <a:endParaRPr lang="de-DE" dirty="0">
+              <a:highlight>
+                <a:srgbClr val="FFFF00"/>
+              </a:highlight>
+            </a:endParaRPr>
+          </a:p>
+          <a:p>
+            <a:pPr lvl="3"/>
+            <a:r>
+              <a:rPr lang="de-DE" dirty="0" err="1"/>
+              <a:t>Activation</a:t>
+            </a:r>
+            <a:r>
+              <a:rPr lang="de-DE" dirty="0"/>
+              <a:t> in </a:t>
+            </a:r>
+            <a:r>
+              <a:rPr lang="de-DE" dirty="0" err="1"/>
+              <a:t>visual</a:t>
+            </a:r>
+            <a:r>
+              <a:rPr lang="de-DE" dirty="0"/>
+              <a:t> </a:t>
+            </a:r>
+            <a:r>
+              <a:rPr lang="de-DE" dirty="0" err="1"/>
+              <a:t>regions</a:t>
+            </a:r>
+            <a:r>
+              <a:rPr lang="de-DE" dirty="0"/>
+              <a:t> </a:t>
+            </a:r>
+            <a:r>
+              <a:rPr lang="de-DE" dirty="0" err="1"/>
+              <a:t>modulates</a:t>
+            </a:r>
+            <a:r>
+              <a:rPr lang="de-DE" dirty="0"/>
+              <a:t> </a:t>
+            </a:r>
+            <a:r>
+              <a:rPr lang="de-DE" dirty="0" err="1"/>
+              <a:t>connectivity</a:t>
+            </a:r>
+            <a:r>
+              <a:rPr lang="de-DE" dirty="0"/>
+              <a:t> </a:t>
+            </a:r>
+            <a:r>
+              <a:rPr lang="de-DE" dirty="0" err="1"/>
+              <a:t>between</a:t>
+            </a:r>
+            <a:r>
+              <a:rPr lang="de-DE" dirty="0"/>
+              <a:t> </a:t>
+            </a:r>
+            <a:r>
+              <a:rPr lang="de-DE" dirty="0" err="1"/>
+              <a:t>hippo</a:t>
+            </a:r>
+            <a:r>
+              <a:rPr lang="de-DE" dirty="0"/>
+              <a:t> and </a:t>
+            </a:r>
+            <a:r>
+              <a:rPr lang="de-DE" dirty="0" err="1"/>
+              <a:t>striatum</a:t>
+            </a:r>
+            <a:endParaRPr lang="de-DE" dirty="0"/>
+          </a:p>
+          <a:p>
+            <a:pPr marL="1371600" lvl="3" indent="0">
+              <a:buNone/>
+            </a:pPr>
+            <a:endParaRPr lang="en-US" dirty="0"/>
           </a:p>
         </p:txBody>
       </p:sp>
@@ -3855,6 +5218,174 @@
     <p:extLst>
       <p:ext uri="{BB962C8B-B14F-4D97-AF65-F5344CB8AC3E}">
         <p14:creationId xmlns:p14="http://schemas.microsoft.com/office/powerpoint/2010/main" val="2884732355"/>
+      </p:ext>
+    </p:extLst>
+  </p:cSld>
+  <p:clrMapOvr>
+    <a:masterClrMapping/>
+  </p:clrMapOvr>
+</p:sld>
+</file>
+
+<file path=ppt/slides/slide3.xml><?xml version="1.0" encoding="utf-8"?>
+<p:sld xmlns:a="http://schemas.openxmlformats.org/drawingml/2006/main" xmlns:r="http://schemas.openxmlformats.org/officeDocument/2006/relationships" xmlns:p="http://schemas.openxmlformats.org/presentationml/2006/main">
+  <p:cSld>
+    <p:spTree>
+      <p:nvGrpSpPr>
+        <p:cNvPr id="1" name=""/>
+        <p:cNvGrpSpPr/>
+        <p:nvPr/>
+      </p:nvGrpSpPr>
+      <p:grpSpPr>
+        <a:xfrm>
+          <a:off x="0" y="0"/>
+          <a:ext cx="0" cy="0"/>
+          <a:chOff x="0" y="0"/>
+          <a:chExt cx="0" cy="0"/>
+        </a:xfrm>
+      </p:grpSpPr>
+      <p:sp>
+        <p:nvSpPr>
+          <p:cNvPr id="2" name="Titre 1">
+            <a:extLst>
+              <a:ext uri="{FF2B5EF4-FFF2-40B4-BE49-F238E27FC236}">
+                <a16:creationId xmlns:a16="http://schemas.microsoft.com/office/drawing/2014/main" id="{5619AA48-8E76-4DA5-B453-F81CB8CB7D5B}"/>
+              </a:ext>
+            </a:extLst>
+          </p:cNvPr>
+          <p:cNvSpPr>
+            <a:spLocks noGrp="1"/>
+          </p:cNvSpPr>
+          <p:nvPr>
+            <p:ph type="title"/>
+          </p:nvPr>
+        </p:nvSpPr>
+        <p:spPr>
+          <a:xfrm>
+            <a:off x="457200" y="146115"/>
+            <a:ext cx="3287486" cy="375104"/>
+          </a:xfrm>
+        </p:spPr>
+        <p:txBody>
+          <a:bodyPr>
+            <a:normAutofit/>
+          </a:bodyPr>
+          <a:lstStyle/>
+          <a:p>
+            <a:r>
+              <a:rPr lang="fr-FR" sz="2000" dirty="0"/>
+              <a:t>Wang 2020</a:t>
+            </a:r>
+          </a:p>
+        </p:txBody>
+      </p:sp>
+      <p:sp>
+        <p:nvSpPr>
+          <p:cNvPr id="3" name="Espace réservé du contenu 2">
+            <a:extLst>
+              <a:ext uri="{FF2B5EF4-FFF2-40B4-BE49-F238E27FC236}">
+                <a16:creationId xmlns:a16="http://schemas.microsoft.com/office/drawing/2014/main" id="{11AECA23-ACD8-4911-8D85-CDC8B8BB490D}"/>
+              </a:ext>
+            </a:extLst>
+          </p:cNvPr>
+          <p:cNvSpPr>
+            <a:spLocks noGrp="1"/>
+          </p:cNvSpPr>
+          <p:nvPr>
+            <p:ph idx="1"/>
+          </p:nvPr>
+        </p:nvSpPr>
+        <p:spPr>
+          <a:xfrm>
+            <a:off x="838200" y="762000"/>
+            <a:ext cx="10756769" cy="5949885"/>
+          </a:xfrm>
+        </p:spPr>
+        <p:txBody>
+          <a:bodyPr numCol="2">
+            <a:normAutofit/>
+          </a:bodyPr>
+          <a:lstStyle/>
+          <a:p>
+            <a:r>
+              <a:rPr lang="de-DE" dirty="0" err="1"/>
+              <a:t>Preprocessing</a:t>
+            </a:r>
+            <a:endParaRPr lang="de-DE" dirty="0"/>
+          </a:p>
+          <a:p>
+            <a:pPr lvl="1"/>
+            <a:r>
+              <a:rPr lang="de-DE" dirty="0"/>
+              <a:t>Spm12</a:t>
+            </a:r>
+          </a:p>
+          <a:p>
+            <a:pPr lvl="1"/>
+            <a:r>
+              <a:rPr lang="de-DE" dirty="0"/>
+              <a:t>All GLMs </a:t>
+            </a:r>
+            <a:r>
+              <a:rPr lang="de-DE" dirty="0" err="1"/>
+              <a:t>include</a:t>
+            </a:r>
+            <a:r>
+              <a:rPr lang="de-DE" dirty="0"/>
+              <a:t> </a:t>
+            </a:r>
+            <a:r>
+              <a:rPr lang="de-DE" dirty="0" err="1"/>
+              <a:t>nuisance</a:t>
+            </a:r>
+            <a:r>
+              <a:rPr lang="de-DE" dirty="0"/>
+              <a:t> </a:t>
+            </a:r>
+            <a:r>
+              <a:rPr lang="de-DE" dirty="0" err="1"/>
+              <a:t>regressors</a:t>
+            </a:r>
+            <a:r>
+              <a:rPr lang="de-DE" dirty="0"/>
+              <a:t> =</a:t>
+            </a:r>
+            <a:r>
+              <a:rPr lang="en-US" sz="500" dirty="0"/>
+              <a:t>smoothed, normalized, and down-sampled sniff trace; the six realignment parameters (three translations, three rotations) calculated for each volume during motion correction; the derivate, square, and the square of the derivative of each of the realignment regressors; the absolute signal difference between even and odd slices and the variance across slices (to </a:t>
+            </a:r>
+            <a:r>
+              <a:rPr lang="en-US" sz="500"/>
+              <a:t>account for fMRI </a:t>
+            </a:r>
+            <a:r>
+              <a:rPr lang="en-US" sz="500" dirty="0"/>
+              <a:t>signal fluctuation caused by within-scan head motion); the squares, derivatives</a:t>
+            </a:r>
+            <a:r>
+              <a:rPr lang="en-US" sz="500"/>
+              <a:t>, and squared </a:t>
+            </a:r>
+            <a:r>
+              <a:rPr lang="en-US" sz="500" dirty="0"/>
+              <a:t>derivatives of these two within-volume measures; and additional regressors </a:t>
+            </a:r>
+            <a:r>
+              <a:rPr lang="en-US" sz="500"/>
+              <a:t>as needed to </a:t>
+            </a:r>
+            <a:r>
+              <a:rPr lang="en-US" sz="500" dirty="0"/>
+              <a:t>model out individual volumes with particularly strong head motion.</a:t>
+            </a:r>
+            <a:endParaRPr lang="de-DE" dirty="0"/>
+          </a:p>
+        </p:txBody>
+      </p:sp>
+    </p:spTree>
+    <p:extLst>
+      <p:ext uri="{BB962C8B-B14F-4D97-AF65-F5344CB8AC3E}">
+        <p14:creationId xmlns:p14="http://schemas.microsoft.com/office/powerpoint/2010/main" val="4223680838"/>
       </p:ext>
     </p:extLst>
   </p:cSld>
@@ -4157,4 +5688,299 @@
     </a:ext>
   </a:extLst>
 </a:theme>
+</file>
+
+<file path=ppt/theme/theme2.xml><?xml version="1.0" encoding="utf-8"?>
+<a:theme xmlns:a="http://schemas.openxmlformats.org/drawingml/2006/main" name="Office Theme">
+  <a:themeElements>
+    <a:clrScheme name="Office">
+      <a:dk1>
+        <a:sysClr val="windowText" lastClr="000000"/>
+      </a:dk1>
+      <a:lt1>
+        <a:sysClr val="window" lastClr="FFFFFF"/>
+      </a:lt1>
+      <a:dk2>
+        <a:srgbClr val="44546A"/>
+      </a:dk2>
+      <a:lt2>
+        <a:srgbClr val="E7E6E6"/>
+      </a:lt2>
+      <a:accent1>
+        <a:srgbClr val="4472C4"/>
+      </a:accent1>
+      <a:accent2>
+        <a:srgbClr val="ED7D31"/>
+      </a:accent2>
+      <a:accent3>
+        <a:srgbClr val="A5A5A5"/>
+      </a:accent3>
+      <a:accent4>
+        <a:srgbClr val="FFC000"/>
+      </a:accent4>
+      <a:accent5>
+        <a:srgbClr val="5B9BD5"/>
+      </a:accent5>
+      <a:accent6>
+        <a:srgbClr val="70AD47"/>
+      </a:accent6>
+      <a:hlink>
+        <a:srgbClr val="0563C1"/>
+      </a:hlink>
+      <a:folHlink>
+        <a:srgbClr val="954F72"/>
+      </a:folHlink>
+    </a:clrScheme>
+    <a:fontScheme name="Office">
+      <a:majorFont>
+        <a:latin typeface="Calibri Light" panose="020F0302020204030204"/>
+        <a:ea typeface=""/>
+        <a:cs typeface=""/>
+        <a:font script="Jpan" typeface="游ゴシック Light"/>
+        <a:font script="Hang" typeface="맑은 고딕"/>
+        <a:font script="Hans" typeface="等线 Light"/>
+        <a:font script="Hant" typeface="新細明體"/>
+        <a:font script="Arab" typeface="Times New Roman"/>
+        <a:font script="Hebr" typeface="Times New Roman"/>
+        <a:font script="Thai" typeface="Angsana New"/>
+        <a:font script="Ethi" typeface="Nyala"/>
+        <a:font script="Beng" typeface="Vrinda"/>
+        <a:font script="Gujr" typeface="Shruti"/>
+        <a:font script="Khmr" typeface="MoolBoran"/>
+        <a:font script="Knda" typeface="Tunga"/>
+        <a:font script="Guru" typeface="Raavi"/>
+        <a:font script="Cans" typeface="Euphemia"/>
+        <a:font script="Cher" typeface="Plantagenet Cherokee"/>
+        <a:font script="Yiii" typeface="Microsoft Yi Baiti"/>
+        <a:font script="Tibt" typeface="Microsoft Himalaya"/>
+        <a:font script="Thaa" typeface="MV Boli"/>
+        <a:font script="Deva" typeface="Mangal"/>
+        <a:font script="Telu" typeface="Gautami"/>
+        <a:font script="Taml" typeface="Latha"/>
+        <a:font script="Syrc" typeface="Estrangelo Edessa"/>
+        <a:font script="Orya" typeface="Kalinga"/>
+        <a:font script="Mlym" typeface="Kartika"/>
+        <a:font script="Laoo" typeface="DokChampa"/>
+        <a:font script="Sinh" typeface="Iskoola Pota"/>
+        <a:font script="Mong" typeface="Mongolian Baiti"/>
+        <a:font script="Viet" typeface="Times New Roman"/>
+        <a:font script="Uigh" typeface="Microsoft Uighur"/>
+        <a:font script="Geor" typeface="Sylfaen"/>
+        <a:font script="Armn" typeface="Arial"/>
+        <a:font script="Bugi" typeface="Leelawadee UI"/>
+        <a:font script="Bopo" typeface="Microsoft JhengHei"/>
+        <a:font script="Java" typeface="Javanese Text"/>
+        <a:font script="Lisu" typeface="Segoe UI"/>
+        <a:font script="Mymr" typeface="Myanmar Text"/>
+        <a:font script="Nkoo" typeface="Ebrima"/>
+        <a:font script="Olck" typeface="Nirmala UI"/>
+        <a:font script="Osma" typeface="Ebrima"/>
+        <a:font script="Phag" typeface="Phagspa"/>
+        <a:font script="Syrn" typeface="Estrangelo Edessa"/>
+        <a:font script="Syrj" typeface="Estrangelo Edessa"/>
+        <a:font script="Syre" typeface="Estrangelo Edessa"/>
+        <a:font script="Sora" typeface="Nirmala UI"/>
+        <a:font script="Tale" typeface="Microsoft Tai Le"/>
+        <a:font script="Talu" typeface="Microsoft New Tai Lue"/>
+        <a:font script="Tfng" typeface="Ebrima"/>
+      </a:majorFont>
+      <a:minorFont>
+        <a:latin typeface="Calibri" panose="020F0502020204030204"/>
+        <a:ea typeface=""/>
+        <a:cs typeface=""/>
+        <a:font script="Jpan" typeface="游ゴシック"/>
+        <a:font script="Hang" typeface="맑은 고딕"/>
+        <a:font script="Hans" typeface="等线"/>
+        <a:font script="Hant" typeface="新細明體"/>
+        <a:font script="Arab" typeface="Arial"/>
+        <a:font script="Hebr" typeface="Arial"/>
+        <a:font script="Thai" typeface="Cordia New"/>
+        <a:font script="Ethi" typeface="Nyala"/>
+        <a:font script="Beng" typeface="Vrinda"/>
+        <a:font script="Gujr" typeface="Shruti"/>
+        <a:font script="Khmr" typeface="DaunPenh"/>
+        <a:font script="Knda" typeface="Tunga"/>
+        <a:font script="Guru" typeface="Raavi"/>
+        <a:font script="Cans" typeface="Euphemia"/>
+        <a:font script="Cher" typeface="Plantagenet Cherokee"/>
+        <a:font script="Yiii" typeface="Microsoft Yi Baiti"/>
+        <a:font script="Tibt" typeface="Microsoft Himalaya"/>
+        <a:font script="Thaa" typeface="MV Boli"/>
+        <a:font script="Deva" typeface="Mangal"/>
+        <a:font script="Telu" typeface="Gautami"/>
+        <a:font script="Taml" typeface="Latha"/>
+        <a:font script="Syrc" typeface="Estrangelo Edessa"/>
+        <a:font script="Orya" typeface="Kalinga"/>
+        <a:font script="Mlym" typeface="Kartika"/>
+        <a:font script="Laoo" typeface="DokChampa"/>
+        <a:font script="Sinh" typeface="Iskoola Pota"/>
+        <a:font script="Mong" typeface="Mongolian Baiti"/>
+        <a:font script="Viet" typeface="Arial"/>
+        <a:font script="Uigh" typeface="Microsoft Uighur"/>
+        <a:font script="Geor" typeface="Sylfaen"/>
+        <a:font script="Armn" typeface="Arial"/>
+        <a:font script="Bugi" typeface="Leelawadee UI"/>
+        <a:font script="Bopo" typeface="Microsoft JhengHei"/>
+        <a:font script="Java" typeface="Javanese Text"/>
+        <a:font script="Lisu" typeface="Segoe UI"/>
+        <a:font script="Mymr" typeface="Myanmar Text"/>
+        <a:font script="Nkoo" typeface="Ebrima"/>
+        <a:font script="Olck" typeface="Nirmala UI"/>
+        <a:font script="Osma" typeface="Ebrima"/>
+        <a:font script="Phag" typeface="Phagspa"/>
+        <a:font script="Syrn" typeface="Estrangelo Edessa"/>
+        <a:font script="Syrj" typeface="Estrangelo Edessa"/>
+        <a:font script="Syre" typeface="Estrangelo Edessa"/>
+        <a:font script="Sora" typeface="Nirmala UI"/>
+        <a:font script="Tale" typeface="Microsoft Tai Le"/>
+        <a:font script="Talu" typeface="Microsoft New Tai Lue"/>
+        <a:font script="Tfng" typeface="Ebrima"/>
+      </a:minorFont>
+    </a:fontScheme>
+    <a:fmtScheme name="Office">
+      <a:fillStyleLst>
+        <a:solidFill>
+          <a:schemeClr val="phClr"/>
+        </a:solidFill>
+        <a:gradFill rotWithShape="1">
+          <a:gsLst>
+            <a:gs pos="0">
+              <a:schemeClr val="phClr">
+                <a:lumMod val="110000"/>
+                <a:satMod val="105000"/>
+                <a:tint val="67000"/>
+              </a:schemeClr>
+            </a:gs>
+            <a:gs pos="50000">
+              <a:schemeClr val="phClr">
+                <a:lumMod val="105000"/>
+                <a:satMod val="103000"/>
+                <a:tint val="73000"/>
+              </a:schemeClr>
+            </a:gs>
+            <a:gs pos="100000">
+              <a:schemeClr val="phClr">
+                <a:lumMod val="105000"/>
+                <a:satMod val="109000"/>
+                <a:tint val="81000"/>
+              </a:schemeClr>
+            </a:gs>
+          </a:gsLst>
+          <a:lin ang="5400000" scaled="0"/>
+        </a:gradFill>
+        <a:gradFill rotWithShape="1">
+          <a:gsLst>
+            <a:gs pos="0">
+              <a:schemeClr val="phClr">
+                <a:satMod val="103000"/>
+                <a:lumMod val="102000"/>
+                <a:tint val="94000"/>
+              </a:schemeClr>
+            </a:gs>
+            <a:gs pos="50000">
+              <a:schemeClr val="phClr">
+                <a:satMod val="110000"/>
+                <a:lumMod val="100000"/>
+                <a:shade val="100000"/>
+              </a:schemeClr>
+            </a:gs>
+            <a:gs pos="100000">
+              <a:schemeClr val="phClr">
+                <a:lumMod val="99000"/>
+                <a:satMod val="120000"/>
+                <a:shade val="78000"/>
+              </a:schemeClr>
+            </a:gs>
+          </a:gsLst>
+          <a:lin ang="5400000" scaled="0"/>
+        </a:gradFill>
+      </a:fillStyleLst>
+      <a:lnStyleLst>
+        <a:ln w="6350" cap="flat" cmpd="sng" algn="ctr">
+          <a:solidFill>
+            <a:schemeClr val="phClr"/>
+          </a:solidFill>
+          <a:prstDash val="solid"/>
+          <a:miter lim="800000"/>
+        </a:ln>
+        <a:ln w="12700" cap="flat" cmpd="sng" algn="ctr">
+          <a:solidFill>
+            <a:schemeClr val="phClr"/>
+          </a:solidFill>
+          <a:prstDash val="solid"/>
+          <a:miter lim="800000"/>
+        </a:ln>
+        <a:ln w="19050" cap="flat" cmpd="sng" algn="ctr">
+          <a:solidFill>
+            <a:schemeClr val="phClr"/>
+          </a:solidFill>
+          <a:prstDash val="solid"/>
+          <a:miter lim="800000"/>
+        </a:ln>
+      </a:lnStyleLst>
+      <a:effectStyleLst>
+        <a:effectStyle>
+          <a:effectLst/>
+        </a:effectStyle>
+        <a:effectStyle>
+          <a:effectLst/>
+        </a:effectStyle>
+        <a:effectStyle>
+          <a:effectLst>
+            <a:outerShdw blurRad="57150" dist="19050" dir="5400000" algn="ctr" rotWithShape="0">
+              <a:srgbClr val="000000">
+                <a:alpha val="63000"/>
+              </a:srgbClr>
+            </a:outerShdw>
+          </a:effectLst>
+        </a:effectStyle>
+      </a:effectStyleLst>
+      <a:bgFillStyleLst>
+        <a:solidFill>
+          <a:schemeClr val="phClr"/>
+        </a:solidFill>
+        <a:solidFill>
+          <a:schemeClr val="phClr">
+            <a:tint val="95000"/>
+            <a:satMod val="170000"/>
+          </a:schemeClr>
+        </a:solidFill>
+        <a:gradFill rotWithShape="1">
+          <a:gsLst>
+            <a:gs pos="0">
+              <a:schemeClr val="phClr">
+                <a:tint val="93000"/>
+                <a:satMod val="150000"/>
+                <a:shade val="98000"/>
+                <a:lumMod val="102000"/>
+              </a:schemeClr>
+            </a:gs>
+            <a:gs pos="50000">
+              <a:schemeClr val="phClr">
+                <a:tint val="98000"/>
+                <a:satMod val="130000"/>
+                <a:shade val="90000"/>
+                <a:lumMod val="103000"/>
+              </a:schemeClr>
+            </a:gs>
+            <a:gs pos="100000">
+              <a:schemeClr val="phClr">
+                <a:shade val="63000"/>
+                <a:satMod val="120000"/>
+              </a:schemeClr>
+            </a:gs>
+          </a:gsLst>
+          <a:lin ang="5400000" scaled="0"/>
+        </a:gradFill>
+      </a:bgFillStyleLst>
+    </a:fmtScheme>
+  </a:themeElements>
+  <a:objectDefaults/>
+  <a:extraClrSchemeLst/>
+  <a:extLst>
+    <a:ext uri="{05A4C25C-085E-4340-85A3-A5531E510DB2}">
+      <thm15:themeFamily xmlns:thm15="http://schemas.microsoft.com/office/thememl/2012/main" name="Office Theme" id="{62F939B6-93AF-4DB8-9C6B-D6C7DFDC589F}" vid="{4A3C46E8-61CC-4603-A589-7422A47A8E4A}"/>
+    </a:ext>
+  </a:extLst>
+</a:theme>
 </file>
--- a/ANAs.pptx
+++ b/ANAs.pptx
@@ -5,12 +5,15 @@
     <p:sldMasterId id="2147483648" r:id="rId1"/>
   </p:sldMasterIdLst>
   <p:notesMasterIdLst>
-    <p:notesMasterId r:id="rId5"/>
+    <p:notesMasterId r:id="rId8"/>
   </p:notesMasterIdLst>
   <p:sldIdLst>
     <p:sldId id="256" r:id="rId2"/>
     <p:sldId id="257" r:id="rId3"/>
     <p:sldId id="259" r:id="rId4"/>
+    <p:sldId id="261" r:id="rId5"/>
+    <p:sldId id="262" r:id="rId6"/>
+    <p:sldId id="260" r:id="rId7"/>
   </p:sldIdLst>
   <p:sldSz cx="12192000" cy="6858000"/>
   <p:notesSz cx="6858000" cy="9144000"/>
@@ -199,7 +202,7 @@
           <a:p>
             <a:fld id="{E33244F7-6EDC-4098-A2FC-DE5C43C385B3}" type="datetimeFigureOut">
               <a:rPr lang="en-US" smtClean="0"/>
-              <a:t>1/14/2022</a:t>
+              <a:t>1/18/2022</a:t>
             </a:fld>
             <a:endParaRPr lang="en-US"/>
           </a:p>
@@ -357,7 +360,7 @@
           <a:p>
             <a:fld id="{020A3CEE-1987-44FE-8D44-553682C042B2}" type="slidenum">
               <a:rPr lang="en-US" smtClean="0"/>
-              <a:t>‹#›</a:t>
+              <a:t>‹N°›</a:t>
             </a:fld>
             <a:endParaRPr lang="en-US"/>
           </a:p>
@@ -634,6 +637,174 @@
 </p:notes>
 </file>
 
+<file path=ppt/notesSlides/notesSlide3.xml><?xml version="1.0" encoding="utf-8"?>
+<p:notes xmlns:a="http://schemas.openxmlformats.org/drawingml/2006/main" xmlns:r="http://schemas.openxmlformats.org/officeDocument/2006/relationships" xmlns:p="http://schemas.openxmlformats.org/presentationml/2006/main">
+  <p:cSld>
+    <p:spTree>
+      <p:nvGrpSpPr>
+        <p:cNvPr id="1" name=""/>
+        <p:cNvGrpSpPr/>
+        <p:nvPr/>
+      </p:nvGrpSpPr>
+      <p:grpSpPr>
+        <a:xfrm>
+          <a:off x="0" y="0"/>
+          <a:ext cx="0" cy="0"/>
+          <a:chOff x="0" y="0"/>
+          <a:chExt cx="0" cy="0"/>
+        </a:xfrm>
+      </p:grpSpPr>
+      <p:sp>
+        <p:nvSpPr>
+          <p:cNvPr id="2" name="Slide Image Placeholder 1"/>
+          <p:cNvSpPr>
+            <a:spLocks noGrp="1" noRot="1" noChangeAspect="1"/>
+          </p:cNvSpPr>
+          <p:nvPr>
+            <p:ph type="sldImg"/>
+          </p:nvPr>
+        </p:nvSpPr>
+        <p:spPr/>
+      </p:sp>
+      <p:sp>
+        <p:nvSpPr>
+          <p:cNvPr id="3" name="Notes Placeholder 2"/>
+          <p:cNvSpPr>
+            <a:spLocks noGrp="1"/>
+          </p:cNvSpPr>
+          <p:nvPr>
+            <p:ph type="body" idx="1"/>
+          </p:nvPr>
+        </p:nvSpPr>
+        <p:spPr/>
+        <p:txBody>
+          <a:bodyPr/>
+          <a:lstStyle/>
+          <a:p>
+            <a:endParaRPr lang="en-US" dirty="0"/>
+          </a:p>
+        </p:txBody>
+      </p:sp>
+      <p:sp>
+        <p:nvSpPr>
+          <p:cNvPr id="4" name="Slide Number Placeholder 3"/>
+          <p:cNvSpPr>
+            <a:spLocks noGrp="1"/>
+          </p:cNvSpPr>
+          <p:nvPr>
+            <p:ph type="sldNum" sz="quarter" idx="5"/>
+          </p:nvPr>
+        </p:nvSpPr>
+        <p:spPr/>
+        <p:txBody>
+          <a:bodyPr/>
+          <a:lstStyle/>
+          <a:p>
+            <a:fld id="{020A3CEE-1987-44FE-8D44-553682C042B2}" type="slidenum">
+              <a:rPr lang="en-US" smtClean="0"/>
+              <a:t>4</a:t>
+            </a:fld>
+            <a:endParaRPr lang="en-US"/>
+          </a:p>
+        </p:txBody>
+      </p:sp>
+    </p:spTree>
+    <p:extLst>
+      <p:ext uri="{BB962C8B-B14F-4D97-AF65-F5344CB8AC3E}">
+        <p14:creationId xmlns:p14="http://schemas.microsoft.com/office/powerpoint/2010/main" val="2317647679"/>
+      </p:ext>
+    </p:extLst>
+  </p:cSld>
+  <p:clrMapOvr>
+    <a:masterClrMapping/>
+  </p:clrMapOvr>
+</p:notes>
+</file>
+
+<file path=ppt/notesSlides/notesSlide4.xml><?xml version="1.0" encoding="utf-8"?>
+<p:notes xmlns:a="http://schemas.openxmlformats.org/drawingml/2006/main" xmlns:r="http://schemas.openxmlformats.org/officeDocument/2006/relationships" xmlns:p="http://schemas.openxmlformats.org/presentationml/2006/main">
+  <p:cSld>
+    <p:spTree>
+      <p:nvGrpSpPr>
+        <p:cNvPr id="1" name=""/>
+        <p:cNvGrpSpPr/>
+        <p:nvPr/>
+      </p:nvGrpSpPr>
+      <p:grpSpPr>
+        <a:xfrm>
+          <a:off x="0" y="0"/>
+          <a:ext cx="0" cy="0"/>
+          <a:chOff x="0" y="0"/>
+          <a:chExt cx="0" cy="0"/>
+        </a:xfrm>
+      </p:grpSpPr>
+      <p:sp>
+        <p:nvSpPr>
+          <p:cNvPr id="2" name="Slide Image Placeholder 1"/>
+          <p:cNvSpPr>
+            <a:spLocks noGrp="1" noRot="1" noChangeAspect="1"/>
+          </p:cNvSpPr>
+          <p:nvPr>
+            <p:ph type="sldImg"/>
+          </p:nvPr>
+        </p:nvSpPr>
+        <p:spPr/>
+      </p:sp>
+      <p:sp>
+        <p:nvSpPr>
+          <p:cNvPr id="3" name="Notes Placeholder 2"/>
+          <p:cNvSpPr>
+            <a:spLocks noGrp="1"/>
+          </p:cNvSpPr>
+          <p:nvPr>
+            <p:ph type="body" idx="1"/>
+          </p:nvPr>
+        </p:nvSpPr>
+        <p:spPr/>
+        <p:txBody>
+          <a:bodyPr/>
+          <a:lstStyle/>
+          <a:p>
+            <a:endParaRPr lang="en-US" dirty="0"/>
+          </a:p>
+        </p:txBody>
+      </p:sp>
+      <p:sp>
+        <p:nvSpPr>
+          <p:cNvPr id="4" name="Slide Number Placeholder 3"/>
+          <p:cNvSpPr>
+            <a:spLocks noGrp="1"/>
+          </p:cNvSpPr>
+          <p:nvPr>
+            <p:ph type="sldNum" sz="quarter" idx="5"/>
+          </p:nvPr>
+        </p:nvSpPr>
+        <p:spPr/>
+        <p:txBody>
+          <a:bodyPr/>
+          <a:lstStyle/>
+          <a:p>
+            <a:fld id="{020A3CEE-1987-44FE-8D44-553682C042B2}" type="slidenum">
+              <a:rPr lang="en-US" smtClean="0"/>
+              <a:t>5</a:t>
+            </a:fld>
+            <a:endParaRPr lang="en-US"/>
+          </a:p>
+        </p:txBody>
+      </p:sp>
+    </p:spTree>
+    <p:extLst>
+      <p:ext uri="{BB962C8B-B14F-4D97-AF65-F5344CB8AC3E}">
+        <p14:creationId xmlns:p14="http://schemas.microsoft.com/office/powerpoint/2010/main" val="3849231568"/>
+      </p:ext>
+    </p:extLst>
+  </p:cSld>
+  <p:clrMapOvr>
+    <a:masterClrMapping/>
+  </p:clrMapOvr>
+</p:notes>
+</file>
+
 <file path=ppt/slideLayouts/slideLayout1.xml><?xml version="1.0" encoding="utf-8"?>
 <p:sldLayout xmlns:a="http://schemas.openxmlformats.org/drawingml/2006/main" xmlns:r="http://schemas.openxmlformats.org/officeDocument/2006/relationships" xmlns:p="http://schemas.openxmlformats.org/presentationml/2006/main" type="title" preserve="1">
   <p:cSld name="Diapositive de titre">
@@ -781,7 +952,7 @@
           <a:p>
             <a:fld id="{F978D6D9-2A7C-491E-92E0-6BCF88E01484}" type="datetimeFigureOut">
               <a:rPr lang="fr-FR" smtClean="0"/>
-              <a:t>14/01/2022</a:t>
+              <a:t>18/01/2022</a:t>
             </a:fld>
             <a:endParaRPr lang="fr-FR"/>
           </a:p>
@@ -835,7 +1006,7 @@
           <a:p>
             <a:fld id="{3C13BFD4-563C-433B-83AB-53FFEFEE2F63}" type="slidenum">
               <a:rPr lang="fr-FR" smtClean="0"/>
-              <a:t>‹#›</a:t>
+              <a:t>‹N°›</a:t>
             </a:fld>
             <a:endParaRPr lang="fr-FR"/>
           </a:p>
@@ -979,7 +1150,7 @@
           <a:p>
             <a:fld id="{F978D6D9-2A7C-491E-92E0-6BCF88E01484}" type="datetimeFigureOut">
               <a:rPr lang="fr-FR" smtClean="0"/>
-              <a:t>14/01/2022</a:t>
+              <a:t>18/01/2022</a:t>
             </a:fld>
             <a:endParaRPr lang="fr-FR"/>
           </a:p>
@@ -1033,7 +1204,7 @@
           <a:p>
             <a:fld id="{3C13BFD4-563C-433B-83AB-53FFEFEE2F63}" type="slidenum">
               <a:rPr lang="fr-FR" smtClean="0"/>
-              <a:t>‹#›</a:t>
+              <a:t>‹N°›</a:t>
             </a:fld>
             <a:endParaRPr lang="fr-FR"/>
           </a:p>
@@ -1187,7 +1358,7 @@
           <a:p>
             <a:fld id="{F978D6D9-2A7C-491E-92E0-6BCF88E01484}" type="datetimeFigureOut">
               <a:rPr lang="fr-FR" smtClean="0"/>
-              <a:t>14/01/2022</a:t>
+              <a:t>18/01/2022</a:t>
             </a:fld>
             <a:endParaRPr lang="fr-FR"/>
           </a:p>
@@ -1241,7 +1412,7 @@
           <a:p>
             <a:fld id="{3C13BFD4-563C-433B-83AB-53FFEFEE2F63}" type="slidenum">
               <a:rPr lang="fr-FR" smtClean="0"/>
-              <a:t>‹#›</a:t>
+              <a:t>‹N°›</a:t>
             </a:fld>
             <a:endParaRPr lang="fr-FR"/>
           </a:p>
@@ -1385,7 +1556,7 @@
           <a:p>
             <a:fld id="{F978D6D9-2A7C-491E-92E0-6BCF88E01484}" type="datetimeFigureOut">
               <a:rPr lang="fr-FR" smtClean="0"/>
-              <a:t>14/01/2022</a:t>
+              <a:t>18/01/2022</a:t>
             </a:fld>
             <a:endParaRPr lang="fr-FR"/>
           </a:p>
@@ -1439,7 +1610,7 @@
           <a:p>
             <a:fld id="{3C13BFD4-563C-433B-83AB-53FFEFEE2F63}" type="slidenum">
               <a:rPr lang="fr-FR" smtClean="0"/>
-              <a:t>‹#›</a:t>
+              <a:t>‹N°›</a:t>
             </a:fld>
             <a:endParaRPr lang="fr-FR"/>
           </a:p>
@@ -1660,7 +1831,7 @@
           <a:p>
             <a:fld id="{F978D6D9-2A7C-491E-92E0-6BCF88E01484}" type="datetimeFigureOut">
               <a:rPr lang="fr-FR" smtClean="0"/>
-              <a:t>14/01/2022</a:t>
+              <a:t>18/01/2022</a:t>
             </a:fld>
             <a:endParaRPr lang="fr-FR"/>
           </a:p>
@@ -1714,7 +1885,7 @@
           <a:p>
             <a:fld id="{3C13BFD4-563C-433B-83AB-53FFEFEE2F63}" type="slidenum">
               <a:rPr lang="fr-FR" smtClean="0"/>
-              <a:t>‹#›</a:t>
+              <a:t>‹N°›</a:t>
             </a:fld>
             <a:endParaRPr lang="fr-FR"/>
           </a:p>
@@ -1925,7 +2096,7 @@
           <a:p>
             <a:fld id="{F978D6D9-2A7C-491E-92E0-6BCF88E01484}" type="datetimeFigureOut">
               <a:rPr lang="fr-FR" smtClean="0"/>
-              <a:t>14/01/2022</a:t>
+              <a:t>18/01/2022</a:t>
             </a:fld>
             <a:endParaRPr lang="fr-FR"/>
           </a:p>
@@ -1979,7 +2150,7 @@
           <a:p>
             <a:fld id="{3C13BFD4-563C-433B-83AB-53FFEFEE2F63}" type="slidenum">
               <a:rPr lang="fr-FR" smtClean="0"/>
-              <a:t>‹#›</a:t>
+              <a:t>‹N°›</a:t>
             </a:fld>
             <a:endParaRPr lang="fr-FR"/>
           </a:p>
@@ -2337,7 +2508,7 @@
           <a:p>
             <a:fld id="{F978D6D9-2A7C-491E-92E0-6BCF88E01484}" type="datetimeFigureOut">
               <a:rPr lang="fr-FR" smtClean="0"/>
-              <a:t>14/01/2022</a:t>
+              <a:t>18/01/2022</a:t>
             </a:fld>
             <a:endParaRPr lang="fr-FR"/>
           </a:p>
@@ -2391,7 +2562,7 @@
           <a:p>
             <a:fld id="{3C13BFD4-563C-433B-83AB-53FFEFEE2F63}" type="slidenum">
               <a:rPr lang="fr-FR" smtClean="0"/>
-              <a:t>‹#›</a:t>
+              <a:t>‹N°›</a:t>
             </a:fld>
             <a:endParaRPr lang="fr-FR"/>
           </a:p>
@@ -2478,7 +2649,7 @@
           <a:p>
             <a:fld id="{F978D6D9-2A7C-491E-92E0-6BCF88E01484}" type="datetimeFigureOut">
               <a:rPr lang="fr-FR" smtClean="0"/>
-              <a:t>14/01/2022</a:t>
+              <a:t>18/01/2022</a:t>
             </a:fld>
             <a:endParaRPr lang="fr-FR"/>
           </a:p>
@@ -2532,7 +2703,7 @@
           <a:p>
             <a:fld id="{3C13BFD4-563C-433B-83AB-53FFEFEE2F63}" type="slidenum">
               <a:rPr lang="fr-FR" smtClean="0"/>
-              <a:t>‹#›</a:t>
+              <a:t>‹N°›</a:t>
             </a:fld>
             <a:endParaRPr lang="fr-FR"/>
           </a:p>
@@ -2591,7 +2762,7 @@
           <a:p>
             <a:fld id="{F978D6D9-2A7C-491E-92E0-6BCF88E01484}" type="datetimeFigureOut">
               <a:rPr lang="fr-FR" smtClean="0"/>
-              <a:t>14/01/2022</a:t>
+              <a:t>18/01/2022</a:t>
             </a:fld>
             <a:endParaRPr lang="fr-FR"/>
           </a:p>
@@ -2645,7 +2816,7 @@
           <a:p>
             <a:fld id="{3C13BFD4-563C-433B-83AB-53FFEFEE2F63}" type="slidenum">
               <a:rPr lang="fr-FR" smtClean="0"/>
-              <a:t>‹#›</a:t>
+              <a:t>‹N°›</a:t>
             </a:fld>
             <a:endParaRPr lang="fr-FR"/>
           </a:p>
@@ -2902,7 +3073,7 @@
           <a:p>
             <a:fld id="{F978D6D9-2A7C-491E-92E0-6BCF88E01484}" type="datetimeFigureOut">
               <a:rPr lang="fr-FR" smtClean="0"/>
-              <a:t>14/01/2022</a:t>
+              <a:t>18/01/2022</a:t>
             </a:fld>
             <a:endParaRPr lang="fr-FR"/>
           </a:p>
@@ -2956,7 +3127,7 @@
           <a:p>
             <a:fld id="{3C13BFD4-563C-433B-83AB-53FFEFEE2F63}" type="slidenum">
               <a:rPr lang="fr-FR" smtClean="0"/>
-              <a:t>‹#›</a:t>
+              <a:t>‹N°›</a:t>
             </a:fld>
             <a:endParaRPr lang="fr-FR"/>
           </a:p>
@@ -3190,7 +3361,7 @@
           <a:p>
             <a:fld id="{F978D6D9-2A7C-491E-92E0-6BCF88E01484}" type="datetimeFigureOut">
               <a:rPr lang="fr-FR" smtClean="0"/>
-              <a:t>14/01/2022</a:t>
+              <a:t>18/01/2022</a:t>
             </a:fld>
             <a:endParaRPr lang="fr-FR"/>
           </a:p>
@@ -3244,7 +3415,7 @@
           <a:p>
             <a:fld id="{3C13BFD4-563C-433B-83AB-53FFEFEE2F63}" type="slidenum">
               <a:rPr lang="fr-FR" smtClean="0"/>
-              <a:t>‹#›</a:t>
+              <a:t>‹N°›</a:t>
             </a:fld>
             <a:endParaRPr lang="fr-FR"/>
           </a:p>
@@ -3431,7 +3602,7 @@
           <a:p>
             <a:fld id="{F978D6D9-2A7C-491E-92E0-6BCF88E01484}" type="datetimeFigureOut">
               <a:rPr lang="fr-FR" smtClean="0"/>
-              <a:t>14/01/2022</a:t>
+              <a:t>18/01/2022</a:t>
             </a:fld>
             <a:endParaRPr lang="fr-FR"/>
           </a:p>
@@ -3521,7 +3692,7 @@
           <a:p>
             <a:fld id="{3C13BFD4-563C-433B-83AB-53FFEFEE2F63}" type="slidenum">
               <a:rPr lang="fr-FR" smtClean="0"/>
-              <a:t>‹#›</a:t>
+              <a:t>‹N°›</a:t>
             </a:fld>
             <a:endParaRPr lang="fr-FR"/>
           </a:p>
@@ -5297,88 +5468,2472 @@
         </p:nvSpPr>
         <p:spPr>
           <a:xfrm>
-            <a:off x="838200" y="762000"/>
+            <a:off x="838200" y="444500"/>
             <a:ext cx="10756769" cy="5949885"/>
           </a:xfrm>
         </p:spPr>
         <p:txBody>
           <a:bodyPr numCol="2">
-            <a:normAutofit/>
+            <a:noAutofit/>
           </a:bodyPr>
           <a:lstStyle/>
           <a:p>
             <a:r>
-              <a:rPr lang="de-DE" dirty="0" err="1"/>
+              <a:rPr lang="de-DE" sz="1800" dirty="0" err="1"/>
               <a:t>Preprocessing</a:t>
             </a:r>
-            <a:endParaRPr lang="de-DE" dirty="0"/>
+            <a:endParaRPr lang="de-DE" sz="1800" dirty="0"/>
           </a:p>
           <a:p>
             <a:pPr lvl="1"/>
             <a:r>
-              <a:rPr lang="de-DE" dirty="0"/>
-              <a:t>Spm12</a:t>
-            </a:r>
+              <a:rPr lang="de-DE" sz="1200" dirty="0"/>
+              <a:t>Spm12, Roi </a:t>
+            </a:r>
+            <a:r>
+              <a:rPr lang="de-DE" sz="1200" dirty="0" err="1"/>
+              <a:t>from</a:t>
+            </a:r>
+            <a:r>
+              <a:rPr lang="de-DE" sz="1200" dirty="0"/>
+              <a:t> MNI, </a:t>
+            </a:r>
+            <a:r>
+              <a:rPr lang="de-DE" sz="1200" dirty="0" err="1"/>
+              <a:t>uncal</a:t>
+            </a:r>
+            <a:r>
+              <a:rPr lang="de-DE" sz="1200" dirty="0"/>
+              <a:t> </a:t>
+            </a:r>
+            <a:r>
+              <a:rPr lang="de-DE" sz="1200" dirty="0" err="1"/>
+              <a:t>apex</a:t>
+            </a:r>
+            <a:r>
+              <a:rPr lang="de-DE" sz="1200" dirty="0"/>
+              <a:t> </a:t>
+            </a:r>
+            <a:r>
+              <a:rPr lang="de-DE" sz="1200" dirty="0" err="1"/>
+              <a:t>landmark</a:t>
+            </a:r>
+            <a:r>
+              <a:rPr lang="de-DE" sz="1200" dirty="0"/>
+              <a:t> </a:t>
+            </a:r>
+            <a:r>
+              <a:rPr lang="de-DE" sz="1200" dirty="0" err="1"/>
+              <a:t>for</a:t>
+            </a:r>
+            <a:r>
+              <a:rPr lang="de-DE" sz="1200" dirty="0"/>
+              <a:t> </a:t>
+            </a:r>
+            <a:r>
+              <a:rPr lang="de-DE" sz="1200" dirty="0" err="1"/>
+              <a:t>hippocampus</a:t>
+            </a:r>
+            <a:r>
+              <a:rPr lang="de-DE" sz="1200" dirty="0"/>
+              <a:t> </a:t>
+            </a:r>
+            <a:r>
+              <a:rPr lang="de-DE" sz="1200" dirty="0" err="1"/>
+              <a:t>segmentation</a:t>
+            </a:r>
+            <a:endParaRPr lang="de-DE" sz="1200" dirty="0"/>
           </a:p>
           <a:p>
             <a:pPr lvl="1"/>
             <a:r>
-              <a:rPr lang="de-DE" dirty="0"/>
+              <a:rPr lang="de-DE" sz="1200" dirty="0"/>
               <a:t>All GLMs </a:t>
             </a:r>
             <a:r>
-              <a:rPr lang="de-DE" dirty="0" err="1"/>
+              <a:rPr lang="de-DE" sz="1200" dirty="0" err="1"/>
               <a:t>include</a:t>
             </a:r>
             <a:r>
-              <a:rPr lang="de-DE" dirty="0"/>
-              <a:t> </a:t>
-            </a:r>
-            <a:r>
-              <a:rPr lang="de-DE" dirty="0" err="1"/>
+              <a:rPr lang="de-DE" sz="1200" dirty="0"/>
+              <a:t> </a:t>
+            </a:r>
+            <a:r>
+              <a:rPr lang="de-DE" sz="1200" dirty="0" err="1"/>
               <a:t>nuisance</a:t>
             </a:r>
             <a:r>
-              <a:rPr lang="de-DE" dirty="0"/>
-              <a:t> </a:t>
-            </a:r>
-            <a:r>
-              <a:rPr lang="de-DE" dirty="0" err="1"/>
+              <a:rPr lang="de-DE" sz="1200" dirty="0"/>
+              <a:t> </a:t>
+            </a:r>
+            <a:r>
+              <a:rPr lang="de-DE" sz="1200" dirty="0" err="1"/>
               <a:t>regressors</a:t>
             </a:r>
             <a:r>
-              <a:rPr lang="de-DE" dirty="0"/>
+              <a:rPr lang="de-DE" sz="1200" dirty="0"/>
               <a:t> =</a:t>
             </a:r>
             <a:r>
-              <a:rPr lang="en-US" sz="500" dirty="0"/>
-              <a:t>smoothed, normalized, and down-sampled sniff trace; the six realignment parameters (three translations, three rotations) calculated for each volume during motion correction; the derivate, square, and the square of the derivative of each of the realignment regressors; the absolute signal difference between even and odd slices and the variance across slices (to </a:t>
-            </a:r>
-            <a:r>
-              <a:rPr lang="en-US" sz="500"/>
-              <a:t>account for fMRI </a:t>
-            </a:r>
-            <a:r>
-              <a:rPr lang="en-US" sz="500" dirty="0"/>
-              <a:t>signal fluctuation caused by within-scan head motion); the squares, derivatives</a:t>
-            </a:r>
-            <a:r>
-              <a:rPr lang="en-US" sz="500"/>
-              <a:t>, and squared </a:t>
-            </a:r>
-            <a:r>
-              <a:rPr lang="en-US" sz="500" dirty="0"/>
-              <a:t>derivatives of these two within-volume measures; and additional regressors </a:t>
-            </a:r>
-            <a:r>
-              <a:rPr lang="en-US" sz="500"/>
-              <a:t>as needed to </a:t>
-            </a:r>
-            <a:r>
-              <a:rPr lang="en-US" sz="500" dirty="0"/>
-              <a:t>model out individual volumes with particularly strong head motion.</a:t>
-            </a:r>
-            <a:endParaRPr lang="de-DE" dirty="0"/>
+              <a:rPr lang="en-US" sz="700" dirty="0"/>
+              <a:t>smoothed, normalized, and down-sampled sniff trace; the six realignment parameters (three translations, three rotations) calculated for each volume during motion correction; the derivate, square, and the square of the derivative of each of the realignment regressors; the absolute signal difference between even and odd slices and the variance across slices (to account for fMRI signal fluctuation caused by within-scan head motion); the squares, derivatives, and squared derivatives of these two within-volume measures; and additional regressors as needed to model out individual volumes with particularly strong head motion.</a:t>
+            </a:r>
+            <a:endParaRPr lang="de-DE" sz="1200" dirty="0"/>
+          </a:p>
+          <a:p>
+            <a:r>
+              <a:rPr lang="de-DE" sz="1800" b="1" dirty="0">
+                <a:highlight>
+                  <a:srgbClr val="FFFF00"/>
+                </a:highlight>
+              </a:rPr>
+              <a:t>MVPA </a:t>
+            </a:r>
+            <a:r>
+              <a:rPr lang="de-DE" sz="1800" b="1" dirty="0" err="1">
+                <a:highlight>
+                  <a:srgbClr val="FFFF00"/>
+                </a:highlight>
+              </a:rPr>
+              <a:t>cue</a:t>
+            </a:r>
+            <a:r>
+              <a:rPr lang="de-DE" sz="1800" b="1" dirty="0">
+                <a:highlight>
+                  <a:srgbClr val="FFFF00"/>
+                </a:highlight>
+              </a:rPr>
+              <a:t> </a:t>
+            </a:r>
+            <a:r>
+              <a:rPr lang="de-DE" sz="1800" b="1" dirty="0" err="1">
+                <a:highlight>
+                  <a:srgbClr val="FFFF00"/>
+                </a:highlight>
+              </a:rPr>
+              <a:t>cue</a:t>
+            </a:r>
+            <a:r>
+              <a:rPr lang="de-DE" sz="1800" b="1" dirty="0">
+                <a:highlight>
+                  <a:srgbClr val="FFFF00"/>
+                </a:highlight>
+              </a:rPr>
+              <a:t> </a:t>
+            </a:r>
+            <a:r>
+              <a:rPr lang="de-DE" sz="1800" b="1" dirty="0" err="1">
+                <a:highlight>
+                  <a:srgbClr val="FFFF00"/>
+                </a:highlight>
+              </a:rPr>
+              <a:t>association</a:t>
+            </a:r>
+            <a:r>
+              <a:rPr lang="de-DE" sz="1800" b="1" dirty="0">
+                <a:highlight>
+                  <a:srgbClr val="FFFF00"/>
+                </a:highlight>
+              </a:rPr>
+              <a:t> = RSA </a:t>
+            </a:r>
+            <a:r>
+              <a:rPr lang="de-DE" sz="1800" b="1" dirty="0" err="1">
+                <a:highlight>
+                  <a:srgbClr val="FFFF00"/>
+                </a:highlight>
+              </a:rPr>
+              <a:t>during</a:t>
+            </a:r>
+            <a:r>
+              <a:rPr lang="de-DE" sz="1800" b="1" dirty="0">
+                <a:highlight>
+                  <a:srgbClr val="FFFF00"/>
+                </a:highlight>
+              </a:rPr>
+              <a:t> </a:t>
+            </a:r>
+            <a:r>
+              <a:rPr lang="de-DE" sz="1800" b="1" dirty="0" err="1">
+                <a:highlight>
+                  <a:srgbClr val="FFFF00"/>
+                </a:highlight>
+              </a:rPr>
+              <a:t>pre</a:t>
+            </a:r>
+            <a:r>
+              <a:rPr lang="de-DE" sz="1800" b="1" dirty="0">
+                <a:highlight>
+                  <a:srgbClr val="FFFF00"/>
+                </a:highlight>
+              </a:rPr>
+              <a:t> </a:t>
+            </a:r>
+            <a:r>
+              <a:rPr lang="de-DE" sz="1800" b="1" dirty="0" err="1">
+                <a:highlight>
+                  <a:srgbClr val="FFFF00"/>
+                </a:highlight>
+              </a:rPr>
+              <a:t>phase</a:t>
+            </a:r>
+            <a:endParaRPr lang="de-DE" sz="1800" b="1" dirty="0">
+              <a:highlight>
+                <a:srgbClr val="FFFF00"/>
+              </a:highlight>
+            </a:endParaRPr>
+          </a:p>
+          <a:p>
+            <a:pPr lvl="1"/>
+            <a:r>
+              <a:rPr lang="de-DE" sz="1200" dirty="0"/>
+              <a:t>RSA (on </a:t>
+            </a:r>
+            <a:r>
+              <a:rPr lang="de-DE" sz="1200" dirty="0" err="1"/>
+              <a:t>minimally</a:t>
+            </a:r>
+            <a:r>
+              <a:rPr lang="de-DE" sz="1200" dirty="0"/>
+              <a:t> </a:t>
+            </a:r>
+            <a:r>
+              <a:rPr lang="de-DE" sz="1200" dirty="0" err="1"/>
+              <a:t>smoothed</a:t>
+            </a:r>
+            <a:r>
+              <a:rPr lang="de-DE" sz="1200" dirty="0"/>
+              <a:t> </a:t>
+            </a:r>
+            <a:r>
+              <a:rPr lang="de-DE" sz="1200" dirty="0" err="1"/>
+              <a:t>images</a:t>
+            </a:r>
+            <a:r>
+              <a:rPr lang="de-DE" sz="1200" dirty="0"/>
+              <a:t> in native </a:t>
+            </a:r>
+            <a:r>
+              <a:rPr lang="de-DE" sz="1200" dirty="0" err="1"/>
+              <a:t>space</a:t>
+            </a:r>
+            <a:r>
+              <a:rPr lang="de-DE" sz="1200" dirty="0"/>
+              <a:t>)</a:t>
+            </a:r>
+          </a:p>
+          <a:p>
+            <a:pPr lvl="1"/>
+            <a:r>
+              <a:rPr lang="de-DE" sz="1200" dirty="0"/>
+              <a:t>Skip </a:t>
+            </a:r>
+            <a:r>
+              <a:rPr lang="de-DE" sz="1200" dirty="0" err="1"/>
+              <a:t>the</a:t>
+            </a:r>
+            <a:r>
+              <a:rPr lang="de-DE" sz="1200" dirty="0"/>
+              <a:t> 1st </a:t>
+            </a:r>
+            <a:r>
+              <a:rPr lang="de-DE" sz="1200" dirty="0" err="1"/>
+              <a:t>run</a:t>
+            </a:r>
+            <a:r>
+              <a:rPr lang="de-DE" sz="1200" dirty="0"/>
+              <a:t> </a:t>
+            </a:r>
+            <a:r>
+              <a:rPr lang="de-DE" sz="1200" dirty="0" err="1"/>
+              <a:t>bc</a:t>
+            </a:r>
+            <a:r>
+              <a:rPr lang="de-DE" sz="1200" dirty="0"/>
+              <a:t> different </a:t>
+            </a:r>
+            <a:r>
+              <a:rPr lang="de-DE" sz="1200" dirty="0" err="1"/>
+              <a:t>trial</a:t>
+            </a:r>
+            <a:r>
+              <a:rPr lang="de-DE" sz="1200" dirty="0"/>
+              <a:t> </a:t>
+            </a:r>
+            <a:r>
+              <a:rPr lang="de-DE" sz="1200" dirty="0" err="1"/>
+              <a:t>sequence</a:t>
+            </a:r>
+            <a:endParaRPr lang="de-DE" sz="1200" dirty="0"/>
+          </a:p>
+          <a:p>
+            <a:pPr lvl="1"/>
+            <a:r>
+              <a:rPr lang="de-DE" sz="1200" dirty="0"/>
+              <a:t>1 </a:t>
+            </a:r>
+            <a:r>
+              <a:rPr lang="de-DE" sz="1200" dirty="0" err="1"/>
+              <a:t>st</a:t>
+            </a:r>
+            <a:r>
+              <a:rPr lang="de-DE" sz="1200" dirty="0"/>
+              <a:t> </a:t>
+            </a:r>
+            <a:r>
+              <a:rPr lang="de-DE" sz="1200" dirty="0" err="1"/>
+              <a:t>level</a:t>
+            </a:r>
+            <a:r>
+              <a:rPr lang="de-DE" sz="1200" dirty="0"/>
+              <a:t> GLM w/ 4 </a:t>
+            </a:r>
+            <a:r>
+              <a:rPr lang="de-DE" sz="1200" b="1" dirty="0" err="1"/>
+              <a:t>regressors</a:t>
+            </a:r>
+            <a:r>
+              <a:rPr lang="de-DE" sz="1200" dirty="0"/>
+              <a:t> </a:t>
+            </a:r>
+            <a:r>
+              <a:rPr lang="de-DE" sz="1200" dirty="0" err="1"/>
+              <a:t>of</a:t>
+            </a:r>
+            <a:r>
+              <a:rPr lang="de-DE" sz="1200" dirty="0"/>
+              <a:t> </a:t>
+            </a:r>
+            <a:r>
+              <a:rPr lang="de-DE" sz="1200" dirty="0" err="1"/>
+              <a:t>interest</a:t>
+            </a:r>
+            <a:r>
+              <a:rPr lang="de-DE" sz="1200" dirty="0"/>
+              <a:t> = </a:t>
+            </a:r>
+            <a:r>
+              <a:rPr lang="de-DE" sz="1200" dirty="0" err="1"/>
+              <a:t>cue</a:t>
+            </a:r>
+            <a:r>
+              <a:rPr lang="de-DE" sz="1200" dirty="0"/>
+              <a:t> type (A, B, C, D), </a:t>
+            </a:r>
+            <a:r>
+              <a:rPr lang="de-DE" sz="1200" dirty="0" err="1"/>
+              <a:t>created</a:t>
+            </a:r>
+            <a:r>
+              <a:rPr lang="de-DE" sz="1200" dirty="0"/>
+              <a:t> </a:t>
+            </a:r>
+            <a:r>
+              <a:rPr lang="de-DE" sz="1200" dirty="0" err="1"/>
+              <a:t>byconvolving</a:t>
+            </a:r>
+            <a:r>
+              <a:rPr lang="de-DE" sz="1200" dirty="0"/>
+              <a:t> </a:t>
+            </a:r>
+            <a:r>
+              <a:rPr lang="de-DE" sz="1200" dirty="0" err="1"/>
+              <a:t>onset</a:t>
+            </a:r>
+            <a:r>
+              <a:rPr lang="de-DE" sz="1200" dirty="0"/>
+              <a:t> and </a:t>
+            </a:r>
+            <a:r>
+              <a:rPr lang="de-DE" sz="1200" dirty="0" err="1"/>
+              <a:t>duration</a:t>
+            </a:r>
+            <a:r>
+              <a:rPr lang="de-DE" sz="1200" dirty="0"/>
+              <a:t> </a:t>
+            </a:r>
+            <a:r>
+              <a:rPr lang="de-DE" sz="1200" dirty="0" err="1"/>
+              <a:t>of</a:t>
+            </a:r>
+            <a:r>
+              <a:rPr lang="de-DE" sz="1200" dirty="0"/>
+              <a:t> </a:t>
+            </a:r>
+            <a:r>
+              <a:rPr lang="de-DE" sz="1200" dirty="0" err="1"/>
+              <a:t>each</a:t>
+            </a:r>
+            <a:r>
+              <a:rPr lang="de-DE" sz="1200" dirty="0"/>
+              <a:t> </a:t>
+            </a:r>
+            <a:r>
+              <a:rPr lang="de-DE" sz="1200" dirty="0" err="1"/>
+              <a:t>cue</a:t>
+            </a:r>
+            <a:r>
+              <a:rPr lang="de-DE" sz="1200" dirty="0"/>
+              <a:t> </a:t>
+            </a:r>
+            <a:r>
+              <a:rPr lang="de-DE" sz="1200" dirty="0" err="1"/>
+              <a:t>with</a:t>
+            </a:r>
+            <a:r>
+              <a:rPr lang="de-DE" sz="1200" dirty="0"/>
+              <a:t> HRF</a:t>
+            </a:r>
+          </a:p>
+          <a:p>
+            <a:pPr lvl="1"/>
+            <a:r>
+              <a:rPr lang="de-DE" sz="1200" dirty="0" err="1"/>
+              <a:t>Compute</a:t>
+            </a:r>
+            <a:r>
+              <a:rPr lang="de-DE" sz="1200" dirty="0"/>
+              <a:t> t </a:t>
+            </a:r>
+            <a:r>
+              <a:rPr lang="de-DE" sz="1200" dirty="0" err="1"/>
+              <a:t>maps</a:t>
+            </a:r>
+            <a:r>
+              <a:rPr lang="de-DE" sz="1200" dirty="0"/>
+              <a:t> </a:t>
+            </a:r>
+            <a:r>
+              <a:rPr lang="de-DE" sz="1200" dirty="0" err="1"/>
+              <a:t>from</a:t>
+            </a:r>
+            <a:r>
+              <a:rPr lang="de-DE" sz="1200" dirty="0"/>
+              <a:t> </a:t>
+            </a:r>
+            <a:r>
+              <a:rPr lang="de-DE" sz="1200" dirty="0" err="1"/>
+              <a:t>this</a:t>
+            </a:r>
+            <a:endParaRPr lang="de-DE" sz="1200" dirty="0"/>
+          </a:p>
+          <a:p>
+            <a:pPr lvl="1"/>
+            <a:r>
+              <a:rPr lang="de-DE" sz="1200" dirty="0" err="1"/>
+              <a:t>Similarity</a:t>
+            </a:r>
+            <a:r>
+              <a:rPr lang="de-DE" sz="1200" dirty="0"/>
+              <a:t> </a:t>
+            </a:r>
+            <a:r>
+              <a:rPr lang="de-DE" sz="1200" dirty="0" err="1"/>
+              <a:t>between</a:t>
+            </a:r>
+            <a:r>
+              <a:rPr lang="de-DE" sz="1200" dirty="0"/>
+              <a:t> MVP </a:t>
+            </a:r>
+            <a:r>
+              <a:rPr lang="de-DE" sz="1200" dirty="0" err="1"/>
+              <a:t>evoked</a:t>
+            </a:r>
+            <a:r>
+              <a:rPr lang="de-DE" sz="1200" dirty="0"/>
+              <a:t> </a:t>
+            </a:r>
+            <a:r>
+              <a:rPr lang="de-DE" sz="1200" dirty="0" err="1"/>
+              <a:t>by</a:t>
+            </a:r>
+            <a:r>
+              <a:rPr lang="de-DE" sz="1200" dirty="0"/>
+              <a:t> </a:t>
+            </a:r>
+            <a:r>
+              <a:rPr lang="de-DE" sz="1200" dirty="0" err="1"/>
+              <a:t>cues</a:t>
+            </a:r>
+            <a:r>
+              <a:rPr lang="de-DE" sz="1200" dirty="0"/>
+              <a:t> in a pair (AB and CD) and </a:t>
+            </a:r>
+            <a:r>
+              <a:rPr lang="de-DE" sz="1200" dirty="0" err="1"/>
+              <a:t>across</a:t>
+            </a:r>
+            <a:r>
+              <a:rPr lang="de-DE" sz="1200" dirty="0"/>
+              <a:t> </a:t>
+            </a:r>
+            <a:r>
+              <a:rPr lang="de-DE" sz="1200" dirty="0" err="1"/>
+              <a:t>pairs</a:t>
+            </a:r>
+            <a:r>
+              <a:rPr lang="de-DE" sz="1200" dirty="0"/>
+              <a:t> (AD and CB) </a:t>
+            </a:r>
+            <a:r>
+              <a:rPr lang="de-DE" sz="1200" dirty="0" err="1"/>
+              <a:t>separately</a:t>
+            </a:r>
+            <a:r>
+              <a:rPr lang="de-DE" sz="1200" dirty="0"/>
+              <a:t> </a:t>
+            </a:r>
+            <a:r>
+              <a:rPr lang="de-DE" sz="1200" dirty="0" err="1"/>
+              <a:t>for</a:t>
+            </a:r>
+            <a:r>
+              <a:rPr lang="de-DE" sz="1200" dirty="0"/>
+              <a:t> </a:t>
+            </a:r>
+            <a:r>
+              <a:rPr lang="de-DE" sz="1200" dirty="0" err="1"/>
+              <a:t>each</a:t>
+            </a:r>
+            <a:r>
+              <a:rPr lang="de-DE" sz="1200" dirty="0"/>
+              <a:t> ROI, </a:t>
+            </a:r>
+            <a:r>
+              <a:rPr lang="de-DE" sz="1200" dirty="0" err="1"/>
+              <a:t>using</a:t>
+            </a:r>
+            <a:r>
+              <a:rPr lang="de-DE" sz="1200" dirty="0"/>
+              <a:t> Fisher Z </a:t>
+            </a:r>
+            <a:r>
+              <a:rPr lang="de-DE" sz="1200" dirty="0" err="1"/>
+              <a:t>transformed</a:t>
+            </a:r>
+            <a:r>
+              <a:rPr lang="de-DE" sz="1200" dirty="0"/>
+              <a:t> Pearson </a:t>
+            </a:r>
+            <a:r>
+              <a:rPr lang="de-DE" sz="1200" dirty="0" err="1"/>
+              <a:t>correlation</a:t>
+            </a:r>
+            <a:r>
+              <a:rPr lang="de-DE" sz="1200" dirty="0"/>
+              <a:t>, BY RUN</a:t>
+            </a:r>
+          </a:p>
+          <a:p>
+            <a:pPr lvl="1"/>
+            <a:r>
+              <a:rPr lang="de-DE" sz="1200" dirty="0" err="1"/>
+              <a:t>Then</a:t>
+            </a:r>
+            <a:r>
+              <a:rPr lang="de-DE" sz="1200" dirty="0"/>
+              <a:t> </a:t>
+            </a:r>
+            <a:r>
+              <a:rPr lang="de-DE" sz="1200" dirty="0" err="1"/>
+              <a:t>substract</a:t>
+            </a:r>
+            <a:r>
+              <a:rPr lang="de-DE" sz="1200" dirty="0"/>
+              <a:t> </a:t>
+            </a:r>
+            <a:r>
+              <a:rPr lang="de-DE" sz="1200" dirty="0" err="1"/>
+              <a:t>pattern</a:t>
+            </a:r>
+            <a:r>
+              <a:rPr lang="de-DE" sz="1200" dirty="0"/>
+              <a:t> </a:t>
+            </a:r>
+            <a:r>
+              <a:rPr lang="de-DE" sz="1200" dirty="0" err="1"/>
+              <a:t>similarity</a:t>
+            </a:r>
+            <a:r>
+              <a:rPr lang="de-DE" sz="1200" dirty="0"/>
+              <a:t> </a:t>
+            </a:r>
+            <a:r>
+              <a:rPr lang="de-DE" sz="1200" dirty="0" err="1"/>
+              <a:t>accross</a:t>
+            </a:r>
+            <a:r>
+              <a:rPr lang="de-DE" sz="1200" dirty="0"/>
+              <a:t> pair </a:t>
+            </a:r>
+            <a:r>
+              <a:rPr lang="de-DE" sz="1200" dirty="0" err="1"/>
+              <a:t>to</a:t>
+            </a:r>
+            <a:r>
+              <a:rPr lang="de-DE" sz="1200" dirty="0"/>
+              <a:t> </a:t>
+            </a:r>
+            <a:r>
+              <a:rPr lang="de-DE" sz="1200" dirty="0" err="1"/>
+              <a:t>within</a:t>
+            </a:r>
+            <a:r>
+              <a:rPr lang="de-DE" sz="1200" dirty="0"/>
+              <a:t> pair (</a:t>
+            </a:r>
+            <a:r>
+              <a:rPr lang="de-DE" sz="1200" dirty="0" err="1"/>
+              <a:t>within</a:t>
+            </a:r>
+            <a:r>
+              <a:rPr lang="de-DE" sz="1200" dirty="0"/>
+              <a:t> </a:t>
+            </a:r>
+            <a:r>
+              <a:rPr lang="de-DE" sz="1200" dirty="0" err="1"/>
+              <a:t>each</a:t>
+            </a:r>
+            <a:r>
+              <a:rPr lang="de-DE" sz="1200" dirty="0"/>
+              <a:t> </a:t>
+            </a:r>
+            <a:r>
+              <a:rPr lang="de-DE" sz="1200" dirty="0" err="1"/>
+              <a:t>run</a:t>
+            </a:r>
+            <a:r>
+              <a:rPr lang="de-DE" sz="1200" dirty="0"/>
+              <a:t>), </a:t>
+            </a:r>
+            <a:r>
+              <a:rPr lang="de-DE" sz="1200" dirty="0" err="1"/>
+              <a:t>to</a:t>
+            </a:r>
+            <a:r>
+              <a:rPr lang="de-DE" sz="1200" dirty="0"/>
+              <a:t> </a:t>
+            </a:r>
+            <a:r>
+              <a:rPr lang="de-DE" sz="1200" dirty="0" err="1"/>
+              <a:t>remove</a:t>
+            </a:r>
+            <a:r>
+              <a:rPr lang="de-DE" sz="1200" dirty="0"/>
+              <a:t> </a:t>
+            </a:r>
+            <a:r>
+              <a:rPr lang="de-DE" sz="1200" dirty="0" err="1"/>
+              <a:t>effects</a:t>
+            </a:r>
+            <a:r>
+              <a:rPr lang="de-DE" sz="1200" dirty="0"/>
+              <a:t> </a:t>
+            </a:r>
+            <a:r>
+              <a:rPr lang="de-DE" sz="1200" dirty="0" err="1"/>
+              <a:t>of</a:t>
+            </a:r>
+            <a:r>
+              <a:rPr lang="de-DE" sz="1200" dirty="0"/>
+              <a:t> </a:t>
+            </a:r>
+            <a:r>
+              <a:rPr lang="de-DE" sz="1200" dirty="0" err="1"/>
+              <a:t>runs</a:t>
+            </a:r>
+            <a:r>
+              <a:rPr lang="de-DE" sz="1200" dirty="0"/>
+              <a:t> and </a:t>
+            </a:r>
+            <a:r>
+              <a:rPr lang="de-DE" sz="1200" dirty="0" err="1"/>
+              <a:t>of</a:t>
+            </a:r>
+            <a:r>
+              <a:rPr lang="de-DE" sz="1200" dirty="0"/>
+              <a:t> 1st in pair</a:t>
+            </a:r>
+          </a:p>
+          <a:p>
+            <a:pPr lvl="1"/>
+            <a:r>
+              <a:rPr lang="de-DE" sz="1200" dirty="0"/>
+              <a:t>Temporal, </a:t>
+            </a:r>
+            <a:r>
+              <a:rPr lang="de-DE" sz="1200" dirty="0" err="1"/>
+              <a:t>proximity</a:t>
+            </a:r>
+            <a:r>
+              <a:rPr lang="de-DE" sz="1200" dirty="0"/>
+              <a:t> </a:t>
+            </a:r>
+            <a:r>
+              <a:rPr lang="de-DE" sz="1200" dirty="0" err="1"/>
+              <a:t>of</a:t>
+            </a:r>
+            <a:r>
+              <a:rPr lang="de-DE" sz="1200" dirty="0"/>
+              <a:t> A-B </a:t>
+            </a:r>
+            <a:r>
+              <a:rPr lang="de-DE" sz="1200" dirty="0" err="1"/>
+              <a:t>increase</a:t>
+            </a:r>
+            <a:r>
+              <a:rPr lang="de-DE" sz="1200" dirty="0"/>
+              <a:t> </a:t>
+            </a:r>
+            <a:r>
+              <a:rPr lang="de-DE" sz="1200" dirty="0" err="1"/>
+              <a:t>pattern</a:t>
+            </a:r>
+            <a:r>
+              <a:rPr lang="de-DE" sz="1200" dirty="0"/>
+              <a:t> </a:t>
+            </a:r>
+            <a:r>
+              <a:rPr lang="de-DE" sz="1200" dirty="0" err="1"/>
+              <a:t>similarity</a:t>
+            </a:r>
+            <a:r>
+              <a:rPr lang="de-DE" sz="1200" dirty="0"/>
+              <a:t> BUT not </a:t>
+            </a:r>
+            <a:r>
+              <a:rPr lang="de-DE" sz="1200" dirty="0" err="1"/>
+              <a:t>really</a:t>
+            </a:r>
+            <a:r>
+              <a:rPr lang="de-DE" sz="1200" dirty="0"/>
+              <a:t> </a:t>
+            </a:r>
+            <a:r>
+              <a:rPr lang="de-DE" sz="1200" dirty="0" err="1"/>
+              <a:t>pb</a:t>
+            </a:r>
+            <a:r>
+              <a:rPr lang="de-DE" sz="1200" dirty="0"/>
+              <a:t> </a:t>
+            </a:r>
+            <a:r>
+              <a:rPr lang="de-DE" sz="1200" dirty="0" err="1"/>
+              <a:t>because</a:t>
+            </a:r>
+            <a:r>
+              <a:rPr lang="de-DE" sz="1200" dirty="0"/>
+              <a:t> </a:t>
+            </a:r>
+            <a:r>
+              <a:rPr lang="de-DE" sz="1200" dirty="0" err="1"/>
+              <a:t>comparison</a:t>
+            </a:r>
+            <a:r>
+              <a:rPr lang="de-DE" sz="1200" dirty="0"/>
+              <a:t> </a:t>
+            </a:r>
+            <a:r>
+              <a:rPr lang="de-DE" sz="1200" dirty="0" err="1"/>
+              <a:t>accross</a:t>
+            </a:r>
+            <a:r>
+              <a:rPr lang="de-DE" sz="1200" dirty="0"/>
+              <a:t> </a:t>
+            </a:r>
+            <a:r>
+              <a:rPr lang="de-DE" sz="1200" dirty="0" err="1"/>
+              <a:t>runs</a:t>
+            </a:r>
+            <a:endParaRPr lang="de-DE" sz="1200" dirty="0"/>
+          </a:p>
+          <a:p>
+            <a:r>
+              <a:rPr lang="de-DE" sz="1800" b="1" dirty="0">
+                <a:highlight>
+                  <a:srgbClr val="FFFF00"/>
+                </a:highlight>
+              </a:rPr>
+              <a:t>MVPA </a:t>
+            </a:r>
+            <a:r>
+              <a:rPr lang="de-DE" sz="1800" b="1" dirty="0" err="1">
+                <a:highlight>
+                  <a:srgbClr val="FFFF00"/>
+                </a:highlight>
+              </a:rPr>
+              <a:t>for</a:t>
+            </a:r>
+            <a:r>
+              <a:rPr lang="de-DE" sz="1800" b="1" dirty="0">
+                <a:highlight>
+                  <a:srgbClr val="FFFF00"/>
+                </a:highlight>
+              </a:rPr>
+              <a:t> </a:t>
+            </a:r>
+            <a:r>
+              <a:rPr lang="de-DE" sz="1800" b="1" dirty="0" err="1">
+                <a:highlight>
+                  <a:srgbClr val="FFFF00"/>
+                </a:highlight>
+              </a:rPr>
+              <a:t>trace</a:t>
+            </a:r>
+            <a:r>
+              <a:rPr lang="de-DE" sz="1800" b="1" dirty="0">
+                <a:highlight>
+                  <a:srgbClr val="FFFF00"/>
+                </a:highlight>
+              </a:rPr>
+              <a:t> </a:t>
+            </a:r>
+            <a:r>
+              <a:rPr lang="de-DE" sz="1800" b="1" dirty="0" err="1">
+                <a:highlight>
+                  <a:srgbClr val="FFFF00"/>
+                </a:highlight>
+              </a:rPr>
+              <a:t>of</a:t>
+            </a:r>
+            <a:r>
+              <a:rPr lang="de-DE" sz="1800" b="1" dirty="0">
+                <a:highlight>
+                  <a:srgbClr val="FFFF00"/>
+                </a:highlight>
+              </a:rPr>
+              <a:t> </a:t>
+            </a:r>
+            <a:r>
+              <a:rPr lang="de-DE" sz="1800" b="1" dirty="0" err="1">
+                <a:highlight>
+                  <a:srgbClr val="FFFF00"/>
+                </a:highlight>
+              </a:rPr>
+              <a:t>outcome</a:t>
+            </a:r>
+            <a:r>
+              <a:rPr lang="de-DE" sz="1800" b="1" dirty="0">
+                <a:highlight>
+                  <a:srgbClr val="FFFF00"/>
+                </a:highlight>
+              </a:rPr>
+              <a:t> in </a:t>
+            </a:r>
+            <a:r>
+              <a:rPr lang="de-DE" sz="1800" b="1" dirty="0" err="1">
+                <a:highlight>
+                  <a:srgbClr val="FFFF00"/>
+                </a:highlight>
+              </a:rPr>
+              <a:t>cues</a:t>
+            </a:r>
+            <a:r>
+              <a:rPr lang="de-DE" sz="1800" b="1" dirty="0">
+                <a:highlight>
+                  <a:srgbClr val="FFFF00"/>
+                </a:highlight>
+              </a:rPr>
+              <a:t> = </a:t>
+            </a:r>
+            <a:r>
+              <a:rPr lang="de-DE" sz="1800" b="1" dirty="0" err="1">
+                <a:highlight>
+                  <a:srgbClr val="FFFF00"/>
+                </a:highlight>
+              </a:rPr>
+              <a:t>decod</a:t>
+            </a:r>
+            <a:endParaRPr lang="de-DE" sz="1800" b="1" dirty="0">
+              <a:highlight>
+                <a:srgbClr val="FFFF00"/>
+              </a:highlight>
+            </a:endParaRPr>
+          </a:p>
+          <a:p>
+            <a:pPr lvl="1"/>
+            <a:r>
+              <a:rPr lang="de-DE" sz="1200" dirty="0"/>
+              <a:t>SVM </a:t>
+            </a:r>
+            <a:r>
+              <a:rPr lang="de-DE" sz="1200" dirty="0" err="1"/>
+              <a:t>trained</a:t>
+            </a:r>
+            <a:r>
+              <a:rPr lang="de-DE" sz="1200" dirty="0"/>
+              <a:t> on 3 last </a:t>
+            </a:r>
+            <a:r>
+              <a:rPr lang="de-DE" sz="1200" dirty="0" err="1"/>
+              <a:t>conditioning</a:t>
+            </a:r>
+            <a:r>
+              <a:rPr lang="de-DE" sz="1200" dirty="0"/>
+              <a:t> </a:t>
+            </a:r>
+            <a:r>
+              <a:rPr lang="de-DE" sz="1200" dirty="0" err="1"/>
+              <a:t>runs</a:t>
+            </a:r>
+            <a:r>
+              <a:rPr lang="de-DE" sz="1200" dirty="0"/>
+              <a:t>, LIBSVM linear </a:t>
+            </a:r>
+            <a:r>
+              <a:rPr lang="de-DE" sz="1200" dirty="0" err="1"/>
+              <a:t>kernel</a:t>
+            </a:r>
+            <a:r>
+              <a:rPr lang="de-DE" sz="1200" dirty="0"/>
+              <a:t> c=1, </a:t>
+            </a:r>
+            <a:r>
+              <a:rPr lang="de-DE" sz="1200" dirty="0" err="1"/>
+              <a:t>for</a:t>
+            </a:r>
+            <a:r>
+              <a:rPr lang="de-DE" sz="1200" dirty="0"/>
+              <a:t> </a:t>
+            </a:r>
+            <a:r>
+              <a:rPr lang="de-DE" sz="1200" dirty="0" err="1"/>
+              <a:t>each</a:t>
+            </a:r>
+            <a:r>
+              <a:rPr lang="de-DE" sz="1200" dirty="0"/>
+              <a:t> ROI and </a:t>
+            </a:r>
+            <a:r>
+              <a:rPr lang="de-DE" sz="1200" dirty="0" err="1"/>
+              <a:t>subject</a:t>
+            </a:r>
+            <a:r>
+              <a:rPr lang="de-DE" sz="1200" dirty="0"/>
+              <a:t>, </a:t>
+            </a:r>
+            <a:r>
+              <a:rPr lang="de-DE" sz="1200" dirty="0" err="1"/>
+              <a:t>train</a:t>
+            </a:r>
+            <a:r>
+              <a:rPr lang="de-DE" sz="1200" dirty="0"/>
+              <a:t> </a:t>
+            </a:r>
+            <a:r>
+              <a:rPr lang="de-DE" sz="1200" dirty="0" err="1"/>
+              <a:t>to</a:t>
+            </a:r>
+            <a:r>
+              <a:rPr lang="de-DE" sz="1200" dirty="0"/>
+              <a:t> </a:t>
+            </a:r>
+            <a:r>
+              <a:rPr lang="de-DE" sz="1200" dirty="0" err="1"/>
+              <a:t>differentiate</a:t>
+            </a:r>
+            <a:r>
+              <a:rPr lang="de-DE" sz="1200" dirty="0"/>
+              <a:t> B –D, </a:t>
+            </a:r>
+            <a:r>
+              <a:rPr lang="de-DE" sz="1200" dirty="0" err="1"/>
+              <a:t>test</a:t>
+            </a:r>
+            <a:r>
+              <a:rPr lang="de-DE" sz="1200" dirty="0"/>
+              <a:t> on A-C and B-D </a:t>
+            </a:r>
+            <a:r>
+              <a:rPr lang="de-DE" sz="1200" dirty="0" err="1"/>
+              <a:t>during</a:t>
+            </a:r>
+            <a:r>
+              <a:rPr lang="de-DE" sz="1200" dirty="0"/>
+              <a:t> probe </a:t>
+            </a:r>
+            <a:r>
+              <a:rPr lang="de-DE" sz="1200" dirty="0" err="1"/>
+              <a:t>phase</a:t>
+            </a:r>
+            <a:endParaRPr lang="de-DE" sz="1200" dirty="0"/>
+          </a:p>
+          <a:p>
+            <a:pPr lvl="1"/>
+            <a:r>
+              <a:rPr lang="de-DE" sz="1200" b="1" dirty="0"/>
+              <a:t>Regressors</a:t>
+            </a:r>
+            <a:r>
+              <a:rPr lang="de-DE" sz="1200" dirty="0"/>
+              <a:t> = B and D </a:t>
+            </a:r>
+            <a:r>
+              <a:rPr lang="de-DE" sz="1200" dirty="0" err="1"/>
+              <a:t>cues</a:t>
+            </a:r>
+            <a:r>
+              <a:rPr lang="de-DE" sz="1200" dirty="0"/>
+              <a:t> </a:t>
+            </a:r>
+            <a:r>
+              <a:rPr lang="de-DE" sz="1200" dirty="0" err="1"/>
+              <a:t>onset</a:t>
+            </a:r>
+            <a:r>
+              <a:rPr lang="de-DE" sz="1200" dirty="0"/>
+              <a:t>, </a:t>
+            </a:r>
+            <a:r>
+              <a:rPr lang="de-DE" sz="1200" dirty="0" err="1"/>
+              <a:t>outcome</a:t>
+            </a:r>
+            <a:r>
+              <a:rPr lang="de-DE" sz="1200" dirty="0"/>
+              <a:t> </a:t>
+            </a:r>
+            <a:r>
+              <a:rPr lang="de-DE" sz="1200" dirty="0" err="1"/>
+              <a:t>onset</a:t>
+            </a:r>
+            <a:r>
+              <a:rPr lang="de-DE" sz="1200" dirty="0"/>
+              <a:t>, </a:t>
+            </a:r>
+            <a:r>
+              <a:rPr lang="de-DE" sz="1200" dirty="0" err="1"/>
+              <a:t>left</a:t>
+            </a:r>
+            <a:r>
+              <a:rPr lang="de-DE" sz="1200" dirty="0"/>
+              <a:t>/</a:t>
+            </a:r>
+            <a:r>
+              <a:rPr lang="de-DE" sz="1200" dirty="0" err="1"/>
+              <a:t>right</a:t>
+            </a:r>
+            <a:r>
+              <a:rPr lang="de-DE" sz="1200" dirty="0"/>
+              <a:t> </a:t>
+            </a:r>
+            <a:r>
+              <a:rPr lang="de-DE" sz="1200" dirty="0" err="1"/>
+              <a:t>button</a:t>
+            </a:r>
+            <a:r>
+              <a:rPr lang="de-DE" sz="1200" dirty="0"/>
+              <a:t> press</a:t>
+            </a:r>
+          </a:p>
+          <a:p>
+            <a:pPr lvl="1"/>
+            <a:r>
+              <a:rPr lang="de-DE" sz="1200" dirty="0"/>
+              <a:t>feature </a:t>
+            </a:r>
+            <a:r>
+              <a:rPr lang="de-DE" sz="1200" dirty="0" err="1"/>
+              <a:t>selection</a:t>
+            </a:r>
+            <a:r>
+              <a:rPr lang="de-DE" sz="1200" dirty="0"/>
+              <a:t> = </a:t>
+            </a:r>
+            <a:r>
+              <a:rPr lang="de-DE" sz="1200" dirty="0" err="1"/>
+              <a:t>Leave</a:t>
+            </a:r>
+            <a:r>
+              <a:rPr lang="de-DE" sz="1200" dirty="0"/>
+              <a:t> </a:t>
+            </a:r>
+            <a:r>
+              <a:rPr lang="de-DE" sz="1200" dirty="0" err="1"/>
+              <a:t>one</a:t>
+            </a:r>
+            <a:r>
+              <a:rPr lang="de-DE" sz="1200" dirty="0"/>
+              <a:t> out </a:t>
+            </a:r>
+            <a:r>
+              <a:rPr lang="de-DE" sz="1200" dirty="0" err="1"/>
+              <a:t>subject</a:t>
+            </a:r>
+            <a:r>
+              <a:rPr lang="de-DE" sz="1200" dirty="0"/>
+              <a:t> </a:t>
+            </a:r>
+            <a:r>
+              <a:rPr lang="de-DE" sz="1200" dirty="0" err="1"/>
+              <a:t>for</a:t>
+            </a:r>
+            <a:r>
+              <a:rPr lang="de-DE" sz="1200" dirty="0"/>
+              <a:t>, </a:t>
+            </a:r>
+            <a:r>
+              <a:rPr lang="de-DE" sz="1200" dirty="0" err="1"/>
+              <a:t>look</a:t>
+            </a:r>
+            <a:r>
+              <a:rPr lang="de-DE" sz="1200" dirty="0"/>
+              <a:t> </a:t>
+            </a:r>
+            <a:r>
+              <a:rPr lang="de-DE" sz="1200" dirty="0" err="1"/>
+              <a:t>tor</a:t>
+            </a:r>
+            <a:r>
+              <a:rPr lang="de-DE" sz="1200" dirty="0"/>
+              <a:t> </a:t>
+            </a:r>
+            <a:r>
+              <a:rPr lang="de-DE" sz="1200" dirty="0" err="1"/>
+              <a:t>voxels</a:t>
+            </a:r>
+            <a:r>
+              <a:rPr lang="de-DE" sz="1200" dirty="0"/>
+              <a:t> </a:t>
+            </a:r>
+            <a:r>
+              <a:rPr lang="de-DE" sz="1200" dirty="0" err="1"/>
+              <a:t>woth</a:t>
+            </a:r>
+            <a:r>
+              <a:rPr lang="de-DE" sz="1200" dirty="0"/>
+              <a:t> </a:t>
+            </a:r>
+            <a:r>
+              <a:rPr lang="de-DE" sz="1200" dirty="0" err="1"/>
+              <a:t>largest</a:t>
+            </a:r>
+            <a:r>
+              <a:rPr lang="de-DE" sz="1200" dirty="0"/>
+              <a:t> t </a:t>
+            </a:r>
+            <a:r>
+              <a:rPr lang="de-DE" sz="1200" dirty="0" err="1"/>
+              <a:t>values</a:t>
+            </a:r>
+            <a:r>
+              <a:rPr lang="de-DE" sz="1200" dirty="0"/>
+              <a:t> </a:t>
+            </a:r>
+            <a:r>
+              <a:rPr lang="de-DE" sz="1200" dirty="0" err="1"/>
+              <a:t>regarding</a:t>
+            </a:r>
+            <a:r>
+              <a:rPr lang="de-DE" sz="1200" dirty="0"/>
+              <a:t> BD </a:t>
+            </a:r>
+            <a:r>
+              <a:rPr lang="de-DE" sz="1200" dirty="0" err="1"/>
+              <a:t>difference</a:t>
+            </a:r>
+            <a:r>
+              <a:rPr lang="de-DE" sz="1200" dirty="0"/>
+              <a:t> in ROIs, and do </a:t>
+            </a:r>
+            <a:r>
+              <a:rPr lang="de-DE" sz="1200" dirty="0" err="1"/>
+              <a:t>analysis</a:t>
+            </a:r>
+            <a:r>
+              <a:rPr lang="de-DE" sz="1200" dirty="0"/>
+              <a:t> </a:t>
+            </a:r>
+            <a:r>
+              <a:rPr lang="de-DE" sz="1200" dirty="0" err="1"/>
+              <a:t>with</a:t>
+            </a:r>
+            <a:r>
+              <a:rPr lang="de-DE" sz="1200" dirty="0"/>
+              <a:t> different </a:t>
+            </a:r>
+            <a:r>
+              <a:rPr lang="de-DE" sz="1200" dirty="0" err="1"/>
+              <a:t>nb</a:t>
+            </a:r>
+            <a:r>
+              <a:rPr lang="de-DE" sz="1200" dirty="0"/>
+              <a:t> </a:t>
+            </a:r>
+            <a:r>
+              <a:rPr lang="de-DE" sz="1200" dirty="0" err="1"/>
+              <a:t>of</a:t>
+            </a:r>
+            <a:r>
+              <a:rPr lang="de-DE" sz="1200" dirty="0"/>
+              <a:t> </a:t>
+            </a:r>
+            <a:r>
+              <a:rPr lang="de-DE" sz="1200" dirty="0" err="1"/>
+              <a:t>voxels</a:t>
+            </a:r>
+            <a:r>
+              <a:rPr lang="de-DE" sz="1200" dirty="0"/>
+              <a:t> </a:t>
+            </a:r>
+            <a:r>
+              <a:rPr lang="de-DE" sz="1200" dirty="0" err="1"/>
+              <a:t>to</a:t>
+            </a:r>
+            <a:r>
+              <a:rPr lang="de-DE" sz="1200" dirty="0"/>
+              <a:t> deter </a:t>
+            </a:r>
+            <a:r>
+              <a:rPr lang="de-DE" sz="1200" dirty="0" err="1"/>
+              <a:t>which</a:t>
+            </a:r>
+            <a:r>
+              <a:rPr lang="de-DE" sz="1200" dirty="0"/>
+              <a:t> </a:t>
+            </a:r>
+            <a:r>
+              <a:rPr lang="de-DE" sz="1200" dirty="0" err="1"/>
+              <a:t>best</a:t>
+            </a:r>
+            <a:r>
+              <a:rPr lang="de-DE" sz="1200" dirty="0"/>
+              <a:t> </a:t>
+            </a:r>
+            <a:r>
+              <a:rPr lang="de-DE" sz="1200" dirty="0" err="1"/>
+              <a:t>accuracy</a:t>
+            </a:r>
+            <a:r>
+              <a:rPr lang="de-DE" sz="1200" dirty="0"/>
+              <a:t>, </a:t>
+            </a:r>
+            <a:r>
+              <a:rPr lang="de-DE" sz="1200" dirty="0" err="1"/>
+              <a:t>then</a:t>
+            </a:r>
+            <a:r>
+              <a:rPr lang="de-DE" sz="1200" dirty="0"/>
+              <a:t> </a:t>
+            </a:r>
+            <a:r>
+              <a:rPr lang="de-DE" sz="1200" dirty="0" err="1"/>
+              <a:t>use</a:t>
+            </a:r>
+            <a:r>
+              <a:rPr lang="de-DE" sz="1200" dirty="0"/>
+              <a:t> </a:t>
+            </a:r>
+            <a:r>
+              <a:rPr lang="de-DE" sz="1200" dirty="0" err="1"/>
+              <a:t>this</a:t>
+            </a:r>
+            <a:r>
+              <a:rPr lang="de-DE" sz="1200" dirty="0"/>
+              <a:t> </a:t>
+            </a:r>
+            <a:r>
+              <a:rPr lang="de-DE" sz="1200" dirty="0" err="1"/>
+              <a:t>nb</a:t>
+            </a:r>
+            <a:r>
+              <a:rPr lang="de-DE" sz="1200" dirty="0"/>
+              <a:t> </a:t>
+            </a:r>
+            <a:r>
+              <a:rPr lang="de-DE" sz="1200" dirty="0" err="1"/>
+              <a:t>one</a:t>
+            </a:r>
+            <a:r>
+              <a:rPr lang="de-DE" sz="1200" dirty="0"/>
+              <a:t> </a:t>
+            </a:r>
+            <a:r>
+              <a:rPr lang="de-DE" sz="1200" dirty="0" err="1"/>
+              <a:t>the</a:t>
+            </a:r>
+            <a:r>
+              <a:rPr lang="de-DE" sz="1200" dirty="0"/>
+              <a:t> </a:t>
+            </a:r>
+            <a:r>
+              <a:rPr lang="de-DE" sz="1200" dirty="0" err="1"/>
+              <a:t>left</a:t>
+            </a:r>
+            <a:r>
+              <a:rPr lang="de-DE" sz="1200" dirty="0"/>
+              <a:t> out </a:t>
+            </a:r>
+            <a:r>
+              <a:rPr lang="de-DE" sz="1200" dirty="0" err="1"/>
+              <a:t>subject</a:t>
+            </a:r>
+            <a:r>
+              <a:rPr lang="de-DE" sz="1200" dirty="0"/>
+              <a:t> (</a:t>
+            </a:r>
+            <a:r>
+              <a:rPr lang="de-DE" sz="1200" dirty="0" err="1"/>
+              <a:t>script</a:t>
+            </a:r>
+            <a:r>
+              <a:rPr lang="de-DE" sz="1200" dirty="0"/>
+              <a:t> </a:t>
+            </a:r>
+            <a:r>
+              <a:rPr lang="de-DE" sz="1200" dirty="0" err="1"/>
+              <a:t>available</a:t>
+            </a:r>
+            <a:r>
+              <a:rPr lang="de-DE" sz="1200" dirty="0"/>
+              <a:t>)</a:t>
+            </a:r>
+          </a:p>
+          <a:p>
+            <a:r>
+              <a:rPr lang="de-DE" sz="1800" dirty="0">
+                <a:highlight>
+                  <a:srgbClr val="FFFF00"/>
+                </a:highlight>
+              </a:rPr>
+              <a:t>State </a:t>
+            </a:r>
+            <a:r>
+              <a:rPr lang="de-DE" sz="1800" dirty="0" err="1">
+                <a:highlight>
+                  <a:srgbClr val="FFFF00"/>
+                </a:highlight>
+              </a:rPr>
+              <a:t>coding</a:t>
+            </a:r>
+            <a:r>
+              <a:rPr lang="de-DE" sz="1800" dirty="0">
+                <a:highlight>
+                  <a:srgbClr val="FFFF00"/>
+                </a:highlight>
+              </a:rPr>
+              <a:t> </a:t>
+            </a:r>
+            <a:r>
+              <a:rPr lang="de-DE" sz="1800" dirty="0" err="1">
+                <a:highlight>
+                  <a:srgbClr val="FFFF00"/>
+                </a:highlight>
+              </a:rPr>
+              <a:t>analysis</a:t>
+            </a:r>
+            <a:endParaRPr lang="de-DE" sz="1800" dirty="0">
+              <a:highlight>
+                <a:srgbClr val="FFFF00"/>
+              </a:highlight>
+            </a:endParaRPr>
+          </a:p>
+          <a:p>
+            <a:pPr lvl="1"/>
+            <a:r>
+              <a:rPr lang="de-DE" sz="1200" dirty="0"/>
+              <a:t>SVM </a:t>
+            </a:r>
+            <a:r>
+              <a:rPr lang="de-DE" sz="1200" dirty="0" err="1"/>
+              <a:t>to</a:t>
+            </a:r>
+            <a:r>
+              <a:rPr lang="de-DE" sz="1200" dirty="0"/>
+              <a:t> </a:t>
+            </a:r>
+            <a:r>
+              <a:rPr lang="de-DE" sz="1200" dirty="0" err="1"/>
+              <a:t>decode</a:t>
+            </a:r>
+            <a:r>
+              <a:rPr lang="de-DE" sz="1200" dirty="0"/>
+              <a:t> B-D BUT </a:t>
+            </a:r>
+            <a:r>
+              <a:rPr lang="de-DE" sz="1200" dirty="0" err="1"/>
+              <a:t>leave</a:t>
+            </a:r>
+            <a:r>
+              <a:rPr lang="de-DE" sz="1200" dirty="0"/>
+              <a:t> </a:t>
+            </a:r>
+            <a:r>
+              <a:rPr lang="de-DE" sz="1200" dirty="0" err="1"/>
+              <a:t>one</a:t>
+            </a:r>
+            <a:r>
+              <a:rPr lang="de-DE" sz="1200" dirty="0"/>
+              <a:t> B and </a:t>
+            </a:r>
+            <a:r>
+              <a:rPr lang="de-DE" sz="1200" dirty="0" err="1"/>
+              <a:t>one</a:t>
+            </a:r>
+            <a:r>
+              <a:rPr lang="de-DE" sz="1200" dirty="0"/>
+              <a:t> D out, </a:t>
+            </a:r>
+            <a:r>
+              <a:rPr lang="de-DE" sz="1200" dirty="0" err="1"/>
+              <a:t>then</a:t>
+            </a:r>
+            <a:r>
+              <a:rPr lang="de-DE" sz="1200" dirty="0"/>
+              <a:t> </a:t>
+            </a:r>
+            <a:r>
+              <a:rPr lang="de-DE" sz="1200" dirty="0" err="1"/>
+              <a:t>test</a:t>
+            </a:r>
+            <a:r>
+              <a:rPr lang="de-DE" sz="1200" dirty="0"/>
+              <a:t> on probe </a:t>
+            </a:r>
+            <a:r>
+              <a:rPr lang="de-DE" sz="1200" dirty="0" err="1"/>
+              <a:t>data</a:t>
+            </a:r>
+            <a:r>
+              <a:rPr lang="de-DE" sz="1200" dirty="0"/>
+              <a:t> </a:t>
+            </a:r>
+          </a:p>
+          <a:p>
+            <a:r>
+              <a:rPr lang="de-DE" sz="1800" dirty="0" err="1"/>
+              <a:t>Searchlight</a:t>
+            </a:r>
+            <a:r>
+              <a:rPr lang="de-DE" sz="1800" dirty="0"/>
+              <a:t> </a:t>
+            </a:r>
+          </a:p>
+          <a:p>
+            <a:pPr lvl="1"/>
+            <a:r>
+              <a:rPr lang="de-DE" sz="1200" dirty="0"/>
+              <a:t>Same but on </a:t>
+            </a:r>
+            <a:r>
+              <a:rPr lang="de-DE" sz="1200" dirty="0" err="1"/>
+              <a:t>spheres</a:t>
+            </a:r>
+            <a:r>
+              <a:rPr lang="de-DE" sz="1200" dirty="0"/>
+              <a:t> </a:t>
+            </a:r>
+            <a:r>
+              <a:rPr lang="de-DE" sz="1200" dirty="0" err="1"/>
+              <a:t>of</a:t>
+            </a:r>
+            <a:r>
+              <a:rPr lang="de-DE" sz="1200" dirty="0"/>
+              <a:t> 8mm=251voxels</a:t>
+            </a:r>
+          </a:p>
+          <a:p>
+            <a:r>
+              <a:rPr lang="de-DE" sz="1800" dirty="0"/>
+              <a:t>MVPA </a:t>
+            </a:r>
+            <a:r>
+              <a:rPr lang="de-DE" sz="1800" dirty="0" err="1"/>
+              <a:t>for</a:t>
+            </a:r>
+            <a:r>
+              <a:rPr lang="de-DE" sz="1800" dirty="0"/>
+              <a:t> </a:t>
+            </a:r>
+            <a:r>
+              <a:rPr lang="de-DE" sz="1800" dirty="0" err="1"/>
+              <a:t>reactivation</a:t>
+            </a:r>
+            <a:r>
+              <a:rPr lang="de-DE" sz="1800" dirty="0"/>
+              <a:t> = RSA </a:t>
+            </a:r>
+            <a:r>
+              <a:rPr lang="de-DE" sz="1800" dirty="0" err="1"/>
+              <a:t>during</a:t>
+            </a:r>
+            <a:r>
+              <a:rPr lang="de-DE" sz="1800" dirty="0"/>
+              <a:t> </a:t>
+            </a:r>
+            <a:r>
+              <a:rPr lang="de-DE" sz="1800" dirty="0" err="1"/>
+              <a:t>cond</a:t>
+            </a:r>
+            <a:r>
+              <a:rPr lang="de-DE" sz="1800" dirty="0"/>
+              <a:t> </a:t>
+            </a:r>
+            <a:r>
+              <a:rPr lang="de-DE" sz="1800" dirty="0" err="1"/>
+              <a:t>phase</a:t>
+            </a:r>
+            <a:endParaRPr lang="de-DE" sz="1800" dirty="0"/>
+          </a:p>
+          <a:p>
+            <a:pPr lvl="1"/>
+            <a:r>
+              <a:rPr lang="de-DE" sz="1200" dirty="0"/>
+              <a:t>Not </a:t>
+            </a:r>
+            <a:r>
+              <a:rPr lang="de-DE" sz="1200" dirty="0" err="1"/>
+              <a:t>great</a:t>
+            </a:r>
+            <a:r>
+              <a:rPr lang="de-DE" sz="1200" dirty="0"/>
+              <a:t> = </a:t>
+            </a:r>
+            <a:r>
+              <a:rPr lang="de-DE" sz="1200" dirty="0" err="1"/>
+              <a:t>correlation</a:t>
+            </a:r>
+            <a:r>
+              <a:rPr lang="de-DE" sz="1200" dirty="0"/>
+              <a:t> in OFC and HPC ROIs </a:t>
+            </a:r>
+            <a:r>
+              <a:rPr lang="de-DE" sz="1200" dirty="0" err="1"/>
+              <a:t>between</a:t>
+            </a:r>
+            <a:r>
+              <a:rPr lang="de-DE" sz="1200" dirty="0"/>
+              <a:t> </a:t>
+            </a:r>
+            <a:r>
+              <a:rPr lang="de-DE" sz="1200" dirty="0" err="1"/>
+              <a:t>average</a:t>
+            </a:r>
+            <a:r>
+              <a:rPr lang="de-DE" sz="1200" dirty="0"/>
+              <a:t> B </a:t>
+            </a:r>
+            <a:r>
+              <a:rPr lang="de-DE" sz="1200" dirty="0" err="1"/>
+              <a:t>during</a:t>
+            </a:r>
+            <a:r>
+              <a:rPr lang="de-DE" sz="1200" dirty="0"/>
+              <a:t> </a:t>
+            </a:r>
+            <a:r>
+              <a:rPr lang="de-DE" sz="1200" dirty="0" err="1"/>
+              <a:t>conditioning</a:t>
+            </a:r>
+            <a:r>
+              <a:rPr lang="de-DE" sz="1200" dirty="0"/>
+              <a:t> and 1) B </a:t>
+            </a:r>
+            <a:r>
+              <a:rPr lang="de-DE" sz="1200" dirty="0" err="1"/>
+              <a:t>for</a:t>
+            </a:r>
+            <a:r>
+              <a:rPr lang="de-DE" sz="1200" dirty="0"/>
+              <a:t> </a:t>
+            </a:r>
+            <a:r>
+              <a:rPr lang="de-DE" sz="1200" dirty="0" err="1"/>
+              <a:t>the</a:t>
+            </a:r>
+            <a:r>
+              <a:rPr lang="de-DE" sz="1200" dirty="0"/>
+              <a:t> </a:t>
+            </a:r>
+            <a:r>
+              <a:rPr lang="de-DE" sz="1200" dirty="0" err="1"/>
+              <a:t>first</a:t>
+            </a:r>
+            <a:r>
+              <a:rPr lang="de-DE" sz="1200" dirty="0"/>
+              <a:t> </a:t>
+            </a:r>
+            <a:r>
+              <a:rPr lang="de-DE" sz="1200" dirty="0" err="1"/>
+              <a:t>run</a:t>
+            </a:r>
+            <a:r>
+              <a:rPr lang="de-DE" sz="1200" dirty="0"/>
+              <a:t> </a:t>
+            </a:r>
+            <a:r>
+              <a:rPr lang="de-DE" sz="1200" dirty="0" err="1"/>
+              <a:t>of</a:t>
+            </a:r>
+            <a:r>
+              <a:rPr lang="de-DE" sz="1200" dirty="0"/>
+              <a:t> </a:t>
+            </a:r>
+            <a:r>
+              <a:rPr lang="de-DE" sz="1200" dirty="0" err="1"/>
+              <a:t>precond</a:t>
+            </a:r>
+            <a:r>
+              <a:rPr lang="de-DE" sz="1200" dirty="0"/>
+              <a:t>, and 2) B </a:t>
+            </a:r>
+            <a:r>
+              <a:rPr lang="de-DE" sz="1200" dirty="0" err="1"/>
+              <a:t>for</a:t>
+            </a:r>
+            <a:r>
+              <a:rPr lang="de-DE" sz="1200" dirty="0"/>
+              <a:t> </a:t>
+            </a:r>
+            <a:r>
+              <a:rPr lang="de-DE" sz="1200" dirty="0" err="1"/>
+              <a:t>the</a:t>
+            </a:r>
+            <a:r>
+              <a:rPr lang="de-DE" sz="1200" dirty="0"/>
+              <a:t> last </a:t>
+            </a:r>
+            <a:r>
+              <a:rPr lang="de-DE" sz="1200" dirty="0" err="1"/>
+              <a:t>run</a:t>
+            </a:r>
+            <a:r>
+              <a:rPr lang="de-DE" sz="1200" dirty="0"/>
+              <a:t> </a:t>
+            </a:r>
+            <a:r>
+              <a:rPr lang="de-DE" sz="1200" dirty="0" err="1"/>
+              <a:t>of</a:t>
+            </a:r>
+            <a:r>
+              <a:rPr lang="de-DE" sz="1200" dirty="0"/>
+              <a:t> </a:t>
+            </a:r>
+            <a:r>
+              <a:rPr lang="de-DE" sz="1200" dirty="0" err="1"/>
+              <a:t>precond</a:t>
+            </a:r>
+            <a:r>
+              <a:rPr lang="de-DE" sz="1200" dirty="0"/>
+              <a:t> (</a:t>
+            </a:r>
+            <a:r>
+              <a:rPr lang="de-DE" sz="1200" dirty="0" err="1"/>
+              <a:t>where</a:t>
+            </a:r>
+            <a:r>
+              <a:rPr lang="de-DE" sz="1200" dirty="0"/>
+              <a:t> </a:t>
+            </a:r>
+            <a:r>
+              <a:rPr lang="de-DE" sz="1200" dirty="0" err="1"/>
+              <a:t>supposedly</a:t>
+            </a:r>
+            <a:r>
+              <a:rPr lang="de-DE" sz="1200" dirty="0"/>
+              <a:t> </a:t>
+            </a:r>
+            <a:r>
+              <a:rPr lang="de-DE" sz="1200" dirty="0" err="1"/>
+              <a:t>more</a:t>
+            </a:r>
+            <a:r>
+              <a:rPr lang="de-DE" sz="1200" dirty="0"/>
+              <a:t> </a:t>
+            </a:r>
+            <a:r>
+              <a:rPr lang="de-DE" sz="1200" dirty="0" err="1"/>
+              <a:t>similar</a:t>
+            </a:r>
+            <a:r>
+              <a:rPr lang="de-DE" sz="1200" dirty="0"/>
+              <a:t> </a:t>
+            </a:r>
+            <a:r>
+              <a:rPr lang="de-DE" sz="1200" dirty="0" err="1"/>
+              <a:t>to</a:t>
+            </a:r>
+            <a:r>
+              <a:rPr lang="de-DE" sz="1200" dirty="0"/>
+              <a:t> A)</a:t>
+            </a:r>
+          </a:p>
+          <a:p>
+            <a:r>
+              <a:rPr lang="de-DE" sz="1800" b="1" dirty="0"/>
+              <a:t>MVPA </a:t>
+            </a:r>
+            <a:r>
+              <a:rPr lang="de-DE" sz="1800" b="1" dirty="0" err="1"/>
+              <a:t>for</a:t>
+            </a:r>
+            <a:r>
+              <a:rPr lang="de-DE" sz="1800" b="1" dirty="0"/>
+              <a:t> </a:t>
+            </a:r>
+            <a:r>
+              <a:rPr lang="de-DE" sz="1800" b="1" dirty="0" err="1"/>
+              <a:t>reactivation</a:t>
+            </a:r>
+            <a:r>
+              <a:rPr lang="de-DE" sz="1800" b="1" dirty="0"/>
+              <a:t> </a:t>
+            </a:r>
+            <a:r>
+              <a:rPr lang="de-DE" sz="1800" b="1" dirty="0" err="1"/>
+              <a:t>of</a:t>
+            </a:r>
+            <a:r>
+              <a:rPr lang="de-DE" sz="1800" b="1" dirty="0"/>
+              <a:t> B </a:t>
+            </a:r>
+            <a:r>
+              <a:rPr lang="de-DE" sz="1800" b="1" dirty="0" err="1"/>
+              <a:t>during</a:t>
+            </a:r>
+            <a:r>
+              <a:rPr lang="de-DE" sz="1800" b="1" dirty="0"/>
+              <a:t> probe</a:t>
+            </a:r>
+          </a:p>
+          <a:p>
+            <a:pPr lvl="1"/>
+            <a:r>
+              <a:rPr lang="de-DE" sz="1200" dirty="0"/>
+              <a:t>Same but </a:t>
+            </a:r>
+            <a:r>
+              <a:rPr lang="de-DE" sz="1200" dirty="0" err="1"/>
+              <a:t>with</a:t>
+            </a:r>
+            <a:r>
+              <a:rPr lang="de-DE" sz="1200" dirty="0"/>
+              <a:t> A </a:t>
+            </a:r>
+            <a:r>
+              <a:rPr lang="de-DE" sz="1200" dirty="0" err="1"/>
+              <a:t>during</a:t>
+            </a:r>
+            <a:r>
+              <a:rPr lang="de-DE" sz="1200" dirty="0"/>
+              <a:t> probe </a:t>
+            </a:r>
+            <a:r>
+              <a:rPr lang="de-DE" sz="1200" dirty="0" err="1"/>
+              <a:t>test</a:t>
+            </a:r>
+            <a:r>
+              <a:rPr lang="de-DE" sz="1200" dirty="0"/>
+              <a:t> </a:t>
+            </a:r>
+            <a:r>
+              <a:rPr lang="de-DE" sz="1200" dirty="0" err="1"/>
+              <a:t>vs</a:t>
+            </a:r>
+            <a:r>
+              <a:rPr lang="de-DE" sz="1200" dirty="0"/>
+              <a:t> A 1st and last </a:t>
+            </a:r>
+            <a:r>
+              <a:rPr lang="de-DE" sz="1200" dirty="0" err="1"/>
+              <a:t>run</a:t>
+            </a:r>
+            <a:r>
+              <a:rPr lang="de-DE" sz="1200" dirty="0"/>
+              <a:t> </a:t>
+            </a:r>
+            <a:r>
+              <a:rPr lang="de-DE" sz="1200" dirty="0" err="1"/>
+              <a:t>of</a:t>
+            </a:r>
+            <a:r>
+              <a:rPr lang="de-DE" sz="1200" dirty="0"/>
+              <a:t> </a:t>
+            </a:r>
+            <a:r>
+              <a:rPr lang="de-DE" sz="1200" dirty="0" err="1"/>
+              <a:t>precond</a:t>
+            </a:r>
+            <a:r>
+              <a:rPr lang="de-DE" sz="1200" dirty="0"/>
+              <a:t> in Roi + </a:t>
+            </a:r>
+            <a:r>
+              <a:rPr lang="de-DE" sz="1200" dirty="0" err="1"/>
+              <a:t>searchlight</a:t>
+            </a:r>
+            <a:endParaRPr lang="de-DE" sz="1200" dirty="0"/>
+          </a:p>
+          <a:p>
+            <a:r>
+              <a:rPr lang="de-DE" sz="1800" dirty="0"/>
+              <a:t>PPI (</a:t>
+            </a:r>
+            <a:r>
+              <a:rPr lang="de-DE" sz="1800" dirty="0" err="1"/>
+              <a:t>gPPi</a:t>
+            </a:r>
+            <a:r>
+              <a:rPr lang="de-DE" sz="1800" dirty="0"/>
+              <a:t> </a:t>
+            </a:r>
+            <a:r>
+              <a:rPr lang="de-DE" sz="1800" dirty="0" err="1"/>
+              <a:t>toolbox</a:t>
+            </a:r>
+            <a:r>
+              <a:rPr lang="de-DE" sz="1800" dirty="0"/>
+              <a:t>) </a:t>
+            </a:r>
+            <a:r>
+              <a:rPr lang="de-DE" sz="1800" dirty="0" err="1"/>
+              <a:t>during</a:t>
+            </a:r>
+            <a:r>
+              <a:rPr lang="de-DE" sz="1800" dirty="0"/>
+              <a:t> probe </a:t>
+            </a:r>
+            <a:r>
+              <a:rPr lang="de-DE" sz="1800" dirty="0" err="1"/>
+              <a:t>test</a:t>
+            </a:r>
+            <a:endParaRPr lang="de-DE" sz="1800" dirty="0"/>
+          </a:p>
+          <a:p>
+            <a:pPr lvl="1"/>
+            <a:r>
+              <a:rPr lang="de-DE" sz="1200" dirty="0"/>
+              <a:t>Psycho </a:t>
+            </a:r>
+            <a:r>
+              <a:rPr lang="de-DE" sz="1200" dirty="0" err="1"/>
+              <a:t>var</a:t>
+            </a:r>
+            <a:r>
+              <a:rPr lang="de-DE" sz="1200" dirty="0"/>
+              <a:t> = </a:t>
+            </a:r>
+            <a:r>
+              <a:rPr lang="de-DE" sz="1200" dirty="0" err="1"/>
+              <a:t>Preconditioned</a:t>
+            </a:r>
+            <a:r>
+              <a:rPr lang="de-DE" sz="1200" dirty="0"/>
+              <a:t> </a:t>
+            </a:r>
+            <a:r>
+              <a:rPr lang="de-DE" sz="1200" dirty="0" err="1"/>
+              <a:t>vs</a:t>
+            </a:r>
+            <a:r>
+              <a:rPr lang="de-DE" sz="1200" dirty="0"/>
+              <a:t> </a:t>
+            </a:r>
+            <a:r>
+              <a:rPr lang="de-DE" sz="1200" dirty="0" err="1"/>
+              <a:t>conditioned</a:t>
+            </a:r>
+            <a:r>
+              <a:rPr lang="de-DE" sz="1200" dirty="0"/>
+              <a:t> </a:t>
+            </a:r>
+            <a:r>
+              <a:rPr lang="de-DE" sz="1200" dirty="0" err="1"/>
+              <a:t>cues</a:t>
+            </a:r>
+            <a:r>
+              <a:rPr lang="de-DE" sz="1200" dirty="0"/>
+              <a:t>, </a:t>
+            </a:r>
+            <a:r>
+              <a:rPr lang="de-DE" sz="1200" dirty="0" err="1"/>
+              <a:t>physio</a:t>
+            </a:r>
+            <a:r>
+              <a:rPr lang="de-DE" sz="1200" dirty="0"/>
+              <a:t> =fMRI in </a:t>
+            </a:r>
+            <a:r>
+              <a:rPr lang="de-DE" sz="1200" dirty="0" err="1"/>
+              <a:t>mOFC</a:t>
+            </a:r>
+            <a:endParaRPr lang="de-DE" sz="1200" dirty="0"/>
+          </a:p>
+          <a:p>
+            <a:r>
+              <a:rPr lang="de-DE" sz="1800" dirty="0"/>
+              <a:t>Group </a:t>
+            </a:r>
+            <a:r>
+              <a:rPr lang="de-DE" sz="1800" dirty="0" err="1"/>
+              <a:t>level</a:t>
+            </a:r>
+            <a:r>
+              <a:rPr lang="de-DE" sz="1800" dirty="0"/>
+              <a:t> </a:t>
+            </a:r>
+            <a:r>
+              <a:rPr lang="de-DE" sz="1800" dirty="0" err="1"/>
+              <a:t>stats</a:t>
+            </a:r>
+            <a:endParaRPr lang="de-DE" sz="1800" dirty="0"/>
+          </a:p>
+          <a:p>
+            <a:pPr lvl="1"/>
+            <a:r>
+              <a:rPr lang="de-DE" sz="1200" dirty="0" err="1"/>
+              <a:t>One</a:t>
+            </a:r>
+            <a:r>
+              <a:rPr lang="de-DE" sz="1200" dirty="0"/>
+              <a:t> </a:t>
+            </a:r>
+            <a:r>
+              <a:rPr lang="de-DE" sz="1200" dirty="0" err="1"/>
+              <a:t>way</a:t>
+            </a:r>
+            <a:r>
+              <a:rPr lang="de-DE" sz="1200" dirty="0"/>
+              <a:t> ANOVA on </a:t>
+            </a:r>
+            <a:r>
+              <a:rPr lang="de-DE" sz="1200" dirty="0" err="1"/>
+              <a:t>zscored</a:t>
+            </a:r>
+            <a:r>
+              <a:rPr lang="de-DE" sz="1200" dirty="0"/>
+              <a:t> </a:t>
+            </a:r>
+            <a:r>
+              <a:rPr lang="de-DE" sz="1200" dirty="0" err="1"/>
+              <a:t>correlation</a:t>
+            </a:r>
+            <a:r>
+              <a:rPr lang="de-DE" sz="1200" dirty="0"/>
+              <a:t> </a:t>
+            </a:r>
+            <a:r>
+              <a:rPr lang="de-DE" sz="1200" dirty="0" err="1"/>
+              <a:t>differences</a:t>
+            </a:r>
+            <a:r>
+              <a:rPr lang="de-DE" sz="1200" dirty="0"/>
+              <a:t> </a:t>
+            </a:r>
+            <a:r>
+              <a:rPr lang="de-DE" sz="1200" dirty="0" err="1"/>
+              <a:t>between</a:t>
+            </a:r>
+            <a:r>
+              <a:rPr lang="de-DE" sz="1200" dirty="0"/>
+              <a:t> </a:t>
+            </a:r>
+            <a:r>
+              <a:rPr lang="de-DE" sz="1200" dirty="0" err="1"/>
+              <a:t>runs</a:t>
+            </a:r>
+            <a:endParaRPr lang="de-DE" sz="1200" dirty="0"/>
+          </a:p>
+          <a:p>
+            <a:pPr lvl="1"/>
+            <a:r>
+              <a:rPr lang="de-DE" sz="1200" dirty="0" err="1"/>
+              <a:t>Paired</a:t>
+            </a:r>
+            <a:r>
+              <a:rPr lang="de-DE" sz="1200" dirty="0"/>
+              <a:t> t </a:t>
+            </a:r>
+            <a:r>
+              <a:rPr lang="de-DE" sz="1200" dirty="0" err="1"/>
+              <a:t>test</a:t>
+            </a:r>
+            <a:r>
+              <a:rPr lang="de-DE" sz="1200" dirty="0"/>
+              <a:t> </a:t>
+            </a:r>
+            <a:r>
+              <a:rPr lang="de-DE" sz="1200" dirty="0" err="1"/>
+              <a:t>between</a:t>
+            </a:r>
+            <a:r>
+              <a:rPr lang="de-DE" sz="1200" dirty="0"/>
+              <a:t> </a:t>
+            </a:r>
+            <a:r>
+              <a:rPr lang="de-DE" sz="1200" dirty="0" err="1"/>
+              <a:t>pattern</a:t>
+            </a:r>
+            <a:r>
+              <a:rPr lang="de-DE" sz="1200" dirty="0"/>
+              <a:t> </a:t>
+            </a:r>
+            <a:r>
+              <a:rPr lang="de-DE" sz="1200" dirty="0" err="1"/>
+              <a:t>similarity</a:t>
+            </a:r>
+            <a:r>
+              <a:rPr lang="de-DE" sz="1200" dirty="0"/>
+              <a:t> 1st </a:t>
+            </a:r>
+            <a:r>
+              <a:rPr lang="de-DE" sz="1200" dirty="0" err="1"/>
+              <a:t>vs</a:t>
+            </a:r>
+            <a:r>
+              <a:rPr lang="de-DE" sz="1200" dirty="0"/>
+              <a:t> </a:t>
+            </a:r>
+            <a:r>
+              <a:rPr lang="de-DE" sz="1200" dirty="0" err="1"/>
+              <a:t>second</a:t>
+            </a:r>
+            <a:r>
+              <a:rPr lang="de-DE" sz="1200" dirty="0"/>
+              <a:t> half </a:t>
+            </a:r>
+            <a:r>
+              <a:rPr lang="de-DE" sz="1200" dirty="0" err="1"/>
+              <a:t>of</a:t>
+            </a:r>
+            <a:r>
+              <a:rPr lang="de-DE" sz="1200" dirty="0"/>
+              <a:t> </a:t>
+            </a:r>
+            <a:r>
+              <a:rPr lang="de-DE" sz="1200" dirty="0" err="1"/>
+              <a:t>runs</a:t>
+            </a:r>
+            <a:endParaRPr lang="de-DE" sz="1200" dirty="0"/>
+          </a:p>
+          <a:p>
+            <a:pPr lvl="1"/>
+            <a:r>
+              <a:rPr lang="de-DE" sz="1200" dirty="0" err="1"/>
+              <a:t>One</a:t>
+            </a:r>
+            <a:r>
+              <a:rPr lang="de-DE" sz="1200" dirty="0"/>
+              <a:t> sample t </a:t>
+            </a:r>
+            <a:r>
+              <a:rPr lang="de-DE" sz="1200" dirty="0" err="1"/>
+              <a:t>test</a:t>
+            </a:r>
+            <a:r>
+              <a:rPr lang="de-DE" sz="1200" dirty="0"/>
+              <a:t> (</a:t>
+            </a:r>
+            <a:r>
+              <a:rPr lang="de-DE" sz="1200" dirty="0" err="1"/>
+              <a:t>against</a:t>
+            </a:r>
+            <a:r>
+              <a:rPr lang="de-DE" sz="1200" dirty="0"/>
+              <a:t> </a:t>
+            </a:r>
+            <a:r>
+              <a:rPr lang="de-DE" sz="1200" dirty="0" err="1"/>
+              <a:t>zero</a:t>
+            </a:r>
+            <a:r>
+              <a:rPr lang="de-DE" sz="1200" dirty="0"/>
+              <a:t>) </a:t>
+            </a:r>
+            <a:r>
+              <a:rPr lang="de-DE" sz="1200" dirty="0" err="1"/>
+              <a:t>to</a:t>
+            </a:r>
+            <a:r>
+              <a:rPr lang="de-DE" sz="1200" dirty="0"/>
+              <a:t> check </a:t>
+            </a:r>
+            <a:r>
+              <a:rPr lang="de-DE" sz="1200" dirty="0" err="1"/>
+              <a:t>that</a:t>
+            </a:r>
+            <a:r>
+              <a:rPr lang="de-DE" sz="1200" dirty="0"/>
+              <a:t> </a:t>
+            </a:r>
+            <a:r>
+              <a:rPr lang="de-DE" sz="1200" dirty="0" err="1"/>
+              <a:t>increase</a:t>
+            </a:r>
+            <a:r>
+              <a:rPr lang="de-DE" sz="1200" dirty="0"/>
+              <a:t> = linear</a:t>
+            </a:r>
+          </a:p>
+          <a:p>
+            <a:pPr lvl="1"/>
+            <a:r>
+              <a:rPr lang="de-DE" sz="1200" dirty="0" err="1"/>
+              <a:t>One</a:t>
+            </a:r>
+            <a:r>
+              <a:rPr lang="de-DE" sz="1200" dirty="0"/>
+              <a:t> sample t </a:t>
+            </a:r>
+            <a:r>
+              <a:rPr lang="de-DE" sz="1200" dirty="0" err="1"/>
+              <a:t>test</a:t>
+            </a:r>
+            <a:r>
+              <a:rPr lang="de-DE" sz="1200" dirty="0"/>
+              <a:t> on </a:t>
+            </a:r>
+            <a:r>
+              <a:rPr lang="de-DE" sz="1200" dirty="0" err="1"/>
+              <a:t>decoding</a:t>
+            </a:r>
+            <a:r>
+              <a:rPr lang="de-DE" sz="1200" dirty="0"/>
+              <a:t> </a:t>
+            </a:r>
+            <a:r>
+              <a:rPr lang="de-DE" sz="1200" dirty="0" err="1"/>
+              <a:t>accuracy</a:t>
+            </a:r>
+            <a:r>
+              <a:rPr lang="de-DE" sz="1200" dirty="0"/>
+              <a:t> in </a:t>
+            </a:r>
+            <a:r>
+              <a:rPr lang="de-DE" sz="1200" dirty="0" err="1"/>
+              <a:t>each</a:t>
+            </a:r>
+            <a:r>
+              <a:rPr lang="de-DE" sz="1200" dirty="0"/>
+              <a:t> ROI </a:t>
+            </a:r>
+            <a:r>
+              <a:rPr lang="de-DE" sz="1200" dirty="0" err="1"/>
+              <a:t>for</a:t>
+            </a:r>
+            <a:r>
+              <a:rPr lang="de-DE" sz="1200" dirty="0"/>
+              <a:t> probe </a:t>
+            </a:r>
+            <a:r>
+              <a:rPr lang="de-DE" sz="1200" dirty="0" err="1"/>
+              <a:t>test</a:t>
+            </a:r>
+            <a:endParaRPr lang="de-DE" sz="1200" dirty="0"/>
+          </a:p>
+          <a:p>
+            <a:pPr lvl="1"/>
+            <a:r>
+              <a:rPr lang="de-DE" sz="1200" dirty="0" err="1"/>
+              <a:t>One</a:t>
+            </a:r>
+            <a:r>
+              <a:rPr lang="de-DE" sz="1200" dirty="0"/>
+              <a:t> sample t </a:t>
+            </a:r>
+            <a:r>
+              <a:rPr lang="de-DE" sz="1200" dirty="0" err="1"/>
+              <a:t>test</a:t>
+            </a:r>
+            <a:r>
+              <a:rPr lang="de-DE" sz="1200" dirty="0"/>
+              <a:t> (</a:t>
+            </a:r>
+            <a:r>
+              <a:rPr lang="de-DE" sz="1200" dirty="0" err="1"/>
+              <a:t>Voxelwise</a:t>
+            </a:r>
+            <a:r>
+              <a:rPr lang="de-DE" sz="1200" dirty="0"/>
+              <a:t>) on </a:t>
+            </a:r>
+            <a:r>
+              <a:rPr lang="de-DE" sz="1200" dirty="0" err="1"/>
+              <a:t>decoding</a:t>
+            </a:r>
+            <a:r>
+              <a:rPr lang="de-DE" sz="1200" dirty="0"/>
+              <a:t> </a:t>
+            </a:r>
+            <a:r>
+              <a:rPr lang="de-DE" sz="1200" dirty="0" err="1"/>
+              <a:t>accuracy</a:t>
+            </a:r>
+            <a:r>
+              <a:rPr lang="de-DE" sz="1200" dirty="0"/>
+              <a:t> </a:t>
+            </a:r>
+            <a:r>
+              <a:rPr lang="de-DE" sz="1200" dirty="0" err="1"/>
+              <a:t>maps</a:t>
+            </a:r>
+            <a:r>
+              <a:rPr lang="de-DE" sz="1200" dirty="0"/>
+              <a:t> after </a:t>
+            </a:r>
+            <a:r>
+              <a:rPr lang="de-DE" sz="1200" dirty="0" err="1"/>
+              <a:t>searchlight</a:t>
+            </a:r>
+            <a:endParaRPr lang="de-DE" sz="1200" dirty="0"/>
+          </a:p>
+          <a:p>
+            <a:pPr lvl="1"/>
+            <a:r>
+              <a:rPr lang="de-DE" sz="1200" dirty="0" err="1"/>
+              <a:t>One</a:t>
+            </a:r>
+            <a:r>
+              <a:rPr lang="de-DE" sz="1200" dirty="0"/>
+              <a:t> sample t </a:t>
+            </a:r>
+            <a:r>
+              <a:rPr lang="de-DE" sz="1200" dirty="0" err="1"/>
+              <a:t>test</a:t>
+            </a:r>
+            <a:r>
+              <a:rPr lang="de-DE" sz="1200" dirty="0"/>
+              <a:t> on PPI </a:t>
+            </a:r>
+            <a:r>
+              <a:rPr lang="de-DE" sz="1200" dirty="0" err="1"/>
+              <a:t>parameter</a:t>
+            </a:r>
+            <a:r>
+              <a:rPr lang="de-DE" sz="1200" dirty="0"/>
+              <a:t> </a:t>
+            </a:r>
+            <a:r>
+              <a:rPr lang="de-DE" sz="1200" dirty="0" err="1"/>
+              <a:t>estimates</a:t>
+            </a:r>
+            <a:r>
+              <a:rPr lang="de-DE" sz="1200" dirty="0"/>
+              <a:t> </a:t>
+            </a:r>
+            <a:r>
+              <a:rPr lang="de-DE" sz="1200" dirty="0" err="1"/>
+              <a:t>of</a:t>
+            </a:r>
+            <a:r>
+              <a:rPr lang="de-DE" sz="1200" dirty="0"/>
+              <a:t> </a:t>
+            </a:r>
+            <a:r>
+              <a:rPr lang="de-DE" sz="1200" dirty="0" err="1"/>
+              <a:t>regressors</a:t>
+            </a:r>
+            <a:r>
+              <a:rPr lang="de-DE" sz="1200" dirty="0"/>
+              <a:t>, </a:t>
+            </a:r>
+            <a:r>
+              <a:rPr lang="de-DE" sz="1200" dirty="0" err="1"/>
+              <a:t>of</a:t>
+            </a:r>
+            <a:r>
+              <a:rPr lang="de-DE" sz="1200" dirty="0"/>
+              <a:t> </a:t>
+            </a:r>
+            <a:r>
+              <a:rPr lang="de-DE" sz="1200" dirty="0" err="1"/>
+              <a:t>inferred-conditionned</a:t>
+            </a:r>
+            <a:r>
+              <a:rPr lang="de-DE" sz="1200" dirty="0"/>
+              <a:t> </a:t>
+            </a:r>
+            <a:r>
+              <a:rPr lang="de-DE" sz="1200" dirty="0" err="1"/>
+              <a:t>cues</a:t>
+            </a:r>
+            <a:endParaRPr lang="de-DE" sz="1200" dirty="0"/>
+          </a:p>
+          <a:p>
+            <a:pPr lvl="1"/>
+            <a:r>
+              <a:rPr lang="de-DE" sz="1200" dirty="0" err="1"/>
+              <a:t>Significance</a:t>
+            </a:r>
+            <a:r>
+              <a:rPr lang="de-DE" sz="1200" dirty="0"/>
+              <a:t> = .05, </a:t>
+            </a:r>
+            <a:r>
+              <a:rPr lang="de-DE" sz="1200" dirty="0" err="1"/>
+              <a:t>for</a:t>
+            </a:r>
+            <a:r>
+              <a:rPr lang="de-DE" sz="1200" dirty="0"/>
+              <a:t> </a:t>
+            </a:r>
+            <a:r>
+              <a:rPr lang="de-DE" sz="1200" dirty="0" err="1"/>
+              <a:t>decoding</a:t>
+            </a:r>
+            <a:r>
+              <a:rPr lang="de-DE" sz="1200" dirty="0"/>
+              <a:t> </a:t>
+            </a:r>
+            <a:r>
+              <a:rPr lang="de-DE" sz="1200" dirty="0" err="1"/>
+              <a:t>ana</a:t>
+            </a:r>
+            <a:r>
+              <a:rPr lang="de-DE" sz="1200" dirty="0"/>
+              <a:t> 10000 </a:t>
+            </a:r>
+            <a:r>
+              <a:rPr lang="de-DE" sz="1200" dirty="0" err="1"/>
+              <a:t>permutations</a:t>
+            </a:r>
+            <a:r>
+              <a:rPr lang="de-DE" sz="1200" dirty="0"/>
+              <a:t> (</a:t>
+            </a:r>
+            <a:r>
+              <a:rPr lang="de-DE" sz="1200" dirty="0" err="1"/>
+              <a:t>to</a:t>
+            </a:r>
+            <a:r>
+              <a:rPr lang="de-DE" sz="1200" dirty="0"/>
+              <a:t> </a:t>
+            </a:r>
+            <a:r>
+              <a:rPr lang="de-DE" sz="1200" dirty="0" err="1"/>
+              <a:t>determine</a:t>
+            </a:r>
+            <a:r>
+              <a:rPr lang="de-DE" sz="1200" dirty="0"/>
+              <a:t> </a:t>
+            </a:r>
+            <a:r>
+              <a:rPr lang="de-DE" sz="1200" dirty="0" err="1"/>
+              <a:t>empirical</a:t>
+            </a:r>
+            <a:r>
+              <a:rPr lang="de-DE" sz="1200" dirty="0"/>
+              <a:t> </a:t>
+            </a:r>
+            <a:r>
+              <a:rPr lang="de-DE" sz="1200" dirty="0" err="1"/>
+              <a:t>chance</a:t>
+            </a:r>
+            <a:r>
+              <a:rPr lang="de-DE" sz="1200" dirty="0"/>
+              <a:t> </a:t>
+            </a:r>
+            <a:r>
+              <a:rPr lang="de-DE" sz="1200" dirty="0" err="1"/>
+              <a:t>level</a:t>
+            </a:r>
+            <a:r>
+              <a:rPr lang="de-DE" sz="1200" dirty="0"/>
+              <a:t>), FWE at </a:t>
+            </a:r>
+            <a:r>
+              <a:rPr lang="de-DE" sz="1200" dirty="0" err="1"/>
+              <a:t>the</a:t>
+            </a:r>
+            <a:r>
+              <a:rPr lang="de-DE" sz="1200" dirty="0"/>
+              <a:t> </a:t>
+            </a:r>
+            <a:r>
+              <a:rPr lang="de-DE" sz="1200" dirty="0" err="1"/>
+              <a:t>voxel</a:t>
+            </a:r>
+            <a:r>
+              <a:rPr lang="de-DE" sz="1200" dirty="0"/>
+              <a:t> </a:t>
+            </a:r>
+            <a:r>
+              <a:rPr lang="de-DE" sz="1200" dirty="0" err="1"/>
+              <a:t>level</a:t>
+            </a:r>
+            <a:r>
+              <a:rPr lang="de-DE" sz="1200" dirty="0"/>
+              <a:t> </a:t>
+            </a:r>
+            <a:r>
+              <a:rPr lang="de-DE" sz="1200" dirty="0" err="1"/>
+              <a:t>for</a:t>
+            </a:r>
+            <a:r>
+              <a:rPr lang="de-DE" sz="1200" dirty="0"/>
+              <a:t> PPI, and </a:t>
+            </a:r>
+            <a:r>
+              <a:rPr lang="de-DE" sz="1200" dirty="0" err="1"/>
+              <a:t>other</a:t>
+            </a:r>
+            <a:r>
+              <a:rPr lang="de-DE" sz="1200" dirty="0"/>
+              <a:t> </a:t>
+            </a:r>
+            <a:r>
+              <a:rPr lang="de-DE" sz="1200" dirty="0" err="1"/>
+              <a:t>voxelwise</a:t>
+            </a:r>
+            <a:r>
+              <a:rPr lang="de-DE" sz="1200" dirty="0"/>
+              <a:t> </a:t>
+            </a:r>
+            <a:r>
+              <a:rPr lang="de-DE" sz="1200" dirty="0" err="1"/>
+              <a:t>tests</a:t>
+            </a:r>
+            <a:r>
+              <a:rPr lang="de-DE" sz="1200" dirty="0"/>
+              <a:t>, </a:t>
+            </a:r>
+            <a:r>
+              <a:rPr lang="de-DE" sz="1200" dirty="0" err="1"/>
+              <a:t>whole</a:t>
+            </a:r>
+            <a:r>
+              <a:rPr lang="de-DE" sz="1200" dirty="0"/>
+              <a:t> </a:t>
+            </a:r>
+            <a:r>
+              <a:rPr lang="de-DE" sz="1200" dirty="0" err="1"/>
+              <a:t>brain</a:t>
+            </a:r>
+            <a:r>
+              <a:rPr lang="de-DE" sz="1200" dirty="0"/>
+              <a:t> FWE </a:t>
+            </a:r>
+            <a:r>
+              <a:rPr lang="de-DE" sz="1200" dirty="0" err="1"/>
+              <a:t>for</a:t>
+            </a:r>
+            <a:r>
+              <a:rPr lang="de-DE" sz="1200" dirty="0"/>
+              <a:t> </a:t>
+            </a:r>
+            <a:r>
+              <a:rPr lang="de-DE" sz="1200" dirty="0" err="1"/>
+              <a:t>searchlight</a:t>
+            </a:r>
+            <a:r>
+              <a:rPr lang="de-DE" sz="1200" dirty="0"/>
+              <a:t>, Green-Geisser </a:t>
+            </a:r>
+            <a:r>
+              <a:rPr lang="de-DE" sz="1200" dirty="0" err="1"/>
+              <a:t>correction</a:t>
+            </a:r>
+            <a:r>
+              <a:rPr lang="de-DE" sz="1200" dirty="0"/>
+              <a:t> </a:t>
+            </a:r>
+            <a:r>
+              <a:rPr lang="de-DE" sz="1200" dirty="0" err="1"/>
+              <a:t>for</a:t>
+            </a:r>
+            <a:r>
+              <a:rPr lang="de-DE" sz="1200" dirty="0"/>
+              <a:t> ANOVA</a:t>
+            </a:r>
           </a:p>
         </p:txBody>
       </p:sp>
@@ -5386,6 +7941,2399 @@
     <p:extLst>
       <p:ext uri="{BB962C8B-B14F-4D97-AF65-F5344CB8AC3E}">
         <p14:creationId xmlns:p14="http://schemas.microsoft.com/office/powerpoint/2010/main" val="4223680838"/>
+      </p:ext>
+    </p:extLst>
+  </p:cSld>
+  <p:clrMapOvr>
+    <a:masterClrMapping/>
+  </p:clrMapOvr>
+</p:sld>
+</file>
+
+<file path=ppt/slides/slide4.xml><?xml version="1.0" encoding="utf-8"?>
+<p:sld xmlns:a="http://schemas.openxmlformats.org/drawingml/2006/main" xmlns:r="http://schemas.openxmlformats.org/officeDocument/2006/relationships" xmlns:p="http://schemas.openxmlformats.org/presentationml/2006/main">
+  <p:cSld>
+    <p:spTree>
+      <p:nvGrpSpPr>
+        <p:cNvPr id="1" name=""/>
+        <p:cNvGrpSpPr/>
+        <p:nvPr/>
+      </p:nvGrpSpPr>
+      <p:grpSpPr>
+        <a:xfrm>
+          <a:off x="0" y="0"/>
+          <a:ext cx="0" cy="0"/>
+          <a:chOff x="0" y="0"/>
+          <a:chExt cx="0" cy="0"/>
+        </a:xfrm>
+      </p:grpSpPr>
+      <p:sp>
+        <p:nvSpPr>
+          <p:cNvPr id="2" name="Titre 1">
+            <a:extLst>
+              <a:ext uri="{FF2B5EF4-FFF2-40B4-BE49-F238E27FC236}">
+                <a16:creationId xmlns:a16="http://schemas.microsoft.com/office/drawing/2014/main" id="{5619AA48-8E76-4DA5-B453-F81CB8CB7D5B}"/>
+              </a:ext>
+            </a:extLst>
+          </p:cNvPr>
+          <p:cNvSpPr>
+            <a:spLocks noGrp="1"/>
+          </p:cNvSpPr>
+          <p:nvPr>
+            <p:ph type="title"/>
+          </p:nvPr>
+        </p:nvSpPr>
+        <p:spPr>
+          <a:xfrm>
+            <a:off x="457200" y="146115"/>
+            <a:ext cx="3287486" cy="375104"/>
+          </a:xfrm>
+        </p:spPr>
+        <p:txBody>
+          <a:bodyPr>
+            <a:normAutofit/>
+          </a:bodyPr>
+          <a:lstStyle/>
+          <a:p>
+            <a:r>
+              <a:rPr lang="fr-FR" sz="2000" dirty="0" err="1"/>
+              <a:t>Zeithamova</a:t>
+            </a:r>
+            <a:r>
+              <a:rPr lang="fr-FR" sz="2000" dirty="0"/>
+              <a:t> 2012</a:t>
+            </a:r>
+          </a:p>
+        </p:txBody>
+      </p:sp>
+      <p:sp>
+        <p:nvSpPr>
+          <p:cNvPr id="3" name="Espace réservé du contenu 2">
+            <a:extLst>
+              <a:ext uri="{FF2B5EF4-FFF2-40B4-BE49-F238E27FC236}">
+                <a16:creationId xmlns:a16="http://schemas.microsoft.com/office/drawing/2014/main" id="{11AECA23-ACD8-4911-8D85-CDC8B8BB490D}"/>
+              </a:ext>
+            </a:extLst>
+          </p:cNvPr>
+          <p:cNvSpPr>
+            <a:spLocks noGrp="1"/>
+          </p:cNvSpPr>
+          <p:nvPr>
+            <p:ph idx="1"/>
+          </p:nvPr>
+        </p:nvSpPr>
+        <p:spPr>
+          <a:xfrm>
+            <a:off x="838200" y="736599"/>
+            <a:ext cx="10756769" cy="5657785"/>
+          </a:xfrm>
+        </p:spPr>
+        <p:txBody>
+          <a:bodyPr numCol="2">
+            <a:noAutofit/>
+          </a:bodyPr>
+          <a:lstStyle/>
+          <a:p>
+            <a:r>
+              <a:rPr lang="de-DE" sz="1800" dirty="0" err="1"/>
+              <a:t>Preprocessing</a:t>
+            </a:r>
+            <a:endParaRPr lang="de-DE" sz="1800" dirty="0"/>
+          </a:p>
+          <a:p>
+            <a:pPr lvl="1"/>
+            <a:r>
+              <a:rPr lang="de-DE" sz="1400" dirty="0"/>
+              <a:t>Sinc </a:t>
+            </a:r>
+            <a:r>
+              <a:rPr lang="de-DE" sz="1400" dirty="0" err="1"/>
+              <a:t>interpolation</a:t>
+            </a:r>
+            <a:r>
+              <a:rPr lang="de-DE" sz="1400" dirty="0"/>
+              <a:t> and </a:t>
+            </a:r>
+            <a:r>
+              <a:rPr lang="de-DE" sz="1400" dirty="0" err="1"/>
+              <a:t>resampling</a:t>
+            </a:r>
+            <a:r>
+              <a:rPr lang="de-DE" sz="1400" dirty="0"/>
+              <a:t> </a:t>
+            </a:r>
+            <a:r>
+              <a:rPr lang="de-DE" sz="1400" dirty="0" err="1"/>
+              <a:t>using</a:t>
+            </a:r>
+            <a:r>
+              <a:rPr lang="de-DE" sz="1400" dirty="0"/>
+              <a:t> </a:t>
+            </a:r>
+            <a:r>
+              <a:rPr lang="de-DE" sz="1400" dirty="0" err="1"/>
+              <a:t>first</a:t>
+            </a:r>
+            <a:r>
+              <a:rPr lang="de-DE" sz="1400" dirty="0"/>
+              <a:t> slice </a:t>
+            </a:r>
+            <a:r>
+              <a:rPr lang="de-DE" sz="1400" dirty="0" err="1"/>
+              <a:t>as</a:t>
+            </a:r>
+            <a:r>
+              <a:rPr lang="de-DE" sz="1400" dirty="0"/>
+              <a:t> </a:t>
+            </a:r>
+            <a:r>
+              <a:rPr lang="de-DE" sz="1400" dirty="0" err="1"/>
+              <a:t>reference</a:t>
+            </a:r>
+            <a:r>
+              <a:rPr lang="de-DE" sz="1400" dirty="0"/>
+              <a:t> </a:t>
+            </a:r>
+            <a:r>
+              <a:rPr lang="de-DE" sz="1400" dirty="0" err="1"/>
+              <a:t>point</a:t>
+            </a:r>
+            <a:r>
+              <a:rPr lang="de-DE" sz="1400" dirty="0"/>
+              <a:t> </a:t>
+            </a:r>
+            <a:r>
+              <a:rPr lang="de-DE" sz="1400" dirty="0" err="1"/>
+              <a:t>to</a:t>
+            </a:r>
+            <a:r>
+              <a:rPr lang="de-DE" sz="1400" dirty="0"/>
+              <a:t> </a:t>
+            </a:r>
+            <a:r>
+              <a:rPr lang="de-DE" sz="1400" dirty="0" err="1"/>
+              <a:t>account</a:t>
+            </a:r>
+            <a:r>
+              <a:rPr lang="de-DE" sz="1400" dirty="0"/>
+              <a:t> </a:t>
+            </a:r>
+            <a:r>
+              <a:rPr lang="de-DE" sz="1400" dirty="0" err="1"/>
+              <a:t>for</a:t>
+            </a:r>
+            <a:r>
+              <a:rPr lang="de-DE" sz="1400" dirty="0"/>
+              <a:t> </a:t>
+            </a:r>
+            <a:r>
+              <a:rPr lang="de-DE" sz="1400" dirty="0" err="1"/>
+              <a:t>diff</a:t>
+            </a:r>
+            <a:r>
+              <a:rPr lang="de-DE" sz="1400" dirty="0"/>
+              <a:t> in slice </a:t>
+            </a:r>
+            <a:r>
+              <a:rPr lang="de-DE" sz="1400" dirty="0" err="1"/>
+              <a:t>acquisition</a:t>
+            </a:r>
+            <a:r>
+              <a:rPr lang="de-DE" sz="1400" dirty="0"/>
+              <a:t> </a:t>
+            </a:r>
+            <a:r>
+              <a:rPr lang="de-DE" sz="1400" dirty="0" err="1"/>
+              <a:t>times</a:t>
+            </a:r>
+            <a:endParaRPr lang="de-DE" sz="1400" dirty="0"/>
+          </a:p>
+          <a:p>
+            <a:pPr lvl="1"/>
+            <a:r>
+              <a:rPr lang="de-DE" sz="1400" dirty="0" err="1"/>
+              <a:t>Realign</a:t>
+            </a:r>
+            <a:r>
+              <a:rPr lang="de-DE" sz="1400" dirty="0"/>
+              <a:t> slice </a:t>
+            </a:r>
+            <a:r>
+              <a:rPr lang="de-DE" sz="1400" dirty="0" err="1"/>
+              <a:t>to</a:t>
+            </a:r>
+            <a:r>
+              <a:rPr lang="de-DE" sz="1400" dirty="0"/>
+              <a:t> </a:t>
+            </a:r>
+            <a:r>
+              <a:rPr lang="de-DE" sz="1400" dirty="0" err="1"/>
+              <a:t>forst</a:t>
+            </a:r>
+            <a:r>
+              <a:rPr lang="de-DE" sz="1400" dirty="0"/>
+              <a:t> </a:t>
+            </a:r>
+            <a:r>
+              <a:rPr lang="de-DE" sz="1400" dirty="0" err="1"/>
+              <a:t>volume</a:t>
+            </a:r>
+            <a:r>
+              <a:rPr lang="de-DE" sz="1400" dirty="0"/>
+              <a:t>, and </a:t>
+            </a:r>
+            <a:r>
+              <a:rPr lang="de-DE" sz="1400" dirty="0" err="1"/>
+              <a:t>corregistered</a:t>
+            </a:r>
+            <a:r>
+              <a:rPr lang="de-DE" sz="1400" dirty="0"/>
+              <a:t> </a:t>
+            </a:r>
+            <a:r>
+              <a:rPr lang="de-DE" sz="1400" dirty="0" err="1"/>
+              <a:t>to</a:t>
+            </a:r>
+            <a:r>
+              <a:rPr lang="de-DE" sz="1400" dirty="0"/>
+              <a:t> T2 </a:t>
+            </a:r>
+            <a:r>
+              <a:rPr lang="de-DE" sz="1400" dirty="0" err="1"/>
+              <a:t>structurql</a:t>
+            </a:r>
+            <a:r>
+              <a:rPr lang="de-DE" sz="1400" dirty="0"/>
+              <a:t> </a:t>
+            </a:r>
+            <a:r>
+              <a:rPr lang="de-DE" sz="1400" dirty="0" err="1"/>
+              <a:t>image</a:t>
+            </a:r>
+            <a:endParaRPr lang="de-DE" sz="1400" dirty="0"/>
+          </a:p>
+          <a:p>
+            <a:pPr lvl="1"/>
+            <a:r>
+              <a:rPr lang="de-DE" sz="1400" dirty="0"/>
+              <a:t>All in native </a:t>
+            </a:r>
+            <a:r>
+              <a:rPr lang="de-DE" sz="1400" dirty="0" err="1"/>
+              <a:t>space</a:t>
+            </a:r>
+            <a:r>
+              <a:rPr lang="de-DE" sz="1400" dirty="0"/>
+              <a:t>, </a:t>
+            </a:r>
+            <a:r>
+              <a:rPr lang="de-DE" sz="1400" dirty="0" err="1"/>
+              <a:t>no</a:t>
+            </a:r>
+            <a:r>
+              <a:rPr lang="de-DE" sz="1400" dirty="0"/>
+              <a:t> </a:t>
+            </a:r>
+            <a:r>
+              <a:rPr lang="de-DE" sz="1400" dirty="0" err="1"/>
+              <a:t>smoothing</a:t>
+            </a:r>
+            <a:endParaRPr lang="de-DE" sz="1400" dirty="0"/>
+          </a:p>
+          <a:p>
+            <a:r>
+              <a:rPr lang="de-DE" sz="1800" dirty="0"/>
+              <a:t>MVPA </a:t>
+            </a:r>
+            <a:r>
+              <a:rPr lang="de-DE" sz="1800" dirty="0" err="1"/>
+              <a:t>classification</a:t>
+            </a:r>
+            <a:endParaRPr lang="de-DE" sz="1800" dirty="0"/>
+          </a:p>
+          <a:p>
+            <a:pPr lvl="1"/>
+            <a:r>
+              <a:rPr lang="de-DE" sz="1400" dirty="0"/>
+              <a:t>Princeton </a:t>
+            </a:r>
+            <a:r>
+              <a:rPr lang="de-DE" sz="1400" dirty="0" err="1"/>
+              <a:t>mvpa</a:t>
+            </a:r>
+            <a:r>
+              <a:rPr lang="de-DE" sz="1400" dirty="0"/>
+              <a:t> </a:t>
+            </a:r>
+            <a:r>
+              <a:rPr lang="de-DE" sz="1400" dirty="0" err="1"/>
+              <a:t>toolbox</a:t>
+            </a:r>
+            <a:r>
+              <a:rPr lang="de-DE" sz="1400" dirty="0"/>
+              <a:t>, </a:t>
+            </a:r>
+            <a:r>
+              <a:rPr lang="de-DE" sz="1400" dirty="0" err="1"/>
+              <a:t>trained</a:t>
+            </a:r>
+            <a:r>
+              <a:rPr lang="de-DE" sz="1400" dirty="0"/>
+              <a:t> on </a:t>
+            </a:r>
+            <a:r>
+              <a:rPr lang="de-DE" sz="1400" dirty="0" err="1"/>
+              <a:t>localizer</a:t>
+            </a:r>
+            <a:endParaRPr lang="de-DE" sz="1400" dirty="0"/>
+          </a:p>
+          <a:p>
+            <a:pPr lvl="1"/>
+            <a:r>
+              <a:rPr lang="de-DE" sz="1400" dirty="0"/>
+              <a:t>Ventral temporal lobe </a:t>
+            </a:r>
+            <a:r>
+              <a:rPr lang="de-DE" sz="1400" dirty="0" err="1"/>
+              <a:t>mask</a:t>
+            </a:r>
+            <a:r>
+              <a:rPr lang="de-DE" sz="1400" dirty="0"/>
+              <a:t> (</a:t>
+            </a:r>
+            <a:r>
+              <a:rPr lang="de-DE" sz="1400" dirty="0" err="1"/>
+              <a:t>visually</a:t>
+            </a:r>
+            <a:r>
+              <a:rPr lang="de-DE" sz="1400" dirty="0"/>
+              <a:t> </a:t>
+            </a:r>
+            <a:r>
+              <a:rPr lang="de-DE" sz="1400" dirty="0" err="1"/>
+              <a:t>selective</a:t>
+            </a:r>
+            <a:r>
+              <a:rPr lang="de-DE" sz="1400" dirty="0"/>
+              <a:t> </a:t>
+            </a:r>
+            <a:r>
+              <a:rPr lang="de-DE" sz="1400" dirty="0" err="1"/>
+              <a:t>areas</a:t>
+            </a:r>
+            <a:r>
+              <a:rPr lang="de-DE" sz="1400" dirty="0"/>
+              <a:t>) = </a:t>
+            </a:r>
+            <a:r>
+              <a:rPr lang="de-DE" sz="1400" dirty="0" err="1"/>
+              <a:t>inferotemporal</a:t>
+            </a:r>
+            <a:r>
+              <a:rPr lang="de-DE" sz="1400" dirty="0"/>
+              <a:t> </a:t>
+            </a:r>
+            <a:r>
+              <a:rPr lang="de-DE" sz="1400" dirty="0" err="1"/>
+              <a:t>cortex</a:t>
+            </a:r>
+            <a:r>
+              <a:rPr lang="de-DE" sz="1400" dirty="0"/>
+              <a:t>, fusiform </a:t>
+            </a:r>
+            <a:r>
+              <a:rPr lang="de-DE" sz="1400" dirty="0" err="1"/>
+              <a:t>gyrus</a:t>
+            </a:r>
+            <a:r>
+              <a:rPr lang="de-DE" sz="1400" dirty="0"/>
+              <a:t> and </a:t>
+            </a:r>
+            <a:r>
+              <a:rPr lang="de-DE" sz="1400" dirty="0" err="1"/>
+              <a:t>parahippo</a:t>
+            </a:r>
+            <a:r>
+              <a:rPr lang="de-DE" sz="1400" dirty="0"/>
+              <a:t> </a:t>
+            </a:r>
+            <a:r>
+              <a:rPr lang="de-DE" sz="1400" dirty="0" err="1"/>
+              <a:t>gyrus</a:t>
+            </a:r>
+            <a:r>
+              <a:rPr lang="de-DE" sz="1400" dirty="0"/>
+              <a:t>, </a:t>
+            </a:r>
+            <a:r>
+              <a:rPr lang="de-DE" sz="1400" dirty="0" err="1"/>
+              <a:t>from</a:t>
+            </a:r>
+            <a:r>
+              <a:rPr lang="de-DE" sz="1400" dirty="0"/>
+              <a:t> </a:t>
+            </a:r>
+            <a:r>
+              <a:rPr lang="de-DE" sz="1400" dirty="0" err="1"/>
+              <a:t>freesurfer</a:t>
+            </a:r>
+            <a:r>
+              <a:rPr lang="de-DE" sz="1400" dirty="0"/>
+              <a:t> </a:t>
+            </a:r>
+            <a:r>
+              <a:rPr lang="de-DE" sz="1400" dirty="0" err="1"/>
+              <a:t>parcellation</a:t>
+            </a:r>
+            <a:endParaRPr lang="de-DE" sz="1400" dirty="0"/>
+          </a:p>
+          <a:p>
+            <a:pPr lvl="1"/>
+            <a:r>
+              <a:rPr lang="de-DE" sz="1400" dirty="0"/>
+              <a:t>Regressor </a:t>
+            </a:r>
+            <a:r>
+              <a:rPr lang="de-DE" sz="1400" dirty="0" err="1"/>
+              <a:t>matrix</a:t>
+            </a:r>
+            <a:r>
+              <a:rPr lang="de-DE" sz="1400" dirty="0"/>
+              <a:t> = </a:t>
+            </a:r>
+            <a:r>
+              <a:rPr lang="de-DE" sz="1400" dirty="0" err="1"/>
+              <a:t>repetition</a:t>
+            </a:r>
+            <a:r>
+              <a:rPr lang="de-DE" sz="1400" dirty="0"/>
+              <a:t> </a:t>
+            </a:r>
+            <a:r>
+              <a:rPr lang="de-DE" sz="1400" dirty="0" err="1"/>
+              <a:t>nb</a:t>
+            </a:r>
+            <a:r>
+              <a:rPr lang="de-DE" sz="1400" dirty="0"/>
+              <a:t> (1-3), </a:t>
+            </a:r>
+            <a:r>
+              <a:rPr lang="de-DE" sz="1400" dirty="0" err="1"/>
+              <a:t>triad</a:t>
+            </a:r>
+            <a:r>
+              <a:rPr lang="de-DE" sz="1400" dirty="0"/>
+              <a:t> type (OOO, OOS), on 36 time </a:t>
+            </a:r>
+            <a:r>
+              <a:rPr lang="de-DE" sz="1400" dirty="0" err="1"/>
+              <a:t>points</a:t>
+            </a:r>
+            <a:r>
+              <a:rPr lang="de-DE" sz="1400" dirty="0"/>
+              <a:t> (w a 6s shift </a:t>
+            </a:r>
+            <a:r>
+              <a:rPr lang="de-DE" sz="1400" dirty="0" err="1"/>
+              <a:t>to</a:t>
+            </a:r>
+            <a:r>
+              <a:rPr lang="de-DE" sz="1400" dirty="0"/>
+              <a:t> </a:t>
+            </a:r>
+            <a:r>
+              <a:rPr lang="de-DE" sz="1400" dirty="0" err="1"/>
+              <a:t>account</a:t>
+            </a:r>
+            <a:r>
+              <a:rPr lang="de-DE" sz="1400" dirty="0"/>
+              <a:t> </a:t>
+            </a:r>
+            <a:r>
+              <a:rPr lang="de-DE" sz="1400" dirty="0" err="1"/>
+              <a:t>for</a:t>
+            </a:r>
+            <a:r>
+              <a:rPr lang="de-DE" sz="1400" dirty="0"/>
+              <a:t> </a:t>
+            </a:r>
+            <a:r>
+              <a:rPr lang="de-DE" sz="1400" dirty="0" err="1"/>
+              <a:t>hemodynamic</a:t>
+            </a:r>
+            <a:r>
+              <a:rPr lang="de-DE" sz="1400" dirty="0"/>
+              <a:t> lag)</a:t>
+            </a:r>
+          </a:p>
+          <a:p>
+            <a:pPr lvl="1"/>
+            <a:r>
+              <a:rPr lang="de-DE" sz="1400" dirty="0"/>
+              <a:t>Average </a:t>
+            </a:r>
+            <a:r>
+              <a:rPr lang="de-DE" sz="1400" dirty="0" err="1"/>
+              <a:t>classifier</a:t>
+            </a:r>
+            <a:r>
+              <a:rPr lang="de-DE" sz="1400" dirty="0"/>
+              <a:t> </a:t>
+            </a:r>
+            <a:r>
+              <a:rPr lang="de-DE" sz="1400" dirty="0" err="1"/>
+              <a:t>output</a:t>
+            </a:r>
+            <a:r>
+              <a:rPr lang="de-DE" sz="1400" dirty="0"/>
+              <a:t> </a:t>
+            </a:r>
+            <a:r>
+              <a:rPr lang="de-DE" sz="1400" dirty="0" err="1"/>
+              <a:t>by</a:t>
+            </a:r>
+            <a:r>
+              <a:rPr lang="de-DE" sz="1400" dirty="0"/>
+              <a:t> </a:t>
+            </a:r>
+            <a:r>
+              <a:rPr lang="de-DE" sz="1400" dirty="0" err="1"/>
+              <a:t>condition</a:t>
+            </a:r>
+            <a:endParaRPr lang="de-DE" sz="1400" dirty="0"/>
+          </a:p>
+          <a:p>
+            <a:pPr lvl="1"/>
+            <a:r>
+              <a:rPr lang="de-DE" sz="1400" b="1" dirty="0" err="1"/>
+              <a:t>Reactivation</a:t>
+            </a:r>
+            <a:r>
+              <a:rPr lang="de-DE" sz="1400" b="1" dirty="0"/>
+              <a:t> = </a:t>
+            </a:r>
+            <a:r>
+              <a:rPr lang="de-DE" sz="1400" b="1" dirty="0" err="1"/>
+              <a:t>output</a:t>
+            </a:r>
+            <a:r>
+              <a:rPr lang="de-DE" sz="1400" b="1" dirty="0"/>
+              <a:t> OOS – </a:t>
+            </a:r>
+            <a:r>
+              <a:rPr lang="de-DE" sz="1400" b="1" dirty="0" err="1"/>
+              <a:t>output</a:t>
+            </a:r>
+            <a:r>
+              <a:rPr lang="de-DE" sz="1400" b="1" dirty="0"/>
+              <a:t> OOS</a:t>
+            </a:r>
+          </a:p>
+          <a:p>
+            <a:r>
+              <a:rPr lang="de-DE" sz="1800" dirty="0"/>
+              <a:t>ROI </a:t>
+            </a:r>
+            <a:r>
+              <a:rPr lang="de-DE" sz="1800" dirty="0" err="1"/>
+              <a:t>activation</a:t>
+            </a:r>
+            <a:r>
+              <a:rPr lang="de-DE" sz="1800" dirty="0"/>
+              <a:t> </a:t>
+            </a:r>
+            <a:r>
+              <a:rPr lang="de-DE" sz="1800" dirty="0" err="1"/>
+              <a:t>change</a:t>
+            </a:r>
+            <a:r>
+              <a:rPr lang="de-DE" sz="1800" dirty="0"/>
+              <a:t> </a:t>
+            </a:r>
+            <a:r>
+              <a:rPr lang="de-DE" sz="1800" dirty="0" err="1"/>
+              <a:t>correl</a:t>
+            </a:r>
+            <a:r>
+              <a:rPr lang="de-DE" sz="1800" dirty="0"/>
+              <a:t> w/ </a:t>
+            </a:r>
+            <a:r>
+              <a:rPr lang="de-DE" sz="1800" dirty="0" err="1"/>
+              <a:t>reactivation</a:t>
+            </a:r>
+            <a:r>
+              <a:rPr lang="de-DE" sz="1800" dirty="0"/>
+              <a:t> </a:t>
+            </a:r>
+            <a:r>
+              <a:rPr lang="de-DE" sz="1800" dirty="0" err="1"/>
+              <a:t>index</a:t>
+            </a:r>
+            <a:r>
+              <a:rPr lang="de-DE" sz="1800" dirty="0"/>
+              <a:t> and AC </a:t>
+            </a:r>
+            <a:r>
+              <a:rPr lang="de-DE" sz="1800" dirty="0" err="1"/>
+              <a:t>perf</a:t>
+            </a:r>
+            <a:r>
+              <a:rPr lang="de-DE" sz="1800" dirty="0"/>
+              <a:t> </a:t>
+            </a:r>
+          </a:p>
+          <a:p>
+            <a:pPr lvl="1"/>
+            <a:r>
+              <a:rPr lang="de-DE" sz="1400" dirty="0" err="1"/>
+              <a:t>analysis</a:t>
+            </a:r>
+            <a:r>
+              <a:rPr lang="de-DE" sz="1400" dirty="0"/>
+              <a:t> (MTL and VMPFC) </a:t>
+            </a:r>
+            <a:r>
+              <a:rPr lang="de-DE" sz="1400" dirty="0" err="1"/>
+              <a:t>corr</a:t>
+            </a:r>
+            <a:r>
+              <a:rPr lang="de-DE" sz="1400" dirty="0"/>
+              <a:t> + </a:t>
+            </a:r>
+            <a:r>
+              <a:rPr lang="de-DE" sz="1400" dirty="0" err="1"/>
+              <a:t>other</a:t>
+            </a:r>
+            <a:r>
+              <a:rPr lang="de-DE" sz="1400" dirty="0"/>
+              <a:t> ROIs </a:t>
+            </a:r>
+            <a:r>
+              <a:rPr lang="de-DE" sz="1400" dirty="0" err="1"/>
+              <a:t>as</a:t>
+            </a:r>
+            <a:r>
+              <a:rPr lang="de-DE" sz="1400" dirty="0"/>
+              <a:t> </a:t>
+            </a:r>
+            <a:r>
+              <a:rPr lang="de-DE" sz="1400" dirty="0" err="1"/>
+              <a:t>control</a:t>
+            </a:r>
+            <a:endParaRPr lang="de-DE" sz="1400" dirty="0"/>
+          </a:p>
+          <a:p>
+            <a:r>
+              <a:rPr lang="de-DE" sz="1800" dirty="0" err="1"/>
+              <a:t>Functional</a:t>
+            </a:r>
+            <a:r>
+              <a:rPr lang="de-DE" sz="1800" dirty="0"/>
+              <a:t> </a:t>
+            </a:r>
+            <a:r>
+              <a:rPr lang="de-DE" sz="1800" dirty="0" err="1"/>
+              <a:t>connectivity</a:t>
+            </a:r>
+            <a:r>
+              <a:rPr lang="de-DE" sz="1800" dirty="0"/>
+              <a:t> w/ </a:t>
+            </a:r>
+            <a:r>
+              <a:rPr lang="de-DE" sz="1800" dirty="0" err="1"/>
+              <a:t>hippo</a:t>
+            </a:r>
+            <a:r>
+              <a:rPr lang="de-DE" sz="1800" dirty="0"/>
+              <a:t> </a:t>
+            </a:r>
+            <a:r>
+              <a:rPr lang="de-DE" sz="1800" dirty="0" err="1"/>
+              <a:t>as</a:t>
+            </a:r>
+            <a:r>
+              <a:rPr lang="de-DE" sz="1800" dirty="0"/>
+              <a:t> </a:t>
+            </a:r>
+            <a:r>
+              <a:rPr lang="de-DE" sz="1800" dirty="0" err="1"/>
+              <a:t>seed</a:t>
+            </a:r>
+            <a:endParaRPr lang="de-DE" sz="1800" dirty="0"/>
+          </a:p>
+          <a:p>
+            <a:pPr lvl="1"/>
+            <a:r>
+              <a:rPr lang="de-DE" sz="1400" dirty="0"/>
+              <a:t>By </a:t>
+            </a:r>
+            <a:r>
+              <a:rPr lang="de-DE" sz="1400" dirty="0" err="1"/>
+              <a:t>run</a:t>
+            </a:r>
+            <a:r>
+              <a:rPr lang="de-DE" sz="1400" dirty="0"/>
+              <a:t>/</a:t>
+            </a:r>
+            <a:r>
+              <a:rPr lang="de-DE" sz="1400" dirty="0" err="1"/>
+              <a:t>repetition</a:t>
+            </a:r>
+            <a:endParaRPr lang="de-DE" sz="1400" dirty="0"/>
+          </a:p>
+          <a:p>
+            <a:pPr lvl="1"/>
+            <a:r>
+              <a:rPr lang="de-DE" sz="1400" dirty="0" err="1"/>
+              <a:t>Repeated</a:t>
+            </a:r>
+            <a:r>
+              <a:rPr lang="de-DE" sz="1400" dirty="0"/>
+              <a:t> </a:t>
+            </a:r>
+            <a:r>
+              <a:rPr lang="de-DE" sz="1400" dirty="0" err="1"/>
+              <a:t>measure</a:t>
+            </a:r>
+            <a:r>
+              <a:rPr lang="de-DE" sz="1400" dirty="0"/>
+              <a:t> ANOVA on </a:t>
+            </a:r>
+            <a:r>
+              <a:rPr lang="de-DE" sz="1400" dirty="0" err="1"/>
+              <a:t>result</a:t>
+            </a:r>
+            <a:endParaRPr lang="de-DE" sz="1400" dirty="0"/>
+          </a:p>
+          <a:p>
+            <a:pPr lvl="1"/>
+            <a:endParaRPr lang="de-DE" sz="1400" dirty="0"/>
+          </a:p>
+        </p:txBody>
+      </p:sp>
+    </p:spTree>
+    <p:extLst>
+      <p:ext uri="{BB962C8B-B14F-4D97-AF65-F5344CB8AC3E}">
+        <p14:creationId xmlns:p14="http://schemas.microsoft.com/office/powerpoint/2010/main" val="3043180694"/>
+      </p:ext>
+    </p:extLst>
+  </p:cSld>
+  <p:clrMapOvr>
+    <a:masterClrMapping/>
+  </p:clrMapOvr>
+</p:sld>
+</file>
+
+<file path=ppt/slides/slide5.xml><?xml version="1.0" encoding="utf-8"?>
+<p:sld xmlns:a="http://schemas.openxmlformats.org/drawingml/2006/main" xmlns:r="http://schemas.openxmlformats.org/officeDocument/2006/relationships" xmlns:p="http://schemas.openxmlformats.org/presentationml/2006/main">
+  <p:cSld>
+    <p:spTree>
+      <p:nvGrpSpPr>
+        <p:cNvPr id="1" name=""/>
+        <p:cNvGrpSpPr/>
+        <p:nvPr/>
+      </p:nvGrpSpPr>
+      <p:grpSpPr>
+        <a:xfrm>
+          <a:off x="0" y="0"/>
+          <a:ext cx="0" cy="0"/>
+          <a:chOff x="0" y="0"/>
+          <a:chExt cx="0" cy="0"/>
+        </a:xfrm>
+      </p:grpSpPr>
+      <p:sp>
+        <p:nvSpPr>
+          <p:cNvPr id="2" name="Titre 1">
+            <a:extLst>
+              <a:ext uri="{FF2B5EF4-FFF2-40B4-BE49-F238E27FC236}">
+                <a16:creationId xmlns:a16="http://schemas.microsoft.com/office/drawing/2014/main" id="{5619AA48-8E76-4DA5-B453-F81CB8CB7D5B}"/>
+              </a:ext>
+            </a:extLst>
+          </p:cNvPr>
+          <p:cNvSpPr>
+            <a:spLocks noGrp="1"/>
+          </p:cNvSpPr>
+          <p:nvPr>
+            <p:ph type="title"/>
+          </p:nvPr>
+        </p:nvSpPr>
+        <p:spPr>
+          <a:xfrm>
+            <a:off x="457200" y="146115"/>
+            <a:ext cx="3287486" cy="375104"/>
+          </a:xfrm>
+        </p:spPr>
+        <p:txBody>
+          <a:bodyPr>
+            <a:normAutofit/>
+          </a:bodyPr>
+          <a:lstStyle/>
+          <a:p>
+            <a:r>
+              <a:rPr lang="fr-FR" sz="2000" dirty="0" err="1"/>
+              <a:t>Schilchting</a:t>
+            </a:r>
+            <a:r>
+              <a:rPr lang="fr-FR" sz="2000" dirty="0"/>
+              <a:t> 2014</a:t>
+            </a:r>
+          </a:p>
+        </p:txBody>
+      </p:sp>
+      <p:sp>
+        <p:nvSpPr>
+          <p:cNvPr id="3" name="Espace réservé du contenu 2">
+            <a:extLst>
+              <a:ext uri="{FF2B5EF4-FFF2-40B4-BE49-F238E27FC236}">
+                <a16:creationId xmlns:a16="http://schemas.microsoft.com/office/drawing/2014/main" id="{11AECA23-ACD8-4911-8D85-CDC8B8BB490D}"/>
+              </a:ext>
+            </a:extLst>
+          </p:cNvPr>
+          <p:cNvSpPr>
+            <a:spLocks noGrp="1"/>
+          </p:cNvSpPr>
+          <p:nvPr>
+            <p:ph idx="1"/>
+          </p:nvPr>
+        </p:nvSpPr>
+        <p:spPr>
+          <a:xfrm>
+            <a:off x="838200" y="736599"/>
+            <a:ext cx="10756769" cy="5657785"/>
+          </a:xfrm>
+        </p:spPr>
+        <p:txBody>
+          <a:bodyPr numCol="2">
+            <a:noAutofit/>
+          </a:bodyPr>
+          <a:lstStyle/>
+          <a:p>
+            <a:r>
+              <a:rPr lang="de-DE" sz="1800" dirty="0" err="1"/>
+              <a:t>Preprocessing</a:t>
+            </a:r>
+            <a:endParaRPr lang="de-DE" sz="1800" dirty="0"/>
+          </a:p>
+          <a:p>
+            <a:pPr lvl="1"/>
+            <a:r>
+              <a:rPr lang="de-DE" sz="1400" dirty="0"/>
+              <a:t>Sinc </a:t>
+            </a:r>
+            <a:r>
+              <a:rPr lang="de-DE" sz="1400" dirty="0" err="1"/>
+              <a:t>interpolation</a:t>
+            </a:r>
+            <a:r>
+              <a:rPr lang="de-DE" sz="1400" dirty="0"/>
+              <a:t> and </a:t>
+            </a:r>
+            <a:r>
+              <a:rPr lang="de-DE" sz="1400" dirty="0" err="1"/>
+              <a:t>resampling</a:t>
+            </a:r>
+            <a:r>
+              <a:rPr lang="de-DE" sz="1400" dirty="0"/>
+              <a:t> </a:t>
+            </a:r>
+            <a:r>
+              <a:rPr lang="de-DE" sz="1400" dirty="0" err="1"/>
+              <a:t>using</a:t>
+            </a:r>
+            <a:r>
+              <a:rPr lang="de-DE" sz="1400" dirty="0"/>
+              <a:t> </a:t>
+            </a:r>
+            <a:r>
+              <a:rPr lang="de-DE" sz="1400" dirty="0" err="1"/>
+              <a:t>middle</a:t>
+            </a:r>
+            <a:r>
+              <a:rPr lang="de-DE" sz="1400" dirty="0"/>
+              <a:t> slice </a:t>
+            </a:r>
+            <a:r>
+              <a:rPr lang="de-DE" sz="1400" dirty="0" err="1"/>
+              <a:t>as</a:t>
+            </a:r>
+            <a:r>
+              <a:rPr lang="de-DE" sz="1400" dirty="0"/>
+              <a:t> </a:t>
+            </a:r>
+            <a:r>
+              <a:rPr lang="de-DE" sz="1400" dirty="0" err="1"/>
+              <a:t>reference</a:t>
+            </a:r>
+            <a:r>
+              <a:rPr lang="de-DE" sz="1400" dirty="0"/>
+              <a:t> </a:t>
+            </a:r>
+            <a:r>
+              <a:rPr lang="de-DE" sz="1400" dirty="0" err="1"/>
+              <a:t>point</a:t>
+            </a:r>
+            <a:r>
+              <a:rPr lang="de-DE" sz="1400" dirty="0"/>
+              <a:t> </a:t>
+            </a:r>
+            <a:r>
+              <a:rPr lang="de-DE" sz="1400" dirty="0" err="1"/>
+              <a:t>to</a:t>
+            </a:r>
+            <a:r>
+              <a:rPr lang="de-DE" sz="1400" dirty="0"/>
+              <a:t> </a:t>
+            </a:r>
+            <a:r>
+              <a:rPr lang="de-DE" sz="1400" dirty="0" err="1"/>
+              <a:t>account</a:t>
+            </a:r>
+            <a:r>
+              <a:rPr lang="de-DE" sz="1400" dirty="0"/>
+              <a:t> </a:t>
+            </a:r>
+            <a:r>
+              <a:rPr lang="de-DE" sz="1400" dirty="0" err="1"/>
+              <a:t>for</a:t>
+            </a:r>
+            <a:r>
+              <a:rPr lang="de-DE" sz="1400" dirty="0"/>
+              <a:t> </a:t>
+            </a:r>
+            <a:r>
+              <a:rPr lang="de-DE" sz="1400" dirty="0" err="1"/>
+              <a:t>diff</a:t>
+            </a:r>
+            <a:r>
+              <a:rPr lang="de-DE" sz="1400" dirty="0"/>
+              <a:t> in slice </a:t>
+            </a:r>
+            <a:r>
+              <a:rPr lang="de-DE" sz="1400" dirty="0" err="1"/>
+              <a:t>acquisition</a:t>
+            </a:r>
+            <a:r>
+              <a:rPr lang="de-DE" sz="1400" dirty="0"/>
+              <a:t> </a:t>
+            </a:r>
+            <a:r>
+              <a:rPr lang="de-DE" sz="1400" dirty="0" err="1"/>
+              <a:t>times</a:t>
+            </a:r>
+            <a:endParaRPr lang="de-DE" sz="1400" dirty="0"/>
+          </a:p>
+          <a:p>
+            <a:pPr lvl="1"/>
+            <a:r>
+              <a:rPr lang="de-DE" sz="1400" dirty="0"/>
+              <a:t>High pass </a:t>
+            </a:r>
+            <a:r>
+              <a:rPr lang="de-DE" sz="1400" dirty="0" err="1"/>
+              <a:t>filter</a:t>
+            </a:r>
+            <a:r>
+              <a:rPr lang="de-DE" sz="1400" dirty="0"/>
+              <a:t> 128s </a:t>
+            </a:r>
+            <a:r>
+              <a:rPr lang="de-DE" sz="1400" dirty="0" err="1"/>
+              <a:t>cutoff</a:t>
+            </a:r>
+            <a:endParaRPr lang="de-DE" sz="1400" dirty="0"/>
+          </a:p>
+          <a:p>
+            <a:pPr lvl="1"/>
+            <a:r>
+              <a:rPr lang="de-DE" sz="1400" dirty="0"/>
+              <a:t>Native </a:t>
+            </a:r>
+            <a:r>
+              <a:rPr lang="de-DE" sz="1400" dirty="0" err="1"/>
+              <a:t>space</a:t>
+            </a:r>
+            <a:r>
+              <a:rPr lang="de-DE" sz="1400" dirty="0"/>
+              <a:t> </a:t>
+            </a:r>
+            <a:r>
+              <a:rPr lang="de-DE" sz="1400" dirty="0" err="1"/>
+              <a:t>except</a:t>
+            </a:r>
+            <a:r>
+              <a:rPr lang="de-DE" sz="1400" dirty="0"/>
+              <a:t> </a:t>
+            </a:r>
+            <a:r>
+              <a:rPr lang="de-DE" sz="1400" dirty="0" err="1"/>
+              <a:t>for</a:t>
+            </a:r>
+            <a:r>
+              <a:rPr lang="de-DE" sz="1400" dirty="0"/>
+              <a:t> </a:t>
+            </a:r>
+            <a:r>
+              <a:rPr lang="de-DE" sz="1400" dirty="0" err="1"/>
+              <a:t>group</a:t>
+            </a:r>
+            <a:r>
+              <a:rPr lang="de-DE" sz="1400" dirty="0"/>
+              <a:t> </a:t>
+            </a:r>
+            <a:r>
+              <a:rPr lang="de-DE" sz="1400" dirty="0" err="1"/>
+              <a:t>level</a:t>
+            </a:r>
+            <a:r>
+              <a:rPr lang="de-DE" sz="1400" dirty="0"/>
+              <a:t> </a:t>
+            </a:r>
+            <a:r>
+              <a:rPr lang="de-DE" sz="1400" dirty="0" err="1"/>
+              <a:t>glm</a:t>
+            </a:r>
+            <a:endParaRPr lang="de-DE" sz="1400" dirty="0"/>
+          </a:p>
+          <a:p>
+            <a:r>
+              <a:rPr lang="de-DE" sz="1800" dirty="0"/>
+              <a:t>Univariate </a:t>
+            </a:r>
+            <a:r>
+              <a:rPr lang="de-DE" sz="1800" dirty="0" err="1"/>
+              <a:t>analysis</a:t>
+            </a:r>
+            <a:endParaRPr lang="de-DE" sz="1800" dirty="0"/>
+          </a:p>
+          <a:p>
+            <a:pPr lvl="1"/>
+            <a:r>
+              <a:rPr lang="de-DE" sz="1400" dirty="0" err="1"/>
+              <a:t>Hypo</a:t>
+            </a:r>
+            <a:r>
+              <a:rPr lang="de-DE" sz="1400" dirty="0"/>
+              <a:t> = </a:t>
+            </a:r>
+            <a:r>
+              <a:rPr lang="de-DE" sz="1400" dirty="0" err="1"/>
+              <a:t>encoding</a:t>
+            </a:r>
+            <a:r>
+              <a:rPr lang="de-DE" sz="1400" dirty="0"/>
+              <a:t> </a:t>
+            </a:r>
+            <a:r>
+              <a:rPr lang="de-DE" sz="1400" dirty="0" err="1"/>
+              <a:t>during</a:t>
+            </a:r>
+            <a:r>
+              <a:rPr lang="de-DE" sz="1400" dirty="0"/>
+              <a:t> BC + </a:t>
+            </a:r>
+            <a:r>
+              <a:rPr lang="de-DE" sz="1400" dirty="0" err="1"/>
+              <a:t>imp</a:t>
+            </a:r>
+            <a:r>
+              <a:rPr lang="de-DE" sz="1400" dirty="0"/>
+              <a:t> </a:t>
+            </a:r>
+            <a:r>
+              <a:rPr lang="de-DE" sz="1400" dirty="0" err="1"/>
+              <a:t>then</a:t>
+            </a:r>
+            <a:r>
+              <a:rPr lang="de-DE" sz="1400" dirty="0"/>
+              <a:t> </a:t>
+            </a:r>
+            <a:r>
+              <a:rPr lang="de-DE" sz="1400" dirty="0" err="1"/>
+              <a:t>during</a:t>
+            </a:r>
+            <a:r>
+              <a:rPr lang="de-DE" sz="1400" dirty="0"/>
+              <a:t> BC </a:t>
+            </a:r>
+            <a:r>
+              <a:rPr lang="de-DE" sz="1400" dirty="0" err="1"/>
+              <a:t>for</a:t>
+            </a:r>
+            <a:r>
+              <a:rPr lang="de-DE" sz="1400" dirty="0"/>
+              <a:t> </a:t>
+            </a:r>
+            <a:r>
+              <a:rPr lang="de-DE" sz="1400" dirty="0" err="1"/>
+              <a:t>perf</a:t>
+            </a:r>
+            <a:r>
+              <a:rPr lang="de-DE" sz="1400" dirty="0"/>
+              <a:t>??</a:t>
+            </a:r>
+          </a:p>
+          <a:p>
+            <a:pPr lvl="1"/>
+            <a:r>
+              <a:rPr lang="de-DE" sz="1400" dirty="0"/>
+              <a:t>4 </a:t>
+            </a:r>
+            <a:r>
+              <a:rPr lang="de-DE" sz="1400" dirty="0" err="1"/>
+              <a:t>regressors</a:t>
+            </a:r>
+            <a:r>
+              <a:rPr lang="de-DE" sz="1400" dirty="0"/>
+              <a:t> = AB/BC </a:t>
+            </a:r>
+            <a:r>
+              <a:rPr lang="de-DE" sz="1400" dirty="0" err="1"/>
+              <a:t>trial</a:t>
+            </a:r>
+            <a:r>
+              <a:rPr lang="de-DE" sz="1400" dirty="0"/>
+              <a:t> and </a:t>
+            </a:r>
+            <a:r>
+              <a:rPr lang="de-DE" sz="1400" dirty="0" err="1"/>
+              <a:t>correct</a:t>
+            </a:r>
+            <a:r>
+              <a:rPr lang="de-DE" sz="1400" dirty="0"/>
+              <a:t>/</a:t>
+            </a:r>
+            <a:r>
+              <a:rPr lang="de-DE" sz="1400" dirty="0" err="1"/>
+              <a:t>incorrect</a:t>
+            </a:r>
+            <a:r>
+              <a:rPr lang="de-DE" sz="1400" dirty="0"/>
+              <a:t> </a:t>
+            </a:r>
+            <a:r>
+              <a:rPr lang="de-DE" sz="1400" dirty="0" err="1"/>
+              <a:t>future</a:t>
+            </a:r>
+            <a:r>
+              <a:rPr lang="de-DE" sz="1400" dirty="0"/>
+              <a:t> </a:t>
+            </a:r>
+            <a:r>
+              <a:rPr lang="de-DE" sz="1400" dirty="0" err="1"/>
+              <a:t>inference</a:t>
+            </a:r>
+            <a:endParaRPr lang="de-DE" sz="1400" dirty="0"/>
+          </a:p>
+          <a:p>
+            <a:pPr lvl="1"/>
+            <a:r>
+              <a:rPr lang="de-DE" sz="1400" dirty="0"/>
+              <a:t>Interaction BC&gt;AB and </a:t>
+            </a:r>
+            <a:r>
+              <a:rPr lang="de-DE" sz="1400" dirty="0" err="1"/>
+              <a:t>correct</a:t>
+            </a:r>
+            <a:r>
+              <a:rPr lang="de-DE" sz="1400" dirty="0"/>
+              <a:t>&gt;</a:t>
+            </a:r>
+            <a:r>
+              <a:rPr lang="de-DE" sz="1400" dirty="0" err="1"/>
+              <a:t>incorrect</a:t>
+            </a:r>
+            <a:r>
+              <a:rPr lang="de-DE" sz="1400" dirty="0"/>
+              <a:t> </a:t>
+            </a:r>
+            <a:r>
+              <a:rPr lang="de-DE" sz="1400" dirty="0" err="1"/>
+              <a:t>to</a:t>
+            </a:r>
+            <a:r>
+              <a:rPr lang="de-DE" sz="1400" dirty="0"/>
+              <a:t> </a:t>
+            </a:r>
+            <a:r>
+              <a:rPr lang="de-DE" sz="1400" dirty="0" err="1"/>
+              <a:t>isolate</a:t>
+            </a:r>
+            <a:r>
+              <a:rPr lang="de-DE" sz="1400" dirty="0"/>
+              <a:t> </a:t>
+            </a:r>
+            <a:r>
+              <a:rPr lang="de-DE" sz="1400" dirty="0" err="1"/>
+              <a:t>region</a:t>
+            </a:r>
+            <a:r>
+              <a:rPr lang="de-DE" sz="1400" dirty="0"/>
+              <a:t> </a:t>
+            </a:r>
+            <a:r>
+              <a:rPr lang="de-DE" sz="1400" dirty="0" err="1"/>
+              <a:t>more</a:t>
+            </a:r>
+            <a:r>
+              <a:rPr lang="de-DE" sz="1400" dirty="0"/>
+              <a:t> </a:t>
+            </a:r>
+            <a:r>
+              <a:rPr lang="de-DE" sz="1400" dirty="0" err="1"/>
+              <a:t>encoding</a:t>
+            </a:r>
+            <a:r>
+              <a:rPr lang="de-DE" sz="1400" dirty="0"/>
+              <a:t> </a:t>
+            </a:r>
+            <a:r>
+              <a:rPr lang="de-DE" sz="1400" dirty="0" err="1"/>
+              <a:t>during</a:t>
+            </a:r>
+            <a:r>
+              <a:rPr lang="de-DE" sz="1400" dirty="0"/>
+              <a:t> BC </a:t>
+            </a:r>
+            <a:r>
+              <a:rPr lang="de-DE" sz="1400" dirty="0" err="1"/>
+              <a:t>more</a:t>
+            </a:r>
+            <a:r>
+              <a:rPr lang="de-DE" sz="1400" dirty="0"/>
+              <a:t> </a:t>
+            </a:r>
+            <a:r>
+              <a:rPr lang="de-DE" sz="1400" dirty="0" err="1"/>
+              <a:t>predictive</a:t>
+            </a:r>
+            <a:r>
+              <a:rPr lang="de-DE" sz="1400" dirty="0"/>
+              <a:t> </a:t>
+            </a:r>
+            <a:r>
+              <a:rPr lang="de-DE" sz="1400" dirty="0" err="1"/>
+              <a:t>of</a:t>
+            </a:r>
+            <a:r>
+              <a:rPr lang="de-DE" sz="1400" dirty="0"/>
+              <a:t> AC </a:t>
+            </a:r>
+            <a:r>
+              <a:rPr lang="de-DE" sz="1400" dirty="0" err="1"/>
+              <a:t>inference</a:t>
+            </a:r>
+            <a:r>
+              <a:rPr lang="de-DE" sz="1400" dirty="0"/>
+              <a:t>???</a:t>
+            </a:r>
+          </a:p>
+          <a:p>
+            <a:r>
+              <a:rPr lang="de-DE" sz="1800" dirty="0"/>
+              <a:t>Group </a:t>
+            </a:r>
+            <a:r>
+              <a:rPr lang="de-DE" sz="1800" dirty="0" err="1"/>
+              <a:t>level</a:t>
+            </a:r>
+            <a:r>
+              <a:rPr lang="de-DE" sz="1800" dirty="0"/>
+              <a:t> univariate </a:t>
+            </a:r>
+            <a:r>
+              <a:rPr lang="de-DE" sz="1800" dirty="0" err="1"/>
+              <a:t>analysis</a:t>
+            </a:r>
+            <a:endParaRPr lang="de-DE" sz="1800" dirty="0"/>
+          </a:p>
+          <a:p>
+            <a:pPr lvl="1"/>
+            <a:r>
+              <a:rPr lang="de-DE" sz="1400" dirty="0"/>
+              <a:t>Group </a:t>
+            </a:r>
+            <a:r>
+              <a:rPr lang="de-DE" sz="1400" dirty="0" err="1"/>
+              <a:t>level</a:t>
+            </a:r>
+            <a:r>
+              <a:rPr lang="de-DE" sz="1400" dirty="0"/>
+              <a:t> GLM </a:t>
+            </a:r>
+            <a:r>
+              <a:rPr lang="de-DE" sz="1400" dirty="0" err="1"/>
+              <a:t>from</a:t>
+            </a:r>
+            <a:r>
+              <a:rPr lang="de-DE" sz="1400" dirty="0"/>
+              <a:t> </a:t>
+            </a:r>
+            <a:r>
+              <a:rPr lang="de-DE" sz="1400" dirty="0" err="1"/>
+              <a:t>participant</a:t>
+            </a:r>
+            <a:r>
+              <a:rPr lang="de-DE" sz="1400" dirty="0"/>
+              <a:t> </a:t>
+            </a:r>
+            <a:r>
+              <a:rPr lang="de-DE" sz="1400" dirty="0" err="1"/>
+              <a:t>level</a:t>
+            </a:r>
+            <a:r>
+              <a:rPr lang="de-DE" sz="1400" dirty="0"/>
+              <a:t> </a:t>
+            </a:r>
+            <a:r>
+              <a:rPr lang="de-DE" sz="1400" dirty="0" err="1"/>
+              <a:t>images</a:t>
+            </a:r>
+            <a:r>
+              <a:rPr lang="de-DE" sz="1400" dirty="0"/>
+              <a:t> </a:t>
+            </a:r>
+            <a:r>
+              <a:rPr lang="de-DE" sz="1400" dirty="0" err="1"/>
+              <a:t>normalized</a:t>
+            </a:r>
+            <a:r>
+              <a:rPr lang="de-DE" sz="1400" dirty="0"/>
+              <a:t> and </a:t>
+            </a:r>
+            <a:r>
+              <a:rPr lang="de-DE" sz="1400" dirty="0" err="1"/>
+              <a:t>smoothed</a:t>
+            </a:r>
+            <a:r>
+              <a:rPr lang="de-DE" sz="1400" dirty="0"/>
+              <a:t> (</a:t>
+            </a:r>
+            <a:r>
+              <a:rPr lang="de-DE" sz="1400" dirty="0" err="1"/>
+              <a:t>no</a:t>
+            </a:r>
+            <a:r>
+              <a:rPr lang="de-DE" sz="1400" dirty="0"/>
+              <a:t> </a:t>
+            </a:r>
+            <a:r>
+              <a:rPr lang="de-DE" sz="1400" dirty="0" err="1"/>
+              <a:t>detail</a:t>
+            </a:r>
+            <a:r>
+              <a:rPr lang="de-DE" sz="1400" dirty="0"/>
+              <a:t>)</a:t>
+            </a:r>
+          </a:p>
+          <a:p>
+            <a:pPr lvl="1"/>
+            <a:r>
+              <a:rPr lang="de-DE" sz="1400" dirty="0" err="1"/>
+              <a:t>Regions</a:t>
+            </a:r>
+            <a:r>
+              <a:rPr lang="de-DE" sz="1400" dirty="0"/>
+              <a:t> </a:t>
+            </a:r>
+            <a:r>
+              <a:rPr lang="de-DE" sz="1400" dirty="0" err="1"/>
+              <a:t>for</a:t>
+            </a:r>
+            <a:r>
+              <a:rPr lang="de-DE" sz="1400" dirty="0"/>
+              <a:t> </a:t>
+            </a:r>
+            <a:r>
+              <a:rPr lang="de-DE" sz="1400" dirty="0" err="1"/>
+              <a:t>which</a:t>
+            </a:r>
+            <a:r>
+              <a:rPr lang="de-DE" sz="1400" dirty="0"/>
+              <a:t> </a:t>
+            </a:r>
+            <a:r>
+              <a:rPr lang="de-DE" sz="1400" dirty="0" err="1"/>
+              <a:t>interaction</a:t>
+            </a:r>
+            <a:r>
+              <a:rPr lang="de-DE" sz="1400" dirty="0"/>
+              <a:t> </a:t>
+            </a:r>
+            <a:r>
+              <a:rPr lang="de-DE" sz="1400" dirty="0" err="1"/>
+              <a:t>term</a:t>
+            </a:r>
+            <a:r>
+              <a:rPr lang="de-DE" sz="1400" dirty="0"/>
+              <a:t> </a:t>
+            </a:r>
+            <a:r>
+              <a:rPr lang="de-DE" sz="1400" dirty="0" err="1"/>
+              <a:t>significantly</a:t>
+            </a:r>
+            <a:r>
+              <a:rPr lang="de-DE" sz="1400" dirty="0"/>
+              <a:t> </a:t>
+            </a:r>
+            <a:r>
+              <a:rPr lang="de-DE" sz="1400" dirty="0" err="1"/>
+              <a:t>modulated</a:t>
+            </a:r>
+            <a:r>
+              <a:rPr lang="de-DE" sz="1400" dirty="0"/>
+              <a:t> </a:t>
+            </a:r>
+            <a:r>
+              <a:rPr lang="de-DE" sz="1400" dirty="0" err="1"/>
+              <a:t>by</a:t>
+            </a:r>
+            <a:r>
+              <a:rPr lang="de-DE" sz="1400" dirty="0"/>
+              <a:t> AC </a:t>
+            </a:r>
+            <a:r>
+              <a:rPr lang="de-DE" sz="1400" dirty="0" err="1"/>
+              <a:t>performance</a:t>
+            </a:r>
+            <a:r>
+              <a:rPr lang="de-DE" sz="1400" dirty="0"/>
+              <a:t> </a:t>
+            </a:r>
+            <a:r>
+              <a:rPr lang="de-DE" sz="1400" dirty="0" err="1"/>
+              <a:t>accross</a:t>
+            </a:r>
+            <a:r>
+              <a:rPr lang="de-DE" sz="1400" dirty="0"/>
+              <a:t> </a:t>
+            </a:r>
+            <a:r>
+              <a:rPr lang="de-DE" sz="1400" dirty="0" err="1"/>
+              <a:t>participant</a:t>
+            </a:r>
+            <a:endParaRPr lang="de-DE" sz="1400" dirty="0"/>
+          </a:p>
+          <a:p>
+            <a:pPr lvl="1"/>
+            <a:r>
+              <a:rPr lang="de-DE" sz="1400" dirty="0"/>
+              <a:t>Cluster </a:t>
+            </a:r>
+            <a:r>
+              <a:rPr lang="de-DE" sz="1400" dirty="0" err="1"/>
+              <a:t>small</a:t>
+            </a:r>
+            <a:r>
+              <a:rPr lang="de-DE" sz="1400" dirty="0"/>
+              <a:t> </a:t>
+            </a:r>
+            <a:r>
+              <a:rPr lang="de-DE" sz="1400" dirty="0" err="1"/>
+              <a:t>volume</a:t>
+            </a:r>
+            <a:r>
+              <a:rPr lang="de-DE" sz="1400" dirty="0"/>
+              <a:t> </a:t>
+            </a:r>
+            <a:r>
+              <a:rPr lang="de-DE" sz="1400" dirty="0" err="1"/>
+              <a:t>correction</a:t>
+            </a:r>
+            <a:r>
+              <a:rPr lang="de-DE" sz="1400" dirty="0"/>
+              <a:t>, </a:t>
+            </a:r>
+            <a:r>
+              <a:rPr lang="de-DE" sz="1400" dirty="0" err="1"/>
+              <a:t>against</a:t>
+            </a:r>
+            <a:r>
+              <a:rPr lang="de-DE" sz="1400" dirty="0"/>
+              <a:t> 5000 </a:t>
+            </a:r>
+            <a:r>
+              <a:rPr lang="de-DE" sz="1400" dirty="0" err="1"/>
+              <a:t>simulations</a:t>
+            </a:r>
+            <a:endParaRPr lang="de-DE" sz="1400" dirty="0"/>
+          </a:p>
+          <a:p>
+            <a:r>
+              <a:rPr lang="de-DE" sz="1800" dirty="0"/>
+              <a:t>MVPA RSA</a:t>
+            </a:r>
+          </a:p>
+          <a:p>
+            <a:pPr lvl="1"/>
+            <a:r>
+              <a:rPr lang="de-DE" sz="1400" dirty="0" err="1"/>
+              <a:t>Between</a:t>
+            </a:r>
+            <a:r>
+              <a:rPr lang="de-DE" sz="1400" dirty="0"/>
+              <a:t> </a:t>
+            </a:r>
+            <a:r>
+              <a:rPr lang="de-DE" sz="1400" dirty="0" err="1"/>
+              <a:t>study</a:t>
+            </a:r>
+            <a:r>
+              <a:rPr lang="de-DE" sz="1400" dirty="0"/>
+              <a:t> and </a:t>
+            </a:r>
+            <a:r>
+              <a:rPr lang="de-DE" sz="1400" dirty="0" err="1"/>
+              <a:t>test</a:t>
+            </a:r>
+            <a:r>
+              <a:rPr lang="de-DE" sz="1400" dirty="0"/>
+              <a:t> </a:t>
+            </a:r>
+            <a:r>
+              <a:rPr lang="de-DE" sz="1400" dirty="0" err="1"/>
+              <a:t>patterns</a:t>
+            </a:r>
+            <a:endParaRPr lang="de-DE" sz="1400" dirty="0"/>
+          </a:p>
+          <a:p>
+            <a:pPr lvl="1"/>
+            <a:r>
+              <a:rPr lang="de-DE" sz="1400" dirty="0"/>
+              <a:t>In ROIs= </a:t>
+            </a:r>
+            <a:r>
+              <a:rPr lang="de-DE" sz="1400" dirty="0" err="1"/>
+              <a:t>ant</a:t>
+            </a:r>
+            <a:r>
+              <a:rPr lang="de-DE" sz="1400" dirty="0"/>
+              <a:t> </a:t>
+            </a:r>
+            <a:r>
+              <a:rPr lang="de-DE" sz="1400" dirty="0" err="1"/>
+              <a:t>hippo</a:t>
+            </a:r>
+            <a:r>
+              <a:rPr lang="de-DE" sz="1400" dirty="0"/>
+              <a:t>, </a:t>
+            </a:r>
+            <a:r>
+              <a:rPr lang="de-DE" sz="1400" dirty="0" err="1"/>
+              <a:t>post</a:t>
+            </a:r>
+            <a:r>
+              <a:rPr lang="de-DE" sz="1400" dirty="0"/>
+              <a:t> </a:t>
+            </a:r>
+            <a:r>
+              <a:rPr lang="de-DE" sz="1400" dirty="0" err="1"/>
+              <a:t>hippo</a:t>
+            </a:r>
+            <a:r>
+              <a:rPr lang="de-DE" sz="1400" dirty="0"/>
+              <a:t>, CA1, DG-CA23, </a:t>
+            </a:r>
+            <a:r>
+              <a:rPr lang="de-DE" sz="1400" dirty="0" err="1"/>
+              <a:t>subiculum</a:t>
+            </a:r>
+            <a:r>
+              <a:rPr lang="de-DE" sz="1400" dirty="0"/>
+              <a:t>, </a:t>
+            </a:r>
+            <a:r>
+              <a:rPr lang="de-DE" sz="1400" dirty="0" err="1"/>
+              <a:t>manually</a:t>
+            </a:r>
+            <a:r>
+              <a:rPr lang="de-DE" sz="1400" dirty="0"/>
+              <a:t> </a:t>
+            </a:r>
+            <a:r>
+              <a:rPr lang="de-DE" sz="1400" dirty="0" err="1"/>
+              <a:t>drawn</a:t>
+            </a:r>
+            <a:endParaRPr lang="de-DE" sz="1400" dirty="0"/>
+          </a:p>
+          <a:p>
+            <a:pPr lvl="1"/>
+            <a:endParaRPr lang="de-DE" sz="1400" dirty="0"/>
+          </a:p>
+          <a:p>
+            <a:pPr lvl="1"/>
+            <a:r>
+              <a:rPr lang="de-DE" sz="1400" dirty="0"/>
+              <a:t>In native </a:t>
+            </a:r>
+            <a:r>
+              <a:rPr lang="de-DE" sz="1400" dirty="0" err="1"/>
+              <a:t>functional</a:t>
+            </a:r>
+            <a:r>
+              <a:rPr lang="de-DE" sz="1400" dirty="0"/>
+              <a:t> </a:t>
+            </a:r>
+            <a:r>
+              <a:rPr lang="de-DE" sz="1400" dirty="0" err="1"/>
+              <a:t>space</a:t>
+            </a:r>
+            <a:r>
+              <a:rPr lang="de-DE" sz="1400" dirty="0"/>
+              <a:t> </a:t>
+            </a:r>
+            <a:r>
+              <a:rPr lang="de-DE" sz="1400" dirty="0" err="1"/>
+              <a:t>of</a:t>
+            </a:r>
+            <a:r>
+              <a:rPr lang="de-DE" sz="1400" dirty="0"/>
+              <a:t> </a:t>
+            </a:r>
+            <a:r>
+              <a:rPr lang="de-DE" sz="1400" dirty="0" err="1"/>
+              <a:t>each</a:t>
+            </a:r>
+            <a:r>
+              <a:rPr lang="de-DE" sz="1400" dirty="0"/>
+              <a:t> </a:t>
+            </a:r>
+            <a:r>
+              <a:rPr lang="de-DE" sz="1400" dirty="0" err="1"/>
+              <a:t>participant</a:t>
+            </a:r>
+            <a:r>
+              <a:rPr lang="de-DE" sz="1400" dirty="0"/>
+              <a:t>, </a:t>
+            </a:r>
+            <a:r>
+              <a:rPr lang="de-DE" sz="1400" dirty="0" err="1"/>
+              <a:t>no</a:t>
+            </a:r>
+            <a:r>
+              <a:rPr lang="de-DE" sz="1400" dirty="0"/>
+              <a:t> </a:t>
+            </a:r>
+            <a:r>
+              <a:rPr lang="de-DE" sz="1400" dirty="0" err="1"/>
+              <a:t>spatial</a:t>
+            </a:r>
+            <a:r>
+              <a:rPr lang="de-DE" sz="1400" dirty="0"/>
+              <a:t> </a:t>
+            </a:r>
+            <a:r>
+              <a:rPr lang="de-DE" sz="1400" dirty="0" err="1"/>
+              <a:t>normalization</a:t>
+            </a:r>
+            <a:endParaRPr lang="de-DE" sz="1400" dirty="0"/>
+          </a:p>
+          <a:p>
+            <a:pPr lvl="1"/>
+            <a:r>
+              <a:rPr lang="de-DE" sz="1400" dirty="0"/>
+              <a:t>3 GLM = AC </a:t>
+            </a:r>
+            <a:r>
+              <a:rPr lang="de-DE" sz="1400" dirty="0" err="1"/>
+              <a:t>performance</a:t>
+            </a:r>
+            <a:r>
+              <a:rPr lang="de-DE" sz="1400" dirty="0"/>
+              <a:t>, RT in </a:t>
+            </a:r>
+            <a:r>
+              <a:rPr lang="de-DE" sz="1400" dirty="0" err="1"/>
+              <a:t>correct</a:t>
+            </a:r>
+            <a:r>
+              <a:rPr lang="de-DE" sz="1400" dirty="0"/>
+              <a:t> AC, </a:t>
+            </a:r>
+            <a:r>
+              <a:rPr lang="de-DE" sz="1400" dirty="0" err="1"/>
+              <a:t>event</a:t>
+            </a:r>
+            <a:r>
+              <a:rPr lang="de-DE" sz="1400" dirty="0"/>
+              <a:t> type (</a:t>
+            </a:r>
+            <a:r>
+              <a:rPr lang="de-DE" sz="1400" dirty="0" err="1"/>
+              <a:t>cross</a:t>
+            </a:r>
+            <a:r>
+              <a:rPr lang="de-DE" sz="1400" dirty="0"/>
+              <a:t> </a:t>
+            </a:r>
+            <a:r>
+              <a:rPr lang="de-DE" sz="1400" dirty="0" err="1"/>
+              <a:t>participant</a:t>
+            </a:r>
+            <a:r>
+              <a:rPr lang="de-DE" sz="1400" dirty="0"/>
+              <a:t>)</a:t>
+            </a:r>
+          </a:p>
+          <a:p>
+            <a:pPr lvl="1"/>
+            <a:r>
+              <a:rPr lang="de-DE" sz="1400" dirty="0"/>
+              <a:t>Res = </a:t>
+            </a:r>
+            <a:r>
+              <a:rPr lang="de-DE" sz="1400" dirty="0" err="1"/>
+              <a:t>voxelwise</a:t>
+            </a:r>
+            <a:r>
+              <a:rPr lang="de-DE" sz="1400" dirty="0"/>
+              <a:t> </a:t>
+            </a:r>
+            <a:r>
+              <a:rPr lang="de-DE" sz="1400" dirty="0" err="1"/>
+              <a:t>parameter</a:t>
+            </a:r>
+            <a:r>
+              <a:rPr lang="de-DE" sz="1400" dirty="0"/>
+              <a:t> </a:t>
+            </a:r>
+            <a:r>
+              <a:rPr lang="de-DE" sz="1400" dirty="0" err="1"/>
+              <a:t>estimates</a:t>
+            </a:r>
+            <a:r>
+              <a:rPr lang="de-DE" sz="1400" dirty="0"/>
+              <a:t> </a:t>
+            </a:r>
+            <a:r>
+              <a:rPr lang="de-DE" sz="1400" dirty="0" err="1"/>
+              <a:t>by</a:t>
+            </a:r>
+            <a:r>
+              <a:rPr lang="de-DE" sz="1400" dirty="0"/>
+              <a:t> </a:t>
+            </a:r>
+            <a:r>
+              <a:rPr lang="de-DE" sz="1400" dirty="0" err="1"/>
+              <a:t>participant</a:t>
+            </a:r>
+            <a:r>
+              <a:rPr lang="de-DE" sz="1400" dirty="0"/>
+              <a:t>, </a:t>
+            </a:r>
+            <a:r>
+              <a:rPr lang="de-DE" sz="1400" dirty="0" err="1"/>
+              <a:t>condition</a:t>
+            </a:r>
+            <a:r>
+              <a:rPr lang="de-DE" sz="1400" dirty="0"/>
+              <a:t>, </a:t>
+            </a:r>
+            <a:r>
+              <a:rPr lang="de-DE" sz="1400" dirty="0" err="1"/>
+              <a:t>region</a:t>
+            </a:r>
+            <a:endParaRPr lang="de-DE" sz="1400" dirty="0"/>
+          </a:p>
+          <a:p>
+            <a:pPr lvl="1"/>
+            <a:r>
+              <a:rPr lang="de-DE" sz="1400" dirty="0"/>
+              <a:t>Pearson </a:t>
+            </a:r>
+            <a:r>
+              <a:rPr lang="de-DE" sz="1400" dirty="0" err="1"/>
+              <a:t>correlation</a:t>
+            </a:r>
+            <a:r>
+              <a:rPr lang="de-DE" sz="1400" dirty="0"/>
+              <a:t> </a:t>
+            </a:r>
+            <a:r>
+              <a:rPr lang="de-DE" sz="1400" dirty="0" err="1"/>
+              <a:t>between</a:t>
+            </a:r>
+            <a:r>
+              <a:rPr lang="de-DE" sz="1400" dirty="0"/>
+              <a:t> </a:t>
+            </a:r>
+            <a:r>
+              <a:rPr lang="de-DE" sz="1400" dirty="0" err="1"/>
+              <a:t>study</a:t>
+            </a:r>
+            <a:r>
+              <a:rPr lang="de-DE" sz="1400" dirty="0"/>
+              <a:t> and </a:t>
+            </a:r>
+            <a:r>
+              <a:rPr lang="de-DE" sz="1400" dirty="0" err="1"/>
+              <a:t>test</a:t>
+            </a:r>
+            <a:r>
+              <a:rPr lang="de-DE" sz="1400" dirty="0"/>
+              <a:t> </a:t>
+            </a:r>
+            <a:r>
+              <a:rPr lang="de-DE" sz="1400" dirty="0" err="1"/>
+              <a:t>patterns</a:t>
+            </a:r>
+            <a:endParaRPr lang="de-DE" sz="1400" dirty="0"/>
+          </a:p>
+          <a:p>
+            <a:pPr lvl="1"/>
+            <a:r>
+              <a:rPr lang="de-DE" sz="1400" dirty="0" err="1"/>
+              <a:t>Perf</a:t>
+            </a:r>
+            <a:r>
+              <a:rPr lang="de-DE" sz="1400" dirty="0"/>
+              <a:t> </a:t>
+            </a:r>
+            <a:r>
+              <a:rPr lang="de-DE" sz="1400" dirty="0" err="1"/>
+              <a:t>based</a:t>
+            </a:r>
+            <a:endParaRPr lang="de-DE" sz="1400" dirty="0"/>
+          </a:p>
+          <a:p>
+            <a:pPr lvl="2"/>
+            <a:r>
+              <a:rPr lang="de-DE" sz="1100" dirty="0" err="1"/>
+              <a:t>Hypo</a:t>
+            </a:r>
+            <a:r>
+              <a:rPr lang="de-DE" sz="1100" dirty="0"/>
+              <a:t> = AC </a:t>
+            </a:r>
+            <a:r>
+              <a:rPr lang="de-DE" sz="1100" dirty="0" err="1"/>
+              <a:t>test</a:t>
+            </a:r>
+            <a:r>
+              <a:rPr lang="de-DE" sz="1100" dirty="0"/>
+              <a:t> </a:t>
+            </a:r>
+            <a:r>
+              <a:rPr lang="de-DE" sz="1100" dirty="0" err="1"/>
+              <a:t>patterns</a:t>
+            </a:r>
+            <a:r>
+              <a:rPr lang="de-DE" sz="1100" dirty="0"/>
+              <a:t> </a:t>
+            </a:r>
+            <a:r>
+              <a:rPr lang="de-DE" sz="1100" dirty="0" err="1"/>
+              <a:t>should</a:t>
+            </a:r>
+            <a:r>
+              <a:rPr lang="de-DE" sz="1100" dirty="0"/>
+              <a:t> </a:t>
+            </a:r>
+            <a:r>
+              <a:rPr lang="de-DE" sz="1100" dirty="0" err="1"/>
+              <a:t>be</a:t>
+            </a:r>
+            <a:r>
+              <a:rPr lang="de-DE" sz="1100" dirty="0"/>
+              <a:t> </a:t>
+            </a:r>
+            <a:r>
+              <a:rPr lang="de-DE" sz="1100" dirty="0" err="1"/>
+              <a:t>more</a:t>
+            </a:r>
+            <a:r>
+              <a:rPr lang="de-DE" sz="1100" dirty="0"/>
+              <a:t> </a:t>
+            </a:r>
+            <a:r>
+              <a:rPr lang="de-DE" sz="1100" dirty="0" err="1"/>
+              <a:t>similar</a:t>
+            </a:r>
+            <a:r>
+              <a:rPr lang="de-DE" sz="1100" dirty="0"/>
+              <a:t> </a:t>
+            </a:r>
+            <a:r>
+              <a:rPr lang="de-DE" sz="1100" dirty="0" err="1"/>
+              <a:t>to</a:t>
+            </a:r>
+            <a:r>
+              <a:rPr lang="de-DE" sz="1100" dirty="0"/>
+              <a:t> BC </a:t>
+            </a:r>
+            <a:r>
+              <a:rPr lang="de-DE" sz="1100" dirty="0" err="1"/>
+              <a:t>learning</a:t>
+            </a:r>
+            <a:r>
+              <a:rPr lang="de-DE" sz="1100" dirty="0"/>
+              <a:t> </a:t>
+            </a:r>
+            <a:r>
+              <a:rPr lang="de-DE" sz="1100" dirty="0" err="1"/>
+              <a:t>patterns</a:t>
+            </a:r>
+            <a:r>
+              <a:rPr lang="de-DE" sz="1100" dirty="0"/>
+              <a:t> (AC-BC </a:t>
+            </a:r>
+            <a:r>
+              <a:rPr lang="de-DE" sz="1100" dirty="0" err="1"/>
+              <a:t>similiarity</a:t>
+            </a:r>
+            <a:r>
+              <a:rPr lang="de-DE" sz="1100" dirty="0"/>
+              <a:t> &gt; AB-AC), </a:t>
+            </a:r>
+            <a:r>
+              <a:rPr lang="de-DE" sz="1100" dirty="0" err="1"/>
+              <a:t>especially</a:t>
+            </a:r>
+            <a:r>
+              <a:rPr lang="de-DE" sz="1100" dirty="0"/>
+              <a:t> </a:t>
+            </a:r>
+            <a:r>
+              <a:rPr lang="de-DE" sz="1100" dirty="0" err="1"/>
+              <a:t>if</a:t>
+            </a:r>
+            <a:r>
+              <a:rPr lang="de-DE" sz="1100" dirty="0"/>
+              <a:t> AC </a:t>
+            </a:r>
+            <a:r>
+              <a:rPr lang="de-DE" sz="1100" dirty="0" err="1"/>
+              <a:t>correct</a:t>
+            </a:r>
+            <a:endParaRPr lang="de-DE" sz="1100" dirty="0"/>
+          </a:p>
+          <a:p>
+            <a:pPr lvl="2"/>
+            <a:r>
+              <a:rPr lang="de-DE" sz="1100" dirty="0"/>
+              <a:t>Pearson </a:t>
+            </a:r>
+            <a:r>
+              <a:rPr lang="de-DE" sz="1100" dirty="0" err="1"/>
+              <a:t>correlation</a:t>
+            </a:r>
+            <a:r>
+              <a:rPr lang="de-DE" sz="1100" dirty="0"/>
+              <a:t> + </a:t>
+            </a:r>
+            <a:r>
+              <a:rPr lang="de-DE" sz="1100" dirty="0" err="1"/>
+              <a:t>fisher</a:t>
+            </a:r>
+            <a:r>
+              <a:rPr lang="de-DE" sz="1100" dirty="0"/>
+              <a:t> </a:t>
+            </a:r>
+            <a:r>
+              <a:rPr lang="de-DE" sz="1100" dirty="0" err="1"/>
+              <a:t>transformed</a:t>
+            </a:r>
+            <a:endParaRPr lang="de-DE" sz="1100" dirty="0"/>
+          </a:p>
+          <a:p>
+            <a:pPr lvl="2"/>
+            <a:r>
+              <a:rPr lang="de-DE" sz="1100" dirty="0"/>
+              <a:t>ANOVA 2*2 </a:t>
+            </a:r>
+            <a:r>
+              <a:rPr lang="de-DE" sz="1100" dirty="0" err="1"/>
+              <a:t>for</a:t>
+            </a:r>
+            <a:r>
+              <a:rPr lang="de-DE" sz="1100" dirty="0"/>
+              <a:t> </a:t>
+            </a:r>
+            <a:r>
+              <a:rPr lang="de-DE" sz="1100" dirty="0" err="1"/>
+              <a:t>each</a:t>
+            </a:r>
+            <a:r>
+              <a:rPr lang="de-DE" sz="1100" dirty="0"/>
+              <a:t> </a:t>
+            </a:r>
+            <a:r>
+              <a:rPr lang="de-DE" sz="1100" dirty="0" err="1"/>
+              <a:t>region</a:t>
+            </a:r>
+            <a:r>
+              <a:rPr lang="de-DE" sz="1100" dirty="0"/>
+              <a:t> (AB/BC and </a:t>
+            </a:r>
+            <a:r>
+              <a:rPr lang="de-DE" sz="1100" dirty="0" err="1"/>
+              <a:t>correct</a:t>
+            </a:r>
+            <a:r>
+              <a:rPr lang="de-DE" sz="1100" dirty="0"/>
+              <a:t>/</a:t>
+            </a:r>
+            <a:r>
+              <a:rPr lang="de-DE" sz="1100" dirty="0" err="1"/>
+              <a:t>incorrect</a:t>
+            </a:r>
+            <a:r>
+              <a:rPr lang="de-DE" sz="1100" dirty="0"/>
+              <a:t>)</a:t>
+            </a:r>
+          </a:p>
+          <a:p>
+            <a:pPr lvl="2"/>
+            <a:r>
+              <a:rPr lang="de-DE" sz="1100" dirty="0"/>
+              <a:t>ANOVA 5 (</a:t>
+            </a:r>
+            <a:r>
+              <a:rPr lang="de-DE" sz="1100" dirty="0" err="1"/>
+              <a:t>regions</a:t>
+            </a:r>
+            <a:r>
+              <a:rPr lang="de-DE" sz="1100" dirty="0"/>
+              <a:t>) * 4 (</a:t>
+            </a:r>
+            <a:r>
+              <a:rPr lang="de-DE" sz="1100" dirty="0" err="1"/>
+              <a:t>conditions</a:t>
+            </a:r>
+            <a:r>
+              <a:rPr lang="de-DE" sz="1100" dirty="0"/>
+              <a:t> </a:t>
+            </a:r>
+            <a:r>
+              <a:rPr lang="de-DE" sz="1100" dirty="0" err="1"/>
+              <a:t>above</a:t>
+            </a:r>
+            <a:r>
+              <a:rPr lang="de-DE" sz="1100" dirty="0"/>
+              <a:t>)</a:t>
+            </a:r>
+          </a:p>
+          <a:p>
+            <a:pPr lvl="1"/>
+            <a:r>
+              <a:rPr lang="de-DE" sz="1500" dirty="0"/>
+              <a:t>RT </a:t>
+            </a:r>
+            <a:r>
+              <a:rPr lang="de-DE" sz="1500" dirty="0" err="1"/>
+              <a:t>based</a:t>
+            </a:r>
+            <a:endParaRPr lang="de-DE" sz="1500" dirty="0"/>
+          </a:p>
+          <a:p>
+            <a:pPr lvl="2"/>
+            <a:r>
+              <a:rPr lang="de-DE" sz="1100" dirty="0" err="1"/>
+              <a:t>Hypo</a:t>
+            </a:r>
+            <a:r>
+              <a:rPr lang="de-DE" sz="1100" dirty="0"/>
+              <a:t> = </a:t>
+            </a:r>
+            <a:r>
+              <a:rPr lang="de-DE" sz="1100" dirty="0" err="1"/>
+              <a:t>more</a:t>
+            </a:r>
+            <a:r>
+              <a:rPr lang="de-DE" sz="1100" dirty="0"/>
+              <a:t> </a:t>
+            </a:r>
+            <a:r>
+              <a:rPr lang="de-DE" sz="1100" dirty="0" err="1"/>
+              <a:t>pattern</a:t>
+            </a:r>
+            <a:r>
+              <a:rPr lang="de-DE" sz="1100" dirty="0"/>
+              <a:t> </a:t>
+            </a:r>
+            <a:r>
+              <a:rPr lang="de-DE" sz="1100" dirty="0" err="1"/>
+              <a:t>reinstatement</a:t>
+            </a:r>
+            <a:r>
+              <a:rPr lang="de-DE" sz="1100" dirty="0"/>
+              <a:t> = </a:t>
+            </a:r>
+            <a:r>
+              <a:rPr lang="de-DE" sz="1100" dirty="0" err="1"/>
+              <a:t>faster</a:t>
+            </a:r>
+            <a:r>
+              <a:rPr lang="de-DE" sz="1100" dirty="0"/>
+              <a:t> </a:t>
+            </a:r>
+            <a:r>
+              <a:rPr lang="de-DE" sz="1100" dirty="0" err="1"/>
+              <a:t>response</a:t>
+            </a:r>
+            <a:endParaRPr lang="de-DE" sz="1100" dirty="0"/>
+          </a:p>
+          <a:p>
+            <a:pPr lvl="2"/>
+            <a:r>
+              <a:rPr lang="de-DE" sz="1100" dirty="0" err="1"/>
+              <a:t>Only</a:t>
+            </a:r>
+            <a:r>
+              <a:rPr lang="de-DE" sz="1100" dirty="0"/>
+              <a:t> </a:t>
+            </a:r>
+            <a:r>
+              <a:rPr lang="de-DE" sz="1100" dirty="0" err="1"/>
+              <a:t>take</a:t>
+            </a:r>
+            <a:r>
+              <a:rPr lang="de-DE" sz="1100" dirty="0"/>
+              <a:t> AC </a:t>
+            </a:r>
+            <a:r>
+              <a:rPr lang="de-DE" sz="1100" dirty="0" err="1"/>
+              <a:t>correct</a:t>
+            </a:r>
+            <a:r>
+              <a:rPr lang="de-DE" sz="1100" dirty="0"/>
+              <a:t>, divide RT </a:t>
+            </a:r>
+            <a:r>
+              <a:rPr lang="de-DE" sz="1100" dirty="0" err="1"/>
+              <a:t>into</a:t>
+            </a:r>
+            <a:r>
+              <a:rPr lang="de-DE" sz="1100" dirty="0"/>
+              <a:t> 2 w median, AC </a:t>
+            </a:r>
+            <a:r>
+              <a:rPr lang="de-DE" sz="1100" dirty="0" err="1"/>
+              <a:t>incorrrect</a:t>
+            </a:r>
+            <a:r>
+              <a:rPr lang="de-DE" sz="1100" dirty="0"/>
+              <a:t> </a:t>
+            </a:r>
+            <a:r>
+              <a:rPr lang="de-DE" sz="1100" dirty="0" err="1"/>
+              <a:t>as</a:t>
+            </a:r>
+            <a:r>
+              <a:rPr lang="de-DE" sz="1100" dirty="0"/>
+              <a:t> </a:t>
+            </a:r>
+            <a:r>
+              <a:rPr lang="de-DE" sz="1100" dirty="0" err="1"/>
+              <a:t>regressor</a:t>
+            </a:r>
+            <a:r>
+              <a:rPr lang="de-DE" sz="1100" dirty="0"/>
+              <a:t> </a:t>
+            </a:r>
+            <a:r>
+              <a:rPr lang="de-DE" sz="1100" dirty="0" err="1"/>
+              <a:t>of</a:t>
+            </a:r>
+            <a:r>
+              <a:rPr lang="de-DE" sz="1100" dirty="0"/>
+              <a:t> </a:t>
+            </a:r>
+            <a:r>
+              <a:rPr lang="de-DE" sz="1100" dirty="0" err="1"/>
+              <a:t>no</a:t>
+            </a:r>
+            <a:r>
+              <a:rPr lang="de-DE" sz="1100" dirty="0"/>
+              <a:t> </a:t>
+            </a:r>
+            <a:r>
+              <a:rPr lang="de-DE" sz="1100" dirty="0" err="1"/>
+              <a:t>interest</a:t>
+            </a:r>
+            <a:endParaRPr lang="de-DE" sz="1100" dirty="0"/>
+          </a:p>
+          <a:p>
+            <a:pPr lvl="1"/>
+            <a:r>
+              <a:rPr lang="de-DE" sz="1500" dirty="0"/>
+              <a:t>Cross </a:t>
+            </a:r>
+            <a:r>
+              <a:rPr lang="de-DE" sz="1500" dirty="0" err="1"/>
+              <a:t>particiapnt</a:t>
+            </a:r>
+            <a:endParaRPr lang="de-DE" sz="1500" dirty="0"/>
+          </a:p>
+          <a:p>
+            <a:pPr lvl="2"/>
+            <a:r>
+              <a:rPr lang="de-DE" sz="1100" dirty="0" err="1"/>
+              <a:t>Only</a:t>
+            </a:r>
+            <a:r>
+              <a:rPr lang="de-DE" sz="1100" dirty="0"/>
+              <a:t> </a:t>
+            </a:r>
+            <a:r>
+              <a:rPr lang="de-DE" sz="1100" dirty="0" err="1"/>
+              <a:t>regressors</a:t>
+            </a:r>
+            <a:r>
+              <a:rPr lang="de-DE" sz="1100" dirty="0"/>
+              <a:t> =  AB/BC </a:t>
+            </a:r>
+            <a:r>
+              <a:rPr lang="de-DE" sz="1100" dirty="0" err="1"/>
+              <a:t>during</a:t>
+            </a:r>
+            <a:r>
+              <a:rPr lang="de-DE" sz="1100" dirty="0"/>
+              <a:t> </a:t>
+            </a:r>
+            <a:r>
+              <a:rPr lang="de-DE" sz="1100" dirty="0" err="1"/>
+              <a:t>study</a:t>
+            </a:r>
+            <a:r>
+              <a:rPr lang="de-DE" sz="1100" dirty="0"/>
+              <a:t>, and AC </a:t>
+            </a:r>
+            <a:r>
+              <a:rPr lang="de-DE" sz="1100" dirty="0" err="1"/>
+              <a:t>during</a:t>
+            </a:r>
+            <a:r>
+              <a:rPr lang="de-DE" sz="1100" dirty="0"/>
+              <a:t> </a:t>
+            </a:r>
+            <a:r>
+              <a:rPr lang="de-DE" sz="1100" dirty="0" err="1"/>
+              <a:t>test</a:t>
+            </a:r>
+            <a:r>
+              <a:rPr lang="de-DE" sz="1100"/>
+              <a:t>;  </a:t>
+            </a:r>
+            <a:r>
+              <a:rPr lang="de-DE" sz="1100" dirty="0" err="1"/>
+              <a:t>no</a:t>
+            </a:r>
+            <a:r>
+              <a:rPr lang="de-DE" sz="1100" dirty="0"/>
+              <a:t> </a:t>
+            </a:r>
+            <a:r>
+              <a:rPr lang="de-DE" sz="1100" dirty="0" err="1"/>
+              <a:t>perf</a:t>
+            </a:r>
+            <a:r>
+              <a:rPr lang="de-DE" sz="1100" dirty="0"/>
+              <a:t> </a:t>
+            </a:r>
+            <a:r>
+              <a:rPr lang="de-DE" sz="1100" dirty="0" err="1"/>
+              <a:t>or</a:t>
+            </a:r>
+            <a:r>
+              <a:rPr lang="de-DE" sz="1100" dirty="0"/>
+              <a:t> RT</a:t>
+            </a:r>
+          </a:p>
+          <a:p>
+            <a:pPr lvl="2"/>
+            <a:endParaRPr lang="de-DE" sz="1100" dirty="0"/>
+          </a:p>
+          <a:p>
+            <a:pPr lvl="2"/>
+            <a:endParaRPr lang="de-DE" sz="1000" dirty="0"/>
+          </a:p>
+        </p:txBody>
+      </p:sp>
+    </p:spTree>
+    <p:extLst>
+      <p:ext uri="{BB962C8B-B14F-4D97-AF65-F5344CB8AC3E}">
+        <p14:creationId xmlns:p14="http://schemas.microsoft.com/office/powerpoint/2010/main" val="1768760931"/>
+      </p:ext>
+    </p:extLst>
+  </p:cSld>
+  <p:clrMapOvr>
+    <a:masterClrMapping/>
+  </p:clrMapOvr>
+</p:sld>
+</file>
+
+<file path=ppt/slides/slide6.xml><?xml version="1.0" encoding="utf-8"?>
+<p:sld xmlns:a="http://schemas.openxmlformats.org/drawingml/2006/main" xmlns:r="http://schemas.openxmlformats.org/officeDocument/2006/relationships" xmlns:p="http://schemas.openxmlformats.org/presentationml/2006/main">
+  <p:cSld>
+    <p:spTree>
+      <p:nvGrpSpPr>
+        <p:cNvPr id="1" name=""/>
+        <p:cNvGrpSpPr/>
+        <p:nvPr/>
+      </p:nvGrpSpPr>
+      <p:grpSpPr>
+        <a:xfrm>
+          <a:off x="0" y="0"/>
+          <a:ext cx="0" cy="0"/>
+          <a:chOff x="0" y="0"/>
+          <a:chExt cx="0" cy="0"/>
+        </a:xfrm>
+      </p:grpSpPr>
+      <p:sp>
+        <p:nvSpPr>
+          <p:cNvPr id="2" name="Titre 1">
+            <a:extLst>
+              <a:ext uri="{FF2B5EF4-FFF2-40B4-BE49-F238E27FC236}">
+                <a16:creationId xmlns:a16="http://schemas.microsoft.com/office/drawing/2014/main" id="{A58F4D5B-410E-4C0D-B61A-68C929FEC6C8}"/>
+              </a:ext>
+            </a:extLst>
+          </p:cNvPr>
+          <p:cNvSpPr>
+            <a:spLocks noGrp="1"/>
+          </p:cNvSpPr>
+          <p:nvPr>
+            <p:ph type="title"/>
+          </p:nvPr>
+        </p:nvSpPr>
+        <p:spPr/>
+        <p:txBody>
+          <a:bodyPr/>
+          <a:lstStyle/>
+          <a:p>
+            <a:endParaRPr lang="fr-FR" dirty="0"/>
+          </a:p>
+        </p:txBody>
+      </p:sp>
+      <p:sp>
+        <p:nvSpPr>
+          <p:cNvPr id="3" name="Espace réservé du contenu 2">
+            <a:extLst>
+              <a:ext uri="{FF2B5EF4-FFF2-40B4-BE49-F238E27FC236}">
+                <a16:creationId xmlns:a16="http://schemas.microsoft.com/office/drawing/2014/main" id="{F79E5EB0-6D6B-4E28-9B86-6CC055C4A90A}"/>
+              </a:ext>
+            </a:extLst>
+          </p:cNvPr>
+          <p:cNvSpPr>
+            <a:spLocks noGrp="1"/>
+          </p:cNvSpPr>
+          <p:nvPr>
+            <p:ph idx="1"/>
+          </p:nvPr>
+        </p:nvSpPr>
+        <p:spPr/>
+        <p:txBody>
+          <a:bodyPr/>
+          <a:lstStyle/>
+          <a:p>
+            <a:endParaRPr lang="fr-FR"/>
+          </a:p>
+        </p:txBody>
+      </p:sp>
+    </p:spTree>
+    <p:extLst>
+      <p:ext uri="{BB962C8B-B14F-4D97-AF65-F5344CB8AC3E}">
+        <p14:creationId xmlns:p14="http://schemas.microsoft.com/office/powerpoint/2010/main" val="1872331689"/>
       </p:ext>
     </p:extLst>
   </p:cSld>

--- a/ANAs.pptx
+++ b/ANAs.pptx
@@ -202,7 +202,7 @@
           <a:p>
             <a:fld id="{E33244F7-6EDC-4098-A2FC-DE5C43C385B3}" type="datetimeFigureOut">
               <a:rPr lang="en-US" smtClean="0"/>
-              <a:t>1/18/2022</a:t>
+              <a:t>1/19/2022</a:t>
             </a:fld>
             <a:endParaRPr lang="en-US"/>
           </a:p>
@@ -952,7 +952,7 @@
           <a:p>
             <a:fld id="{F978D6D9-2A7C-491E-92E0-6BCF88E01484}" type="datetimeFigureOut">
               <a:rPr lang="fr-FR" smtClean="0"/>
-              <a:t>18/01/2022</a:t>
+              <a:t>19/01/2022</a:t>
             </a:fld>
             <a:endParaRPr lang="fr-FR"/>
           </a:p>
@@ -1150,7 +1150,7 @@
           <a:p>
             <a:fld id="{F978D6D9-2A7C-491E-92E0-6BCF88E01484}" type="datetimeFigureOut">
               <a:rPr lang="fr-FR" smtClean="0"/>
-              <a:t>18/01/2022</a:t>
+              <a:t>19/01/2022</a:t>
             </a:fld>
             <a:endParaRPr lang="fr-FR"/>
           </a:p>
@@ -1358,7 +1358,7 @@
           <a:p>
             <a:fld id="{F978D6D9-2A7C-491E-92E0-6BCF88E01484}" type="datetimeFigureOut">
               <a:rPr lang="fr-FR" smtClean="0"/>
-              <a:t>18/01/2022</a:t>
+              <a:t>19/01/2022</a:t>
             </a:fld>
             <a:endParaRPr lang="fr-FR"/>
           </a:p>
@@ -1556,7 +1556,7 @@
           <a:p>
             <a:fld id="{F978D6D9-2A7C-491E-92E0-6BCF88E01484}" type="datetimeFigureOut">
               <a:rPr lang="fr-FR" smtClean="0"/>
-              <a:t>18/01/2022</a:t>
+              <a:t>19/01/2022</a:t>
             </a:fld>
             <a:endParaRPr lang="fr-FR"/>
           </a:p>
@@ -1831,7 +1831,7 @@
           <a:p>
             <a:fld id="{F978D6D9-2A7C-491E-92E0-6BCF88E01484}" type="datetimeFigureOut">
               <a:rPr lang="fr-FR" smtClean="0"/>
-              <a:t>18/01/2022</a:t>
+              <a:t>19/01/2022</a:t>
             </a:fld>
             <a:endParaRPr lang="fr-FR"/>
           </a:p>
@@ -2096,7 +2096,7 @@
           <a:p>
             <a:fld id="{F978D6D9-2A7C-491E-92E0-6BCF88E01484}" type="datetimeFigureOut">
               <a:rPr lang="fr-FR" smtClean="0"/>
-              <a:t>18/01/2022</a:t>
+              <a:t>19/01/2022</a:t>
             </a:fld>
             <a:endParaRPr lang="fr-FR"/>
           </a:p>
@@ -2508,7 +2508,7 @@
           <a:p>
             <a:fld id="{F978D6D9-2A7C-491E-92E0-6BCF88E01484}" type="datetimeFigureOut">
               <a:rPr lang="fr-FR" smtClean="0"/>
-              <a:t>18/01/2022</a:t>
+              <a:t>19/01/2022</a:t>
             </a:fld>
             <a:endParaRPr lang="fr-FR"/>
           </a:p>
@@ -2649,7 +2649,7 @@
           <a:p>
             <a:fld id="{F978D6D9-2A7C-491E-92E0-6BCF88E01484}" type="datetimeFigureOut">
               <a:rPr lang="fr-FR" smtClean="0"/>
-              <a:t>18/01/2022</a:t>
+              <a:t>19/01/2022</a:t>
             </a:fld>
             <a:endParaRPr lang="fr-FR"/>
           </a:p>
@@ -2762,7 +2762,7 @@
           <a:p>
             <a:fld id="{F978D6D9-2A7C-491E-92E0-6BCF88E01484}" type="datetimeFigureOut">
               <a:rPr lang="fr-FR" smtClean="0"/>
-              <a:t>18/01/2022</a:t>
+              <a:t>19/01/2022</a:t>
             </a:fld>
             <a:endParaRPr lang="fr-FR"/>
           </a:p>
@@ -3073,7 +3073,7 @@
           <a:p>
             <a:fld id="{F978D6D9-2A7C-491E-92E0-6BCF88E01484}" type="datetimeFigureOut">
               <a:rPr lang="fr-FR" smtClean="0"/>
-              <a:t>18/01/2022</a:t>
+              <a:t>19/01/2022</a:t>
             </a:fld>
             <a:endParaRPr lang="fr-FR"/>
           </a:p>
@@ -3361,7 +3361,7 @@
           <a:p>
             <a:fld id="{F978D6D9-2A7C-491E-92E0-6BCF88E01484}" type="datetimeFigureOut">
               <a:rPr lang="fr-FR" smtClean="0"/>
-              <a:t>18/01/2022</a:t>
+              <a:t>19/01/2022</a:t>
             </a:fld>
             <a:endParaRPr lang="fr-FR"/>
           </a:p>
@@ -3602,7 +3602,7 @@
           <a:p>
             <a:fld id="{F978D6D9-2A7C-491E-92E0-6BCF88E01484}" type="datetimeFigureOut">
               <a:rPr lang="fr-FR" smtClean="0"/>
-              <a:t>18/01/2022</a:t>
+              <a:t>19/01/2022</a:t>
             </a:fld>
             <a:endParaRPr lang="fr-FR"/>
           </a:p>
@@ -5813,75 +5813,75 @@
               <a:t> = </a:t>
             </a:r>
             <a:r>
-              <a:rPr lang="de-DE" sz="1200" dirty="0" err="1"/>
+              <a:rPr lang="de-DE" sz="1200" b="1" dirty="0" err="1"/>
               <a:t>cue</a:t>
             </a:r>
             <a:r>
-              <a:rPr lang="de-DE" sz="1200" dirty="0"/>
+              <a:rPr lang="de-DE" sz="1200" b="1" dirty="0"/>
               <a:t> type (A, B, C, D), </a:t>
             </a:r>
             <a:r>
-              <a:rPr lang="de-DE" sz="1200" dirty="0" err="1"/>
+              <a:rPr lang="de-DE" sz="1200" b="1" dirty="0" err="1"/>
               <a:t>created</a:t>
             </a:r>
             <a:r>
-              <a:rPr lang="de-DE" sz="1200" dirty="0"/>
-              <a:t> </a:t>
-            </a:r>
-            <a:r>
-              <a:rPr lang="de-DE" sz="1200" dirty="0" err="1"/>
+              <a:rPr lang="de-DE" sz="1200" b="1" dirty="0"/>
+              <a:t> </a:t>
+            </a:r>
+            <a:r>
+              <a:rPr lang="de-DE" sz="1200" b="1" dirty="0" err="1"/>
               <a:t>byconvolving</a:t>
             </a:r>
             <a:r>
-              <a:rPr lang="de-DE" sz="1200" dirty="0"/>
-              <a:t> </a:t>
-            </a:r>
-            <a:r>
-              <a:rPr lang="de-DE" sz="1200" dirty="0" err="1"/>
+              <a:rPr lang="de-DE" sz="1200" b="1" dirty="0"/>
+              <a:t> </a:t>
+            </a:r>
+            <a:r>
+              <a:rPr lang="de-DE" sz="1200" b="1" dirty="0" err="1"/>
               <a:t>onset</a:t>
             </a:r>
             <a:r>
-              <a:rPr lang="de-DE" sz="1200" dirty="0"/>
+              <a:rPr lang="de-DE" sz="1200" b="1" dirty="0"/>
               <a:t> and </a:t>
             </a:r>
             <a:r>
-              <a:rPr lang="de-DE" sz="1200" dirty="0" err="1"/>
+              <a:rPr lang="de-DE" sz="1200" b="1" dirty="0" err="1"/>
               <a:t>duration</a:t>
             </a:r>
             <a:r>
-              <a:rPr lang="de-DE" sz="1200" dirty="0"/>
-              <a:t> </a:t>
-            </a:r>
-            <a:r>
-              <a:rPr lang="de-DE" sz="1200" dirty="0" err="1"/>
+              <a:rPr lang="de-DE" sz="1200" b="1" dirty="0"/>
+              <a:t> </a:t>
+            </a:r>
+            <a:r>
+              <a:rPr lang="de-DE" sz="1200" b="1" dirty="0" err="1"/>
               <a:t>of</a:t>
             </a:r>
             <a:r>
-              <a:rPr lang="de-DE" sz="1200" dirty="0"/>
-              <a:t> </a:t>
-            </a:r>
-            <a:r>
-              <a:rPr lang="de-DE" sz="1200" dirty="0" err="1"/>
+              <a:rPr lang="de-DE" sz="1200" b="1" dirty="0"/>
+              <a:t> </a:t>
+            </a:r>
+            <a:r>
+              <a:rPr lang="de-DE" sz="1200" b="1" dirty="0" err="1"/>
               <a:t>each</a:t>
             </a:r>
             <a:r>
-              <a:rPr lang="de-DE" sz="1200" dirty="0"/>
-              <a:t> </a:t>
-            </a:r>
-            <a:r>
-              <a:rPr lang="de-DE" sz="1200" dirty="0" err="1"/>
+              <a:rPr lang="de-DE" sz="1200" b="1" dirty="0"/>
+              <a:t> </a:t>
+            </a:r>
+            <a:r>
+              <a:rPr lang="de-DE" sz="1200" b="1" dirty="0" err="1"/>
               <a:t>cue</a:t>
             </a:r>
             <a:r>
-              <a:rPr lang="de-DE" sz="1200" dirty="0"/>
-              <a:t> </a:t>
-            </a:r>
-            <a:r>
-              <a:rPr lang="de-DE" sz="1200" dirty="0" err="1"/>
+              <a:rPr lang="de-DE" sz="1200" b="1" dirty="0"/>
+              <a:t> </a:t>
+            </a:r>
+            <a:r>
+              <a:rPr lang="de-DE" sz="1200" b="1" dirty="0" err="1"/>
               <a:t>with</a:t>
             </a:r>
             <a:r>
-              <a:rPr lang="de-DE" sz="1200" dirty="0"/>
+              <a:rPr lang="de-DE" sz="1200" b="1" dirty="0"/>
               <a:t> HRF</a:t>
             </a:r>
           </a:p>
@@ -6933,24 +6933,28 @@
           </a:p>
           <a:p>
             <a:r>
+              <a:rPr lang="de-DE" sz="1800" b="1" dirty="0"/>
+              <a:t>MVPA </a:t>
+            </a:r>
+            <a:r>
+              <a:rPr lang="de-DE" sz="1800" b="1" dirty="0" err="1"/>
+              <a:t>for</a:t>
+            </a:r>
+            <a:r>
+              <a:rPr lang="de-DE" sz="1800" b="1" dirty="0"/>
+              <a:t> </a:t>
+            </a:r>
+            <a:r>
+              <a:rPr lang="de-DE" sz="1800" b="1" dirty="0" err="1"/>
+              <a:t>reactivation</a:t>
+            </a:r>
+            <a:r>
+              <a:rPr lang="de-DE" sz="1800" b="1" dirty="0"/>
+              <a:t> </a:t>
+            </a:r>
+            <a:r>
               <a:rPr lang="de-DE" sz="1800" dirty="0"/>
-              <a:t>MVPA </a:t>
-            </a:r>
-            <a:r>
-              <a:rPr lang="de-DE" sz="1800" dirty="0" err="1"/>
-              <a:t>for</a:t>
-            </a:r>
-            <a:r>
-              <a:rPr lang="de-DE" sz="1800" dirty="0"/>
-              <a:t> </a:t>
-            </a:r>
-            <a:r>
-              <a:rPr lang="de-DE" sz="1800" dirty="0" err="1"/>
-              <a:t>reactivation</a:t>
-            </a:r>
-            <a:r>
-              <a:rPr lang="de-DE" sz="1800" dirty="0"/>
-              <a:t> = RSA </a:t>
+              <a:t>= RSA </a:t>
             </a:r>
             <a:r>
               <a:rPr lang="de-DE" sz="1800" dirty="0" err="1"/>
@@ -8035,680 +8039,680 @@
           <a:lstStyle/>
           <a:p>
             <a:r>
-              <a:rPr lang="de-DE" sz="1800" dirty="0" err="1"/>
+              <a:rPr lang="de-DE" dirty="0" err="1"/>
               <a:t>Preprocessing</a:t>
             </a:r>
-            <a:endParaRPr lang="de-DE" sz="1800" dirty="0"/>
+            <a:endParaRPr lang="de-DE" dirty="0"/>
           </a:p>
           <a:p>
             <a:pPr lvl="1"/>
             <a:r>
-              <a:rPr lang="de-DE" sz="1400" dirty="0"/>
+              <a:rPr lang="de-DE" sz="2000" dirty="0"/>
               <a:t>Sinc </a:t>
             </a:r>
             <a:r>
-              <a:rPr lang="de-DE" sz="1400" dirty="0" err="1"/>
+              <a:rPr lang="de-DE" sz="2000" dirty="0" err="1"/>
               <a:t>interpolation</a:t>
             </a:r>
             <a:r>
-              <a:rPr lang="de-DE" sz="1400" dirty="0"/>
+              <a:rPr lang="de-DE" sz="2000" dirty="0"/>
               <a:t> and </a:t>
             </a:r>
             <a:r>
-              <a:rPr lang="de-DE" sz="1400" dirty="0" err="1"/>
+              <a:rPr lang="de-DE" sz="2000" dirty="0" err="1"/>
               <a:t>resampling</a:t>
             </a:r>
             <a:r>
-              <a:rPr lang="de-DE" sz="1400" dirty="0"/>
-              <a:t> </a:t>
-            </a:r>
-            <a:r>
-              <a:rPr lang="de-DE" sz="1400" dirty="0" err="1"/>
+              <a:rPr lang="de-DE" sz="2000" dirty="0"/>
+              <a:t> </a:t>
+            </a:r>
+            <a:r>
+              <a:rPr lang="de-DE" sz="2000" dirty="0" err="1"/>
               <a:t>using</a:t>
             </a:r>
             <a:r>
-              <a:rPr lang="de-DE" sz="1400" dirty="0"/>
-              <a:t> </a:t>
-            </a:r>
-            <a:r>
-              <a:rPr lang="de-DE" sz="1400" dirty="0" err="1"/>
+              <a:rPr lang="de-DE" sz="2000" dirty="0"/>
+              <a:t> </a:t>
+            </a:r>
+            <a:r>
+              <a:rPr lang="de-DE" sz="2000" dirty="0" err="1"/>
               <a:t>first</a:t>
             </a:r>
             <a:r>
-              <a:rPr lang="de-DE" sz="1400" dirty="0"/>
+              <a:rPr lang="de-DE" sz="2000" dirty="0"/>
               <a:t> slice </a:t>
             </a:r>
             <a:r>
-              <a:rPr lang="de-DE" sz="1400" dirty="0" err="1"/>
+              <a:rPr lang="de-DE" sz="2000" dirty="0" err="1"/>
               <a:t>as</a:t>
             </a:r>
             <a:r>
-              <a:rPr lang="de-DE" sz="1400" dirty="0"/>
-              <a:t> </a:t>
-            </a:r>
-            <a:r>
-              <a:rPr lang="de-DE" sz="1400" dirty="0" err="1"/>
+              <a:rPr lang="de-DE" sz="2000" dirty="0"/>
+              <a:t> </a:t>
+            </a:r>
+            <a:r>
+              <a:rPr lang="de-DE" sz="2000" dirty="0" err="1"/>
               <a:t>reference</a:t>
             </a:r>
             <a:r>
-              <a:rPr lang="de-DE" sz="1400" dirty="0"/>
-              <a:t> </a:t>
-            </a:r>
-            <a:r>
-              <a:rPr lang="de-DE" sz="1400" dirty="0" err="1"/>
+              <a:rPr lang="de-DE" sz="2000" dirty="0"/>
+              <a:t> </a:t>
+            </a:r>
+            <a:r>
+              <a:rPr lang="de-DE" sz="2000" dirty="0" err="1"/>
               <a:t>point</a:t>
             </a:r>
             <a:r>
-              <a:rPr lang="de-DE" sz="1400" dirty="0"/>
-              <a:t> </a:t>
-            </a:r>
-            <a:r>
-              <a:rPr lang="de-DE" sz="1400" dirty="0" err="1"/>
+              <a:rPr lang="de-DE" sz="2000" dirty="0"/>
+              <a:t> </a:t>
+            </a:r>
+            <a:r>
+              <a:rPr lang="de-DE" sz="2000" dirty="0" err="1"/>
               <a:t>to</a:t>
             </a:r>
             <a:r>
-              <a:rPr lang="de-DE" sz="1400" dirty="0"/>
-              <a:t> </a:t>
-            </a:r>
-            <a:r>
-              <a:rPr lang="de-DE" sz="1400" dirty="0" err="1"/>
+              <a:rPr lang="de-DE" sz="2000" dirty="0"/>
+              <a:t> </a:t>
+            </a:r>
+            <a:r>
+              <a:rPr lang="de-DE" sz="2000" dirty="0" err="1"/>
               <a:t>account</a:t>
             </a:r>
             <a:r>
-              <a:rPr lang="de-DE" sz="1400" dirty="0"/>
-              <a:t> </a:t>
-            </a:r>
-            <a:r>
-              <a:rPr lang="de-DE" sz="1400" dirty="0" err="1"/>
+              <a:rPr lang="de-DE" sz="2000" dirty="0"/>
+              <a:t> </a:t>
+            </a:r>
+            <a:r>
+              <a:rPr lang="de-DE" sz="2000" dirty="0" err="1"/>
               <a:t>for</a:t>
             </a:r>
             <a:r>
-              <a:rPr lang="de-DE" sz="1400" dirty="0"/>
-              <a:t> </a:t>
-            </a:r>
-            <a:r>
-              <a:rPr lang="de-DE" sz="1400" dirty="0" err="1"/>
+              <a:rPr lang="de-DE" sz="2000" dirty="0"/>
+              <a:t> </a:t>
+            </a:r>
+            <a:r>
+              <a:rPr lang="de-DE" sz="2000" dirty="0" err="1"/>
               <a:t>diff</a:t>
             </a:r>
             <a:r>
-              <a:rPr lang="de-DE" sz="1400" dirty="0"/>
+              <a:rPr lang="de-DE" sz="2000" dirty="0"/>
               <a:t> in slice </a:t>
             </a:r>
             <a:r>
-              <a:rPr lang="de-DE" sz="1400" dirty="0" err="1"/>
+              <a:rPr lang="de-DE" sz="2000" dirty="0" err="1"/>
               <a:t>acquisition</a:t>
             </a:r>
             <a:r>
-              <a:rPr lang="de-DE" sz="1400" dirty="0"/>
-              <a:t> </a:t>
-            </a:r>
-            <a:r>
-              <a:rPr lang="de-DE" sz="1400" dirty="0" err="1"/>
+              <a:rPr lang="de-DE" sz="2000" dirty="0"/>
+              <a:t> </a:t>
+            </a:r>
+            <a:r>
+              <a:rPr lang="de-DE" sz="2000" dirty="0" err="1"/>
               <a:t>times</a:t>
             </a:r>
-            <a:endParaRPr lang="de-DE" sz="1400" dirty="0"/>
+            <a:endParaRPr lang="de-DE" sz="2000" dirty="0"/>
           </a:p>
           <a:p>
             <a:pPr lvl="1"/>
             <a:r>
-              <a:rPr lang="de-DE" sz="1400" dirty="0" err="1"/>
+              <a:rPr lang="de-DE" sz="2000" dirty="0" err="1"/>
               <a:t>Realign</a:t>
             </a:r>
             <a:r>
-              <a:rPr lang="de-DE" sz="1400" dirty="0"/>
+              <a:rPr lang="de-DE" sz="2000" dirty="0"/>
               <a:t> slice </a:t>
             </a:r>
             <a:r>
-              <a:rPr lang="de-DE" sz="1400" dirty="0" err="1"/>
+              <a:rPr lang="de-DE" sz="2000" dirty="0" err="1"/>
               <a:t>to</a:t>
             </a:r>
             <a:r>
-              <a:rPr lang="de-DE" sz="1400" dirty="0"/>
-              <a:t> </a:t>
-            </a:r>
-            <a:r>
-              <a:rPr lang="de-DE" sz="1400" dirty="0" err="1"/>
+              <a:rPr lang="de-DE" sz="2000" dirty="0"/>
+              <a:t> </a:t>
+            </a:r>
+            <a:r>
+              <a:rPr lang="de-DE" sz="2000" dirty="0" err="1"/>
               <a:t>forst</a:t>
             </a:r>
             <a:r>
-              <a:rPr lang="de-DE" sz="1400" dirty="0"/>
-              <a:t> </a:t>
-            </a:r>
-            <a:r>
-              <a:rPr lang="de-DE" sz="1400" dirty="0" err="1"/>
+              <a:rPr lang="de-DE" sz="2000" dirty="0"/>
+              <a:t> </a:t>
+            </a:r>
+            <a:r>
+              <a:rPr lang="de-DE" sz="2000" dirty="0" err="1"/>
               <a:t>volume</a:t>
             </a:r>
             <a:r>
-              <a:rPr lang="de-DE" sz="1400" dirty="0"/>
+              <a:rPr lang="de-DE" sz="2000" dirty="0"/>
               <a:t>, and </a:t>
             </a:r>
             <a:r>
-              <a:rPr lang="de-DE" sz="1400" dirty="0" err="1"/>
+              <a:rPr lang="de-DE" sz="2000" dirty="0" err="1"/>
               <a:t>corregistered</a:t>
             </a:r>
             <a:r>
-              <a:rPr lang="de-DE" sz="1400" dirty="0"/>
-              <a:t> </a:t>
-            </a:r>
-            <a:r>
-              <a:rPr lang="de-DE" sz="1400" dirty="0" err="1"/>
+              <a:rPr lang="de-DE" sz="2000" dirty="0"/>
+              <a:t> </a:t>
+            </a:r>
+            <a:r>
+              <a:rPr lang="de-DE" sz="2000" dirty="0" err="1"/>
               <a:t>to</a:t>
             </a:r>
             <a:r>
-              <a:rPr lang="de-DE" sz="1400" dirty="0"/>
+              <a:rPr lang="de-DE" sz="2000" dirty="0"/>
               <a:t> T2 </a:t>
             </a:r>
             <a:r>
-              <a:rPr lang="de-DE" sz="1400" dirty="0" err="1"/>
+              <a:rPr lang="de-DE" sz="2000" dirty="0" err="1"/>
               <a:t>structurql</a:t>
             </a:r>
             <a:r>
-              <a:rPr lang="de-DE" sz="1400" dirty="0"/>
-              <a:t> </a:t>
-            </a:r>
-            <a:r>
-              <a:rPr lang="de-DE" sz="1400" dirty="0" err="1"/>
+              <a:rPr lang="de-DE" sz="2000" dirty="0"/>
+              <a:t> </a:t>
+            </a:r>
+            <a:r>
+              <a:rPr lang="de-DE" sz="2000" dirty="0" err="1"/>
               <a:t>image</a:t>
             </a:r>
-            <a:endParaRPr lang="de-DE" sz="1400" dirty="0"/>
+            <a:endParaRPr lang="de-DE" sz="2000" dirty="0"/>
           </a:p>
           <a:p>
             <a:pPr lvl="1"/>
             <a:r>
-              <a:rPr lang="de-DE" sz="1400" dirty="0"/>
+              <a:rPr lang="de-DE" sz="2000" dirty="0"/>
               <a:t>All in native </a:t>
             </a:r>
             <a:r>
-              <a:rPr lang="de-DE" sz="1400" dirty="0" err="1"/>
+              <a:rPr lang="de-DE" sz="2000" dirty="0" err="1"/>
               <a:t>space</a:t>
             </a:r>
             <a:r>
-              <a:rPr lang="de-DE" sz="1400" dirty="0"/>
+              <a:rPr lang="de-DE" sz="2000" dirty="0"/>
               <a:t>, </a:t>
             </a:r>
             <a:r>
-              <a:rPr lang="de-DE" sz="1400" dirty="0" err="1"/>
+              <a:rPr lang="de-DE" sz="2000" dirty="0" err="1"/>
               <a:t>no</a:t>
             </a:r>
             <a:r>
-              <a:rPr lang="de-DE" sz="1400" dirty="0"/>
-              <a:t> </a:t>
-            </a:r>
-            <a:r>
-              <a:rPr lang="de-DE" sz="1400" dirty="0" err="1"/>
+              <a:rPr lang="de-DE" sz="2000" dirty="0"/>
+              <a:t> </a:t>
+            </a:r>
+            <a:r>
+              <a:rPr lang="de-DE" sz="2000" dirty="0" err="1"/>
               <a:t>smoothing</a:t>
             </a:r>
-            <a:endParaRPr lang="de-DE" sz="1400" dirty="0"/>
-          </a:p>
-          <a:p>
-            <a:r>
-              <a:rPr lang="de-DE" sz="1800" dirty="0"/>
+            <a:endParaRPr lang="de-DE" sz="2000" dirty="0"/>
+          </a:p>
+          <a:p>
+            <a:r>
+              <a:rPr lang="de-DE" dirty="0"/>
               <a:t>MVPA </a:t>
             </a:r>
             <a:r>
-              <a:rPr lang="de-DE" sz="1800" dirty="0" err="1"/>
+              <a:rPr lang="de-DE" dirty="0" err="1"/>
               <a:t>classification</a:t>
             </a:r>
-            <a:endParaRPr lang="de-DE" sz="1800" dirty="0"/>
+            <a:endParaRPr lang="de-DE" dirty="0"/>
           </a:p>
           <a:p>
             <a:pPr lvl="1"/>
             <a:r>
-              <a:rPr lang="de-DE" sz="1400" dirty="0"/>
+              <a:rPr lang="de-DE" sz="2000" dirty="0"/>
               <a:t>Princeton </a:t>
             </a:r>
             <a:r>
-              <a:rPr lang="de-DE" sz="1400" dirty="0" err="1"/>
+              <a:rPr lang="de-DE" sz="2000" dirty="0" err="1"/>
               <a:t>mvpa</a:t>
             </a:r>
             <a:r>
-              <a:rPr lang="de-DE" sz="1400" dirty="0"/>
-              <a:t> </a:t>
-            </a:r>
-            <a:r>
-              <a:rPr lang="de-DE" sz="1400" dirty="0" err="1"/>
+              <a:rPr lang="de-DE" sz="2000" dirty="0"/>
+              <a:t> </a:t>
+            </a:r>
+            <a:r>
+              <a:rPr lang="de-DE" sz="2000" dirty="0" err="1"/>
               <a:t>toolbox</a:t>
             </a:r>
             <a:r>
-              <a:rPr lang="de-DE" sz="1400" dirty="0"/>
+              <a:rPr lang="de-DE" sz="2000" dirty="0"/>
               <a:t>, </a:t>
             </a:r>
             <a:r>
-              <a:rPr lang="de-DE" sz="1400" dirty="0" err="1"/>
+              <a:rPr lang="de-DE" sz="2000" dirty="0" err="1"/>
               <a:t>trained</a:t>
             </a:r>
             <a:r>
-              <a:rPr lang="de-DE" sz="1400" dirty="0"/>
+              <a:rPr lang="de-DE" sz="2000" dirty="0"/>
               <a:t> on </a:t>
             </a:r>
             <a:r>
-              <a:rPr lang="de-DE" sz="1400" dirty="0" err="1"/>
+              <a:rPr lang="de-DE" sz="2000" dirty="0" err="1"/>
               <a:t>localizer</a:t>
             </a:r>
-            <a:endParaRPr lang="de-DE" sz="1400" dirty="0"/>
+            <a:endParaRPr lang="de-DE" sz="2000" dirty="0"/>
           </a:p>
           <a:p>
             <a:pPr lvl="1"/>
             <a:r>
-              <a:rPr lang="de-DE" sz="1400" dirty="0"/>
+              <a:rPr lang="de-DE" sz="2000" dirty="0"/>
               <a:t>Ventral temporal lobe </a:t>
             </a:r>
             <a:r>
-              <a:rPr lang="de-DE" sz="1400" dirty="0" err="1"/>
+              <a:rPr lang="de-DE" sz="2000" dirty="0" err="1"/>
               <a:t>mask</a:t>
             </a:r>
             <a:r>
-              <a:rPr lang="de-DE" sz="1400" dirty="0"/>
+              <a:rPr lang="de-DE" sz="2000" dirty="0"/>
               <a:t> (</a:t>
             </a:r>
             <a:r>
-              <a:rPr lang="de-DE" sz="1400" dirty="0" err="1"/>
+              <a:rPr lang="de-DE" sz="2000" dirty="0" err="1"/>
               <a:t>visually</a:t>
             </a:r>
             <a:r>
-              <a:rPr lang="de-DE" sz="1400" dirty="0"/>
-              <a:t> </a:t>
-            </a:r>
-            <a:r>
-              <a:rPr lang="de-DE" sz="1400" dirty="0" err="1"/>
+              <a:rPr lang="de-DE" sz="2000" dirty="0"/>
+              <a:t> </a:t>
+            </a:r>
+            <a:r>
+              <a:rPr lang="de-DE" sz="2000" dirty="0" err="1"/>
               <a:t>selective</a:t>
             </a:r>
             <a:r>
-              <a:rPr lang="de-DE" sz="1400" dirty="0"/>
-              <a:t> </a:t>
-            </a:r>
-            <a:r>
-              <a:rPr lang="de-DE" sz="1400" dirty="0" err="1"/>
+              <a:rPr lang="de-DE" sz="2000" dirty="0"/>
+              <a:t> </a:t>
+            </a:r>
+            <a:r>
+              <a:rPr lang="de-DE" sz="2000" dirty="0" err="1"/>
               <a:t>areas</a:t>
             </a:r>
             <a:r>
-              <a:rPr lang="de-DE" sz="1400" dirty="0"/>
+              <a:rPr lang="de-DE" sz="2000" dirty="0"/>
               <a:t>) = </a:t>
             </a:r>
             <a:r>
-              <a:rPr lang="de-DE" sz="1400" dirty="0" err="1"/>
+              <a:rPr lang="de-DE" sz="2000" dirty="0" err="1"/>
               <a:t>inferotemporal</a:t>
             </a:r>
             <a:r>
-              <a:rPr lang="de-DE" sz="1400" dirty="0"/>
-              <a:t> </a:t>
-            </a:r>
-            <a:r>
-              <a:rPr lang="de-DE" sz="1400" dirty="0" err="1"/>
+              <a:rPr lang="de-DE" sz="2000" dirty="0"/>
+              <a:t> </a:t>
+            </a:r>
+            <a:r>
+              <a:rPr lang="de-DE" sz="2000" dirty="0" err="1"/>
               <a:t>cortex</a:t>
             </a:r>
             <a:r>
-              <a:rPr lang="de-DE" sz="1400" dirty="0"/>
+              <a:rPr lang="de-DE" sz="2000" dirty="0"/>
               <a:t>, fusiform </a:t>
             </a:r>
             <a:r>
-              <a:rPr lang="de-DE" sz="1400" dirty="0" err="1"/>
+              <a:rPr lang="de-DE" sz="2000" dirty="0" err="1"/>
               <a:t>gyrus</a:t>
             </a:r>
             <a:r>
-              <a:rPr lang="de-DE" sz="1400" dirty="0"/>
+              <a:rPr lang="de-DE" sz="2000" dirty="0"/>
               <a:t> and </a:t>
             </a:r>
             <a:r>
-              <a:rPr lang="de-DE" sz="1400" dirty="0" err="1"/>
+              <a:rPr lang="de-DE" sz="2000" dirty="0" err="1"/>
               <a:t>parahippo</a:t>
             </a:r>
             <a:r>
-              <a:rPr lang="de-DE" sz="1400" dirty="0"/>
-              <a:t> </a:t>
-            </a:r>
-            <a:r>
-              <a:rPr lang="de-DE" sz="1400" dirty="0" err="1"/>
+              <a:rPr lang="de-DE" sz="2000" dirty="0"/>
+              <a:t> </a:t>
+            </a:r>
+            <a:r>
+              <a:rPr lang="de-DE" sz="2000" dirty="0" err="1"/>
               <a:t>gyrus</a:t>
             </a:r>
             <a:r>
-              <a:rPr lang="de-DE" sz="1400" dirty="0"/>
+              <a:rPr lang="de-DE" sz="2000" dirty="0"/>
               <a:t>, </a:t>
             </a:r>
             <a:r>
-              <a:rPr lang="de-DE" sz="1400" dirty="0" err="1"/>
+              <a:rPr lang="de-DE" sz="2000" dirty="0" err="1"/>
               <a:t>from</a:t>
             </a:r>
             <a:r>
-              <a:rPr lang="de-DE" sz="1400" dirty="0"/>
-              <a:t> </a:t>
-            </a:r>
-            <a:r>
-              <a:rPr lang="de-DE" sz="1400" dirty="0" err="1"/>
+              <a:rPr lang="de-DE" sz="2000" dirty="0"/>
+              <a:t> </a:t>
+            </a:r>
+            <a:r>
+              <a:rPr lang="de-DE" sz="2000" dirty="0" err="1"/>
               <a:t>freesurfer</a:t>
             </a:r>
             <a:r>
-              <a:rPr lang="de-DE" sz="1400" dirty="0"/>
-              <a:t> </a:t>
-            </a:r>
-            <a:r>
-              <a:rPr lang="de-DE" sz="1400" dirty="0" err="1"/>
+              <a:rPr lang="de-DE" sz="2000" dirty="0"/>
+              <a:t> </a:t>
+            </a:r>
+            <a:r>
+              <a:rPr lang="de-DE" sz="2000" dirty="0" err="1"/>
               <a:t>parcellation</a:t>
             </a:r>
-            <a:endParaRPr lang="de-DE" sz="1400" dirty="0"/>
+            <a:endParaRPr lang="de-DE" sz="2000" dirty="0"/>
           </a:p>
           <a:p>
             <a:pPr lvl="1"/>
             <a:r>
-              <a:rPr lang="de-DE" sz="1400" dirty="0"/>
+              <a:rPr lang="de-DE" sz="2000" dirty="0"/>
               <a:t>Regressor </a:t>
             </a:r>
             <a:r>
-              <a:rPr lang="de-DE" sz="1400" dirty="0" err="1"/>
+              <a:rPr lang="de-DE" sz="2000" dirty="0" err="1"/>
               <a:t>matrix</a:t>
             </a:r>
             <a:r>
-              <a:rPr lang="de-DE" sz="1400" dirty="0"/>
+              <a:rPr lang="de-DE" sz="2000" dirty="0"/>
               <a:t> = </a:t>
             </a:r>
             <a:r>
-              <a:rPr lang="de-DE" sz="1400" dirty="0" err="1"/>
+              <a:rPr lang="de-DE" sz="2000" dirty="0" err="1"/>
               <a:t>repetition</a:t>
             </a:r>
             <a:r>
-              <a:rPr lang="de-DE" sz="1400" dirty="0"/>
-              <a:t> </a:t>
-            </a:r>
-            <a:r>
-              <a:rPr lang="de-DE" sz="1400" dirty="0" err="1"/>
+              <a:rPr lang="de-DE" sz="2000" dirty="0"/>
+              <a:t> </a:t>
+            </a:r>
+            <a:r>
+              <a:rPr lang="de-DE" sz="2000" dirty="0" err="1"/>
               <a:t>nb</a:t>
             </a:r>
             <a:r>
-              <a:rPr lang="de-DE" sz="1400" dirty="0"/>
+              <a:rPr lang="de-DE" sz="2000" dirty="0"/>
               <a:t> (1-3), </a:t>
             </a:r>
             <a:r>
-              <a:rPr lang="de-DE" sz="1400" dirty="0" err="1"/>
+              <a:rPr lang="de-DE" sz="2000" dirty="0" err="1"/>
               <a:t>triad</a:t>
             </a:r>
             <a:r>
-              <a:rPr lang="de-DE" sz="1400" dirty="0"/>
+              <a:rPr lang="de-DE" sz="2000" dirty="0"/>
               <a:t> type (OOO, OOS), on 36 time </a:t>
             </a:r>
             <a:r>
-              <a:rPr lang="de-DE" sz="1400" dirty="0" err="1"/>
+              <a:rPr lang="de-DE" sz="2000" dirty="0" err="1"/>
               <a:t>points</a:t>
             </a:r>
             <a:r>
-              <a:rPr lang="de-DE" sz="1400" dirty="0"/>
+              <a:rPr lang="de-DE" sz="2000" dirty="0"/>
               <a:t> (w a 6s shift </a:t>
             </a:r>
             <a:r>
-              <a:rPr lang="de-DE" sz="1400" dirty="0" err="1"/>
+              <a:rPr lang="de-DE" sz="2000" dirty="0" err="1"/>
               <a:t>to</a:t>
             </a:r>
             <a:r>
-              <a:rPr lang="de-DE" sz="1400" dirty="0"/>
-              <a:t> </a:t>
-            </a:r>
-            <a:r>
-              <a:rPr lang="de-DE" sz="1400" dirty="0" err="1"/>
+              <a:rPr lang="de-DE" sz="2000" dirty="0"/>
+              <a:t> </a:t>
+            </a:r>
+            <a:r>
+              <a:rPr lang="de-DE" sz="2000" dirty="0" err="1"/>
               <a:t>account</a:t>
             </a:r>
             <a:r>
-              <a:rPr lang="de-DE" sz="1400" dirty="0"/>
-              <a:t> </a:t>
-            </a:r>
-            <a:r>
-              <a:rPr lang="de-DE" sz="1400" dirty="0" err="1"/>
+              <a:rPr lang="de-DE" sz="2000" dirty="0"/>
+              <a:t> </a:t>
+            </a:r>
+            <a:r>
+              <a:rPr lang="de-DE" sz="2000" dirty="0" err="1"/>
               <a:t>for</a:t>
             </a:r>
             <a:r>
-              <a:rPr lang="de-DE" sz="1400" dirty="0"/>
-              <a:t> </a:t>
-            </a:r>
-            <a:r>
-              <a:rPr lang="de-DE" sz="1400" dirty="0" err="1"/>
+              <a:rPr lang="de-DE" sz="2000" dirty="0"/>
+              <a:t> </a:t>
+            </a:r>
+            <a:r>
+              <a:rPr lang="de-DE" sz="2000" dirty="0" err="1"/>
               <a:t>hemodynamic</a:t>
             </a:r>
             <a:r>
-              <a:rPr lang="de-DE" sz="1400" dirty="0"/>
+              <a:rPr lang="de-DE" sz="2000" dirty="0"/>
               <a:t> lag)</a:t>
             </a:r>
           </a:p>
           <a:p>
             <a:pPr lvl="1"/>
             <a:r>
-              <a:rPr lang="de-DE" sz="1400" dirty="0"/>
+              <a:rPr lang="de-DE" sz="2000" dirty="0"/>
               <a:t>Average </a:t>
             </a:r>
             <a:r>
-              <a:rPr lang="de-DE" sz="1400" dirty="0" err="1"/>
+              <a:rPr lang="de-DE" sz="2000" dirty="0" err="1"/>
               <a:t>classifier</a:t>
             </a:r>
             <a:r>
-              <a:rPr lang="de-DE" sz="1400" dirty="0"/>
-              <a:t> </a:t>
-            </a:r>
-            <a:r>
-              <a:rPr lang="de-DE" sz="1400" dirty="0" err="1"/>
+              <a:rPr lang="de-DE" sz="2000" dirty="0"/>
+              <a:t> </a:t>
+            </a:r>
+            <a:r>
+              <a:rPr lang="de-DE" sz="2000" dirty="0" err="1"/>
               <a:t>output</a:t>
             </a:r>
             <a:r>
-              <a:rPr lang="de-DE" sz="1400" dirty="0"/>
-              <a:t> </a:t>
-            </a:r>
-            <a:r>
-              <a:rPr lang="de-DE" sz="1400" dirty="0" err="1"/>
+              <a:rPr lang="de-DE" sz="2000" dirty="0"/>
+              <a:t> </a:t>
+            </a:r>
+            <a:r>
+              <a:rPr lang="de-DE" sz="2000" dirty="0" err="1"/>
               <a:t>by</a:t>
             </a:r>
             <a:r>
-              <a:rPr lang="de-DE" sz="1400" dirty="0"/>
-              <a:t> </a:t>
-            </a:r>
-            <a:r>
-              <a:rPr lang="de-DE" sz="1400" dirty="0" err="1"/>
+              <a:rPr lang="de-DE" sz="2000" dirty="0"/>
+              <a:t> </a:t>
+            </a:r>
+            <a:r>
+              <a:rPr lang="de-DE" sz="2000" dirty="0" err="1"/>
               <a:t>condition</a:t>
             </a:r>
-            <a:endParaRPr lang="de-DE" sz="1400" dirty="0"/>
+            <a:endParaRPr lang="de-DE" sz="2000" dirty="0"/>
           </a:p>
           <a:p>
             <a:pPr lvl="1"/>
             <a:r>
-              <a:rPr lang="de-DE" sz="1400" b="1" dirty="0" err="1"/>
+              <a:rPr lang="de-DE" sz="2000" b="1" dirty="0" err="1"/>
               <a:t>Reactivation</a:t>
             </a:r>
             <a:r>
-              <a:rPr lang="de-DE" sz="1400" b="1" dirty="0"/>
+              <a:rPr lang="de-DE" sz="2000" b="1" dirty="0"/>
               <a:t> = </a:t>
             </a:r>
             <a:r>
-              <a:rPr lang="de-DE" sz="1400" b="1" dirty="0" err="1"/>
+              <a:rPr lang="de-DE" sz="2000" b="1" dirty="0" err="1"/>
               <a:t>output</a:t>
             </a:r>
             <a:r>
-              <a:rPr lang="de-DE" sz="1400" b="1" dirty="0"/>
+              <a:rPr lang="de-DE" sz="2000" b="1" dirty="0"/>
               <a:t> OOS – </a:t>
             </a:r>
             <a:r>
-              <a:rPr lang="de-DE" sz="1400" b="1" dirty="0" err="1"/>
+              <a:rPr lang="de-DE" sz="2000" b="1" dirty="0" err="1"/>
               <a:t>output</a:t>
             </a:r>
             <a:r>
-              <a:rPr lang="de-DE" sz="1400" b="1" dirty="0"/>
-              <a:t> OOS</a:t>
-            </a:r>
-          </a:p>
-          <a:p>
-            <a:r>
-              <a:rPr lang="de-DE" sz="1800" dirty="0"/>
+              <a:rPr lang="de-DE" sz="2000" b="1" dirty="0"/>
+              <a:t> OOO</a:t>
+            </a:r>
+          </a:p>
+          <a:p>
+            <a:r>
+              <a:rPr lang="de-DE" dirty="0"/>
               <a:t>ROI </a:t>
             </a:r>
             <a:r>
-              <a:rPr lang="de-DE" sz="1800" dirty="0" err="1"/>
+              <a:rPr lang="de-DE" dirty="0" err="1"/>
               <a:t>activation</a:t>
             </a:r>
             <a:r>
-              <a:rPr lang="de-DE" sz="1800" dirty="0"/>
-              <a:t> </a:t>
-            </a:r>
-            <a:r>
-              <a:rPr lang="de-DE" sz="1800" dirty="0" err="1"/>
+              <a:rPr lang="de-DE" dirty="0"/>
+              <a:t> </a:t>
+            </a:r>
+            <a:r>
+              <a:rPr lang="de-DE" dirty="0" err="1"/>
               <a:t>change</a:t>
             </a:r>
             <a:r>
-              <a:rPr lang="de-DE" sz="1800" dirty="0"/>
-              <a:t> </a:t>
-            </a:r>
-            <a:r>
-              <a:rPr lang="de-DE" sz="1800" dirty="0" err="1"/>
+              <a:rPr lang="de-DE" dirty="0"/>
+              <a:t> </a:t>
+            </a:r>
+            <a:r>
+              <a:rPr lang="de-DE" dirty="0" err="1"/>
               <a:t>correl</a:t>
             </a:r>
             <a:r>
-              <a:rPr lang="de-DE" sz="1800" dirty="0"/>
+              <a:rPr lang="de-DE" dirty="0"/>
               <a:t> w/ </a:t>
             </a:r>
             <a:r>
-              <a:rPr lang="de-DE" sz="1800" dirty="0" err="1"/>
+              <a:rPr lang="de-DE" dirty="0" err="1"/>
               <a:t>reactivation</a:t>
             </a:r>
             <a:r>
-              <a:rPr lang="de-DE" sz="1800" dirty="0"/>
-              <a:t> </a:t>
-            </a:r>
-            <a:r>
-              <a:rPr lang="de-DE" sz="1800" dirty="0" err="1"/>
+              <a:rPr lang="de-DE" dirty="0"/>
+              <a:t> </a:t>
+            </a:r>
+            <a:r>
+              <a:rPr lang="de-DE" dirty="0" err="1"/>
               <a:t>index</a:t>
             </a:r>
             <a:r>
-              <a:rPr lang="de-DE" sz="1800" dirty="0"/>
+              <a:rPr lang="de-DE" dirty="0"/>
               <a:t> and AC </a:t>
             </a:r>
             <a:r>
-              <a:rPr lang="de-DE" sz="1800" dirty="0" err="1"/>
+              <a:rPr lang="de-DE" dirty="0" err="1"/>
               <a:t>perf</a:t>
             </a:r>
             <a:r>
-              <a:rPr lang="de-DE" sz="1800" dirty="0"/>
+              <a:rPr lang="de-DE" dirty="0"/>
               <a:t> </a:t>
             </a:r>
           </a:p>
           <a:p>
             <a:pPr lvl="1"/>
             <a:r>
-              <a:rPr lang="de-DE" sz="1400" dirty="0" err="1"/>
+              <a:rPr lang="de-DE" sz="2000" dirty="0" err="1"/>
               <a:t>analysis</a:t>
             </a:r>
             <a:r>
-              <a:rPr lang="de-DE" sz="1400" dirty="0"/>
+              <a:rPr lang="de-DE" sz="2000" dirty="0"/>
               <a:t> (MTL and VMPFC) </a:t>
             </a:r>
             <a:r>
-              <a:rPr lang="de-DE" sz="1400" dirty="0" err="1"/>
+              <a:rPr lang="de-DE" sz="2000" dirty="0" err="1"/>
               <a:t>corr</a:t>
             </a:r>
             <a:r>
-              <a:rPr lang="de-DE" sz="1400" dirty="0"/>
+              <a:rPr lang="de-DE" sz="2000" dirty="0"/>
               <a:t> + </a:t>
             </a:r>
             <a:r>
-              <a:rPr lang="de-DE" sz="1400" dirty="0" err="1"/>
+              <a:rPr lang="de-DE" sz="2000" dirty="0" err="1"/>
               <a:t>other</a:t>
             </a:r>
             <a:r>
-              <a:rPr lang="de-DE" sz="1400" dirty="0"/>
+              <a:rPr lang="de-DE" sz="2000" dirty="0"/>
               <a:t> ROIs </a:t>
             </a:r>
             <a:r>
-              <a:rPr lang="de-DE" sz="1400" dirty="0" err="1"/>
+              <a:rPr lang="de-DE" sz="2000" dirty="0" err="1"/>
               <a:t>as</a:t>
             </a:r>
             <a:r>
-              <a:rPr lang="de-DE" sz="1400" dirty="0"/>
-              <a:t> </a:t>
-            </a:r>
-            <a:r>
-              <a:rPr lang="de-DE" sz="1400" dirty="0" err="1"/>
+              <a:rPr lang="de-DE" sz="2000" dirty="0"/>
+              <a:t> </a:t>
+            </a:r>
+            <a:r>
+              <a:rPr lang="de-DE" sz="2000" dirty="0" err="1"/>
               <a:t>control</a:t>
             </a:r>
-            <a:endParaRPr lang="de-DE" sz="1400" dirty="0"/>
-          </a:p>
-          <a:p>
-            <a:r>
-              <a:rPr lang="de-DE" sz="1800" dirty="0" err="1"/>
+            <a:endParaRPr lang="de-DE" sz="2000" dirty="0"/>
+          </a:p>
+          <a:p>
+            <a:r>
+              <a:rPr lang="de-DE" b="1" dirty="0" err="1"/>
               <a:t>Functional</a:t>
             </a:r>
             <a:r>
-              <a:rPr lang="de-DE" sz="1800" dirty="0"/>
-              <a:t> </a:t>
-            </a:r>
-            <a:r>
-              <a:rPr lang="de-DE" sz="1800" dirty="0" err="1"/>
+              <a:rPr lang="de-DE" b="1" dirty="0"/>
+              <a:t> </a:t>
+            </a:r>
+            <a:r>
+              <a:rPr lang="de-DE" b="1" dirty="0" err="1"/>
               <a:t>connectivity</a:t>
             </a:r>
             <a:r>
-              <a:rPr lang="de-DE" sz="1800" dirty="0"/>
+              <a:rPr lang="de-DE" b="1" dirty="0"/>
               <a:t> w/ </a:t>
             </a:r>
             <a:r>
-              <a:rPr lang="de-DE" sz="1800" dirty="0" err="1"/>
+              <a:rPr lang="de-DE" b="1" dirty="0" err="1"/>
               <a:t>hippo</a:t>
             </a:r>
             <a:r>
-              <a:rPr lang="de-DE" sz="1800" dirty="0"/>
-              <a:t> </a:t>
-            </a:r>
-            <a:r>
-              <a:rPr lang="de-DE" sz="1800" dirty="0" err="1"/>
+              <a:rPr lang="de-DE" b="1" dirty="0"/>
+              <a:t> </a:t>
+            </a:r>
+            <a:r>
+              <a:rPr lang="de-DE" b="1" dirty="0" err="1"/>
               <a:t>as</a:t>
             </a:r>
             <a:r>
-              <a:rPr lang="de-DE" sz="1800" dirty="0"/>
-              <a:t> </a:t>
-            </a:r>
-            <a:r>
-              <a:rPr lang="de-DE" sz="1800" dirty="0" err="1"/>
+              <a:rPr lang="de-DE" b="1" dirty="0"/>
+              <a:t> </a:t>
+            </a:r>
+            <a:r>
+              <a:rPr lang="de-DE" b="1" dirty="0" err="1"/>
               <a:t>seed</a:t>
             </a:r>
-            <a:endParaRPr lang="de-DE" sz="1800" dirty="0"/>
+            <a:endParaRPr lang="de-DE" b="1" dirty="0"/>
           </a:p>
           <a:p>
             <a:pPr lvl="1"/>
             <a:r>
-              <a:rPr lang="de-DE" sz="1400" dirty="0"/>
+              <a:rPr lang="de-DE" sz="2000" dirty="0"/>
               <a:t>By </a:t>
             </a:r>
             <a:r>
-              <a:rPr lang="de-DE" sz="1400" dirty="0" err="1"/>
+              <a:rPr lang="de-DE" sz="2000" dirty="0" err="1"/>
               <a:t>run</a:t>
             </a:r>
             <a:r>
-              <a:rPr lang="de-DE" sz="1400" dirty="0"/>
+              <a:rPr lang="de-DE" sz="2000" dirty="0"/>
               <a:t>/</a:t>
             </a:r>
             <a:r>
-              <a:rPr lang="de-DE" sz="1400" dirty="0" err="1"/>
+              <a:rPr lang="de-DE" sz="2000" dirty="0" err="1"/>
               <a:t>repetition</a:t>
             </a:r>
-            <a:endParaRPr lang="de-DE" sz="1400" dirty="0"/>
+            <a:endParaRPr lang="de-DE" sz="2000" dirty="0"/>
           </a:p>
           <a:p>
             <a:pPr lvl="1"/>
             <a:r>
-              <a:rPr lang="de-DE" sz="1400" dirty="0" err="1"/>
+              <a:rPr lang="de-DE" sz="2000" dirty="0" err="1"/>
               <a:t>Repeated</a:t>
             </a:r>
             <a:r>
-              <a:rPr lang="de-DE" sz="1400" dirty="0"/>
-              <a:t> </a:t>
-            </a:r>
-            <a:r>
-              <a:rPr lang="de-DE" sz="1400" dirty="0" err="1"/>
+              <a:rPr lang="de-DE" sz="2000" dirty="0"/>
+              <a:t> </a:t>
+            </a:r>
+            <a:r>
+              <a:rPr lang="de-DE" sz="2000" dirty="0" err="1"/>
               <a:t>measure</a:t>
             </a:r>
             <a:r>
-              <a:rPr lang="de-DE" sz="1400" dirty="0"/>
+              <a:rPr lang="de-DE" sz="2000" dirty="0"/>
               <a:t> ANOVA on </a:t>
             </a:r>
             <a:r>
-              <a:rPr lang="de-DE" sz="1400" dirty="0" err="1"/>
+              <a:rPr lang="de-DE" sz="2000" dirty="0" err="1"/>
               <a:t>result</a:t>
             </a:r>
-            <a:endParaRPr lang="de-DE" sz="1400" dirty="0"/>
+            <a:endParaRPr lang="de-DE" sz="2000" dirty="0"/>
           </a:p>
           <a:p>
             <a:pPr lvl="1"/>
-            <a:endParaRPr lang="de-DE" sz="1400" dirty="0"/>
+            <a:endParaRPr lang="de-DE" sz="2000" dirty="0"/>
           </a:p>
         </p:txBody>
       </p:sp>
@@ -8997,14 +9001,14 @@
           </a:p>
           <a:p>
             <a:r>
-              <a:rPr lang="de-DE" sz="1800" dirty="0"/>
+              <a:rPr lang="de-DE" sz="1800" b="1" dirty="0"/>
               <a:t>Univariate </a:t>
             </a:r>
             <a:r>
-              <a:rPr lang="de-DE" sz="1800" dirty="0" err="1"/>
+              <a:rPr lang="de-DE" sz="1800" b="1" dirty="0" err="1"/>
               <a:t>analysis</a:t>
             </a:r>
-            <a:endParaRPr lang="de-DE" sz="1800" dirty="0"/>
+            <a:endParaRPr lang="de-DE" sz="1800" b="1" dirty="0"/>
           </a:p>
           <a:p>
             <a:pPr lvl="1"/>
@@ -9230,22 +9234,22 @@
           </a:p>
           <a:p>
             <a:r>
-              <a:rPr lang="de-DE" sz="1800" dirty="0"/>
+              <a:rPr lang="de-DE" sz="1800" b="1" dirty="0"/>
               <a:t>Group </a:t>
             </a:r>
             <a:r>
-              <a:rPr lang="de-DE" sz="1800" dirty="0" err="1"/>
+              <a:rPr lang="de-DE" sz="1800" b="1" dirty="0" err="1"/>
               <a:t>level</a:t>
             </a:r>
             <a:r>
-              <a:rPr lang="de-DE" sz="1800" dirty="0"/>
+              <a:rPr lang="de-DE" sz="1800" b="1" dirty="0"/>
               <a:t> univariate </a:t>
             </a:r>
             <a:r>
-              <a:rPr lang="de-DE" sz="1800" dirty="0" err="1"/>
+              <a:rPr lang="de-DE" sz="1800" b="1" dirty="0" err="1"/>
               <a:t>analysis</a:t>
             </a:r>
-            <a:endParaRPr lang="de-DE" sz="1800" dirty="0"/>
+            <a:endParaRPr lang="de-DE" sz="1800" b="1" dirty="0"/>
           </a:p>
           <a:p>
             <a:pPr lvl="1"/>
@@ -9460,7 +9464,7 @@
           </a:p>
           <a:p>
             <a:r>
-              <a:rPr lang="de-DE" sz="1800" dirty="0"/>
+              <a:rPr lang="de-DE" sz="1800" b="1" dirty="0"/>
               <a:t>MVPA RSA</a:t>
             </a:r>
           </a:p>
@@ -10212,7 +10216,7 @@
               <a:t>test</a:t>
             </a:r>
             <a:r>
-              <a:rPr lang="de-DE" sz="1100"/>
+              <a:rPr lang="de-DE" sz="1100" dirty="0"/>
               <a:t>;  </a:t>
             </a:r>
             <a:r>
